--- a/Design/UI/UI_Prototype Main.pptx
+++ b/Design/UI/UI_Prototype Main.pptx
@@ -5,17 +5,18 @@
     <p:sldMasterId id="2147483648" r:id="rId1"/>
   </p:sldMasterIdLst>
   <p:notesMasterIdLst>
-    <p:notesMasterId r:id="rId10"/>
+    <p:notesMasterId r:id="rId11"/>
   </p:notesMasterIdLst>
   <p:sldIdLst>
     <p:sldId id="256" r:id="rId2"/>
     <p:sldId id="261" r:id="rId3"/>
     <p:sldId id="258" r:id="rId4"/>
-    <p:sldId id="257" r:id="rId5"/>
-    <p:sldId id="259" r:id="rId6"/>
-    <p:sldId id="260" r:id="rId7"/>
-    <p:sldId id="262" r:id="rId8"/>
-    <p:sldId id="263" r:id="rId9"/>
+    <p:sldId id="264" r:id="rId5"/>
+    <p:sldId id="257" r:id="rId6"/>
+    <p:sldId id="259" r:id="rId7"/>
+    <p:sldId id="260" r:id="rId8"/>
+    <p:sldId id="262" r:id="rId9"/>
+    <p:sldId id="265" r:id="rId10"/>
   </p:sldIdLst>
   <p:sldSz cx="12192000" cy="6858000"/>
   <p:notesSz cx="6858000" cy="9144000"/>
@@ -204,7 +205,7 @@
           <a:p>
             <a:fld id="{D9882978-3FCC-4B5D-A25C-39CC48A921E7}" type="datetimeFigureOut">
               <a:rPr lang="en-GB" smtClean="0"/>
-              <a:t>09/05/2020</a:t>
+              <a:t>13/05/2020</a:t>
             </a:fld>
             <a:endParaRPr lang="en-GB"/>
           </a:p>
@@ -621,7 +622,7 @@
           <a:p>
             <a:fld id="{63622F74-A276-4FA6-9C88-53D2E8CC51AA}" type="slidenum">
               <a:rPr lang="en-GB" smtClean="0"/>
-              <a:t>4</a:t>
+              <a:t>5</a:t>
             </a:fld>
             <a:endParaRPr lang="en-GB"/>
           </a:p>
@@ -705,7 +706,7 @@
           <a:p>
             <a:fld id="{63622F74-A276-4FA6-9C88-53D2E8CC51AA}" type="slidenum">
               <a:rPr lang="en-GB" smtClean="0"/>
-              <a:t>5</a:t>
+              <a:t>6</a:t>
             </a:fld>
             <a:endParaRPr lang="en-GB"/>
           </a:p>
@@ -789,7 +790,7 @@
           <a:p>
             <a:fld id="{63622F74-A276-4FA6-9C88-53D2E8CC51AA}" type="slidenum">
               <a:rPr lang="en-GB" smtClean="0"/>
-              <a:t>6</a:t>
+              <a:t>7</a:t>
             </a:fld>
             <a:endParaRPr lang="en-GB"/>
           </a:p>
@@ -873,7 +874,7 @@
           <a:p>
             <a:fld id="{63622F74-A276-4FA6-9C88-53D2E8CC51AA}" type="slidenum">
               <a:rPr lang="en-GB" smtClean="0"/>
-              <a:t>7</a:t>
+              <a:t>8</a:t>
             </a:fld>
             <a:endParaRPr lang="en-GB"/>
           </a:p>
@@ -1041,7 +1042,7 @@
           <a:p>
             <a:fld id="{856B435D-6373-43E2-B92D-3B41A1B5989B}" type="datetimeFigureOut">
               <a:rPr lang="en-GB" smtClean="0"/>
-              <a:t>09/05/2020</a:t>
+              <a:t>13/05/2020</a:t>
             </a:fld>
             <a:endParaRPr lang="en-GB"/>
           </a:p>
@@ -1241,7 +1242,7 @@
           <a:p>
             <a:fld id="{856B435D-6373-43E2-B92D-3B41A1B5989B}" type="datetimeFigureOut">
               <a:rPr lang="en-GB" smtClean="0"/>
-              <a:t>09/05/2020</a:t>
+              <a:t>13/05/2020</a:t>
             </a:fld>
             <a:endParaRPr lang="en-GB"/>
           </a:p>
@@ -1451,7 +1452,7 @@
           <a:p>
             <a:fld id="{856B435D-6373-43E2-B92D-3B41A1B5989B}" type="datetimeFigureOut">
               <a:rPr lang="en-GB" smtClean="0"/>
-              <a:t>09/05/2020</a:t>
+              <a:t>13/05/2020</a:t>
             </a:fld>
             <a:endParaRPr lang="en-GB"/>
           </a:p>
@@ -1651,7 +1652,7 @@
           <a:p>
             <a:fld id="{856B435D-6373-43E2-B92D-3B41A1B5989B}" type="datetimeFigureOut">
               <a:rPr lang="en-GB" smtClean="0"/>
-              <a:t>09/05/2020</a:t>
+              <a:t>13/05/2020</a:t>
             </a:fld>
             <a:endParaRPr lang="en-GB"/>
           </a:p>
@@ -1927,7 +1928,7 @@
           <a:p>
             <a:fld id="{856B435D-6373-43E2-B92D-3B41A1B5989B}" type="datetimeFigureOut">
               <a:rPr lang="en-GB" smtClean="0"/>
-              <a:t>09/05/2020</a:t>
+              <a:t>13/05/2020</a:t>
             </a:fld>
             <a:endParaRPr lang="en-GB"/>
           </a:p>
@@ -2195,7 +2196,7 @@
           <a:p>
             <a:fld id="{856B435D-6373-43E2-B92D-3B41A1B5989B}" type="datetimeFigureOut">
               <a:rPr lang="en-GB" smtClean="0"/>
-              <a:t>09/05/2020</a:t>
+              <a:t>13/05/2020</a:t>
             </a:fld>
             <a:endParaRPr lang="en-GB"/>
           </a:p>
@@ -2610,7 +2611,7 @@
           <a:p>
             <a:fld id="{856B435D-6373-43E2-B92D-3B41A1B5989B}" type="datetimeFigureOut">
               <a:rPr lang="en-GB" smtClean="0"/>
-              <a:t>09/05/2020</a:t>
+              <a:t>13/05/2020</a:t>
             </a:fld>
             <a:endParaRPr lang="en-GB"/>
           </a:p>
@@ -2752,7 +2753,7 @@
           <a:p>
             <a:fld id="{856B435D-6373-43E2-B92D-3B41A1B5989B}" type="datetimeFigureOut">
               <a:rPr lang="en-GB" smtClean="0"/>
-              <a:t>09/05/2020</a:t>
+              <a:t>13/05/2020</a:t>
             </a:fld>
             <a:endParaRPr lang="en-GB"/>
           </a:p>
@@ -2865,7 +2866,7 @@
           <a:p>
             <a:fld id="{856B435D-6373-43E2-B92D-3B41A1B5989B}" type="datetimeFigureOut">
               <a:rPr lang="en-GB" smtClean="0"/>
-              <a:t>09/05/2020</a:t>
+              <a:t>13/05/2020</a:t>
             </a:fld>
             <a:endParaRPr lang="en-GB"/>
           </a:p>
@@ -3178,7 +3179,7 @@
           <a:p>
             <a:fld id="{856B435D-6373-43E2-B92D-3B41A1B5989B}" type="datetimeFigureOut">
               <a:rPr lang="en-GB" smtClean="0"/>
-              <a:t>09/05/2020</a:t>
+              <a:t>13/05/2020</a:t>
             </a:fld>
             <a:endParaRPr lang="en-GB"/>
           </a:p>
@@ -3467,7 +3468,7 @@
           <a:p>
             <a:fld id="{856B435D-6373-43E2-B92D-3B41A1B5989B}" type="datetimeFigureOut">
               <a:rPr lang="en-GB" smtClean="0"/>
-              <a:t>09/05/2020</a:t>
+              <a:t>13/05/2020</a:t>
             </a:fld>
             <a:endParaRPr lang="en-GB"/>
           </a:p>
@@ -3710,7 +3711,7 @@
           <a:p>
             <a:fld id="{856B435D-6373-43E2-B92D-3B41A1B5989B}" type="datetimeFigureOut">
               <a:rPr lang="en-GB" smtClean="0"/>
-              <a:t>09/05/2020</a:t>
+              <a:t>13/05/2020</a:t>
             </a:fld>
             <a:endParaRPr lang="en-GB"/>
           </a:p>
@@ -5198,8 +5199,8 @@
         </p:nvSpPr>
         <p:spPr>
           <a:xfrm>
-            <a:off x="3533867" y="2365691"/>
-            <a:ext cx="5165143" cy="2556977"/>
+            <a:off x="1638477" y="2455941"/>
+            <a:ext cx="8608570" cy="2556977"/>
           </a:xfrm>
           <a:prstGeom prst="rect">
             <a:avLst/>
@@ -5242,7 +5243,7 @@
         </p:nvSpPr>
         <p:spPr>
           <a:xfrm>
-            <a:off x="3533866" y="2365691"/>
+            <a:off x="1638476" y="2455941"/>
             <a:ext cx="1721715" cy="464806"/>
           </a:xfrm>
           <a:prstGeom prst="rect">
@@ -5289,7 +5290,7 @@
         </p:nvSpPr>
         <p:spPr>
           <a:xfrm>
-            <a:off x="5255581" y="2365691"/>
+            <a:off x="3360191" y="2455941"/>
             <a:ext cx="1721715" cy="464806"/>
           </a:xfrm>
           <a:prstGeom prst="rect">
@@ -5336,7 +5337,7 @@
         </p:nvSpPr>
         <p:spPr>
           <a:xfrm>
-            <a:off x="6977295" y="2365691"/>
+            <a:off x="5081905" y="2455941"/>
             <a:ext cx="1721715" cy="464806"/>
           </a:xfrm>
           <a:prstGeom prst="rect">
@@ -5364,7 +5365,7 @@
             <a:pPr algn="ctr"/>
             <a:r>
               <a:rPr lang="en-GB" dirty="0"/>
-              <a:t>Score</a:t>
+              <a:t>Addition</a:t>
             </a:r>
           </a:p>
         </p:txBody>
@@ -5383,7 +5384,7 @@
         </p:nvSpPr>
         <p:spPr>
           <a:xfrm>
-            <a:off x="3533866" y="2830497"/>
+            <a:off x="1638476" y="2920747"/>
             <a:ext cx="1721715" cy="464806"/>
           </a:xfrm>
           <a:prstGeom prst="rect">
@@ -5430,7 +5431,7 @@
         </p:nvSpPr>
         <p:spPr>
           <a:xfrm>
-            <a:off x="5255581" y="2830497"/>
+            <a:off x="3360191" y="2920747"/>
             <a:ext cx="1721715" cy="464806"/>
           </a:xfrm>
           <a:prstGeom prst="rect">
@@ -5477,7 +5478,7 @@
         </p:nvSpPr>
         <p:spPr>
           <a:xfrm>
-            <a:off x="6977295" y="2830497"/>
+            <a:off x="5081905" y="2920747"/>
             <a:ext cx="1721715" cy="464806"/>
           </a:xfrm>
           <a:prstGeom prst="rect">
@@ -5524,7 +5525,7 @@
         </p:nvSpPr>
         <p:spPr>
           <a:xfrm>
-            <a:off x="3533866" y="3278080"/>
+            <a:off x="1638476" y="3368330"/>
             <a:ext cx="1721715" cy="464806"/>
           </a:xfrm>
           <a:prstGeom prst="rect">
@@ -5571,7 +5572,7 @@
         </p:nvSpPr>
         <p:spPr>
           <a:xfrm>
-            <a:off x="5255581" y="3278080"/>
+            <a:off x="3360191" y="3368330"/>
             <a:ext cx="1721715" cy="464806"/>
           </a:xfrm>
           <a:prstGeom prst="rect">
@@ -5618,7 +5619,7 @@
         </p:nvSpPr>
         <p:spPr>
           <a:xfrm>
-            <a:off x="6977295" y="3278080"/>
+            <a:off x="5081905" y="3368330"/>
             <a:ext cx="1721715" cy="464806"/>
           </a:xfrm>
           <a:prstGeom prst="rect">
@@ -5646,7 +5647,7 @@
             <a:pPr algn="ctr"/>
             <a:r>
               <a:rPr lang="en-GB" dirty="0"/>
-              <a:t>10</a:t>
+              <a:t>6</a:t>
             </a:r>
           </a:p>
         </p:txBody>
@@ -5665,7 +5666,7 @@
         </p:nvSpPr>
         <p:spPr>
           <a:xfrm>
-            <a:off x="3533865" y="3740770"/>
+            <a:off x="1638475" y="3831020"/>
             <a:ext cx="1721715" cy="464806"/>
           </a:xfrm>
           <a:prstGeom prst="rect">
@@ -5712,7 +5713,7 @@
         </p:nvSpPr>
         <p:spPr>
           <a:xfrm>
-            <a:off x="5255580" y="3740770"/>
+            <a:off x="3360190" y="3831020"/>
             <a:ext cx="1721715" cy="464806"/>
           </a:xfrm>
           <a:prstGeom prst="rect">
@@ -5759,7 +5760,7 @@
         </p:nvSpPr>
         <p:spPr>
           <a:xfrm>
-            <a:off x="6977294" y="3740770"/>
+            <a:off x="5081904" y="3831020"/>
             <a:ext cx="1721715" cy="464806"/>
           </a:xfrm>
           <a:prstGeom prst="rect">
@@ -5788,6 +5789,382 @@
             <a:r>
               <a:rPr lang="en-GB" dirty="0"/>
               <a:t>5</a:t>
+            </a:r>
+          </a:p>
+        </p:txBody>
+      </p:sp>
+      <p:sp>
+        <p:nvSpPr>
+          <p:cNvPr id="25" name="Rectangle 24">
+            <a:extLst>
+              <a:ext uri="{FF2B5EF4-FFF2-40B4-BE49-F238E27FC236}">
+                <a16:creationId xmlns:a16="http://schemas.microsoft.com/office/drawing/2014/main" id="{5BAE1617-83C4-4543-9B99-8AF4F6D079B6}"/>
+              </a:ext>
+            </a:extLst>
+          </p:cNvPr>
+          <p:cNvSpPr/>
+          <p:nvPr/>
+        </p:nvSpPr>
+        <p:spPr>
+          <a:xfrm>
+            <a:off x="6803619" y="2455941"/>
+            <a:ext cx="1721715" cy="464806"/>
+          </a:xfrm>
+          <a:prstGeom prst="rect">
+            <a:avLst/>
+          </a:prstGeom>
+        </p:spPr>
+        <p:style>
+          <a:lnRef idx="2">
+            <a:schemeClr val="accent3"/>
+          </a:lnRef>
+          <a:fillRef idx="1">
+            <a:schemeClr val="lt1"/>
+          </a:fillRef>
+          <a:effectRef idx="0">
+            <a:schemeClr val="accent3"/>
+          </a:effectRef>
+          <a:fontRef idx="minor">
+            <a:schemeClr val="dk1"/>
+          </a:fontRef>
+        </p:style>
+        <p:txBody>
+          <a:bodyPr rtlCol="0" anchor="ctr"/>
+          <a:lstStyle/>
+          <a:p>
+            <a:pPr algn="ctr"/>
+            <a:r>
+              <a:rPr lang="en-GB" dirty="0"/>
+              <a:t>Subtraction</a:t>
+            </a:r>
+          </a:p>
+        </p:txBody>
+      </p:sp>
+      <p:sp>
+        <p:nvSpPr>
+          <p:cNvPr id="26" name="Rectangle 25">
+            <a:extLst>
+              <a:ext uri="{FF2B5EF4-FFF2-40B4-BE49-F238E27FC236}">
+                <a16:creationId xmlns:a16="http://schemas.microsoft.com/office/drawing/2014/main" id="{1246DBC8-1E87-4158-8522-9BFEED330480}"/>
+              </a:ext>
+            </a:extLst>
+          </p:cNvPr>
+          <p:cNvSpPr/>
+          <p:nvPr/>
+        </p:nvSpPr>
+        <p:spPr>
+          <a:xfrm>
+            <a:off x="6803619" y="2920747"/>
+            <a:ext cx="1721715" cy="464806"/>
+          </a:xfrm>
+          <a:prstGeom prst="rect">
+            <a:avLst/>
+          </a:prstGeom>
+        </p:spPr>
+        <p:style>
+          <a:lnRef idx="2">
+            <a:schemeClr val="accent3"/>
+          </a:lnRef>
+          <a:fillRef idx="1">
+            <a:schemeClr val="lt1"/>
+          </a:fillRef>
+          <a:effectRef idx="0">
+            <a:schemeClr val="accent3"/>
+          </a:effectRef>
+          <a:fontRef idx="minor">
+            <a:schemeClr val="dk1"/>
+          </a:fontRef>
+        </p:style>
+        <p:txBody>
+          <a:bodyPr rtlCol="0" anchor="ctr"/>
+          <a:lstStyle/>
+          <a:p>
+            <a:pPr algn="ctr"/>
+            <a:r>
+              <a:rPr lang="en-GB" dirty="0"/>
+              <a:t>7</a:t>
+            </a:r>
+          </a:p>
+        </p:txBody>
+      </p:sp>
+      <p:sp>
+        <p:nvSpPr>
+          <p:cNvPr id="27" name="Rectangle 26">
+            <a:extLst>
+              <a:ext uri="{FF2B5EF4-FFF2-40B4-BE49-F238E27FC236}">
+                <a16:creationId xmlns:a16="http://schemas.microsoft.com/office/drawing/2014/main" id="{FAA4A67F-AA9B-4757-9F94-2018228E5F17}"/>
+              </a:ext>
+            </a:extLst>
+          </p:cNvPr>
+          <p:cNvSpPr/>
+          <p:nvPr/>
+        </p:nvSpPr>
+        <p:spPr>
+          <a:xfrm>
+            <a:off x="6803619" y="3368330"/>
+            <a:ext cx="1721715" cy="464806"/>
+          </a:xfrm>
+          <a:prstGeom prst="rect">
+            <a:avLst/>
+          </a:prstGeom>
+        </p:spPr>
+        <p:style>
+          <a:lnRef idx="2">
+            <a:schemeClr val="accent3"/>
+          </a:lnRef>
+          <a:fillRef idx="1">
+            <a:schemeClr val="lt1"/>
+          </a:fillRef>
+          <a:effectRef idx="0">
+            <a:schemeClr val="accent3"/>
+          </a:effectRef>
+          <a:fontRef idx="minor">
+            <a:schemeClr val="dk1"/>
+          </a:fontRef>
+        </p:style>
+        <p:txBody>
+          <a:bodyPr rtlCol="0" anchor="ctr"/>
+          <a:lstStyle/>
+          <a:p>
+            <a:pPr algn="ctr"/>
+            <a:r>
+              <a:rPr lang="en-GB" dirty="0"/>
+              <a:t>5</a:t>
+            </a:r>
+          </a:p>
+        </p:txBody>
+      </p:sp>
+      <p:sp>
+        <p:nvSpPr>
+          <p:cNvPr id="28" name="Rectangle 27">
+            <a:extLst>
+              <a:ext uri="{FF2B5EF4-FFF2-40B4-BE49-F238E27FC236}">
+                <a16:creationId xmlns:a16="http://schemas.microsoft.com/office/drawing/2014/main" id="{B06974D6-5BB2-4282-B9BA-F00416060A4C}"/>
+              </a:ext>
+            </a:extLst>
+          </p:cNvPr>
+          <p:cNvSpPr/>
+          <p:nvPr/>
+        </p:nvSpPr>
+        <p:spPr>
+          <a:xfrm>
+            <a:off x="6803618" y="3831020"/>
+            <a:ext cx="1721715" cy="464806"/>
+          </a:xfrm>
+          <a:prstGeom prst="rect">
+            <a:avLst/>
+          </a:prstGeom>
+        </p:spPr>
+        <p:style>
+          <a:lnRef idx="2">
+            <a:schemeClr val="accent3"/>
+          </a:lnRef>
+          <a:fillRef idx="1">
+            <a:schemeClr val="lt1"/>
+          </a:fillRef>
+          <a:effectRef idx="0">
+            <a:schemeClr val="accent3"/>
+          </a:effectRef>
+          <a:fontRef idx="minor">
+            <a:schemeClr val="dk1"/>
+          </a:fontRef>
+        </p:style>
+        <p:txBody>
+          <a:bodyPr rtlCol="0" anchor="ctr"/>
+          <a:lstStyle/>
+          <a:p>
+            <a:pPr algn="ctr"/>
+            <a:r>
+              <a:rPr lang="en-GB" dirty="0"/>
+              <a:t>2</a:t>
+            </a:r>
+          </a:p>
+        </p:txBody>
+      </p:sp>
+      <p:sp>
+        <p:nvSpPr>
+          <p:cNvPr id="29" name="Rectangle 28">
+            <a:extLst>
+              <a:ext uri="{FF2B5EF4-FFF2-40B4-BE49-F238E27FC236}">
+                <a16:creationId xmlns:a16="http://schemas.microsoft.com/office/drawing/2014/main" id="{506F8171-28A7-40CF-9AE3-2EEFBD619AB7}"/>
+              </a:ext>
+            </a:extLst>
+          </p:cNvPr>
+          <p:cNvSpPr/>
+          <p:nvPr/>
+        </p:nvSpPr>
+        <p:spPr>
+          <a:xfrm>
+            <a:off x="8525333" y="2455941"/>
+            <a:ext cx="1721715" cy="464806"/>
+          </a:xfrm>
+          <a:prstGeom prst="rect">
+            <a:avLst/>
+          </a:prstGeom>
+        </p:spPr>
+        <p:style>
+          <a:lnRef idx="2">
+            <a:schemeClr val="accent3"/>
+          </a:lnRef>
+          <a:fillRef idx="1">
+            <a:schemeClr val="lt1"/>
+          </a:fillRef>
+          <a:effectRef idx="0">
+            <a:schemeClr val="accent3"/>
+          </a:effectRef>
+          <a:fontRef idx="minor">
+            <a:schemeClr val="dk1"/>
+          </a:fontRef>
+        </p:style>
+        <p:txBody>
+          <a:bodyPr rtlCol="0" anchor="ctr"/>
+          <a:lstStyle/>
+          <a:p>
+            <a:pPr algn="ctr"/>
+            <a:r>
+              <a:rPr lang="en-GB" dirty="0"/>
+              <a:t>Difficulty</a:t>
+            </a:r>
+          </a:p>
+        </p:txBody>
+      </p:sp>
+      <p:sp>
+        <p:nvSpPr>
+          <p:cNvPr id="30" name="Rectangle 29">
+            <a:extLst>
+              <a:ext uri="{FF2B5EF4-FFF2-40B4-BE49-F238E27FC236}">
+                <a16:creationId xmlns:a16="http://schemas.microsoft.com/office/drawing/2014/main" id="{C5134996-94E4-4843-BA3E-7A7E53DC0324}"/>
+              </a:ext>
+            </a:extLst>
+          </p:cNvPr>
+          <p:cNvSpPr/>
+          <p:nvPr/>
+        </p:nvSpPr>
+        <p:spPr>
+          <a:xfrm>
+            <a:off x="8525332" y="2920747"/>
+            <a:ext cx="1721715" cy="464806"/>
+          </a:xfrm>
+          <a:prstGeom prst="rect">
+            <a:avLst/>
+          </a:prstGeom>
+        </p:spPr>
+        <p:style>
+          <a:lnRef idx="2">
+            <a:schemeClr val="accent3"/>
+          </a:lnRef>
+          <a:fillRef idx="1">
+            <a:schemeClr val="lt1"/>
+          </a:fillRef>
+          <a:effectRef idx="0">
+            <a:schemeClr val="accent3"/>
+          </a:effectRef>
+          <a:fontRef idx="minor">
+            <a:schemeClr val="dk1"/>
+          </a:fontRef>
+        </p:style>
+        <p:txBody>
+          <a:bodyPr rtlCol="0" anchor="ctr"/>
+          <a:lstStyle/>
+          <a:p>
+            <a:pPr algn="ctr"/>
+            <a:r>
+              <a:rPr lang="en-GB" dirty="0"/>
+              <a:t>1</a:t>
+            </a:r>
+          </a:p>
+        </p:txBody>
+      </p:sp>
+      <p:sp>
+        <p:nvSpPr>
+          <p:cNvPr id="31" name="Rectangle 30">
+            <a:extLst>
+              <a:ext uri="{FF2B5EF4-FFF2-40B4-BE49-F238E27FC236}">
+                <a16:creationId xmlns:a16="http://schemas.microsoft.com/office/drawing/2014/main" id="{319A4C92-32CA-4877-BF73-1FA38C4FFEF7}"/>
+              </a:ext>
+            </a:extLst>
+          </p:cNvPr>
+          <p:cNvSpPr/>
+          <p:nvPr/>
+        </p:nvSpPr>
+        <p:spPr>
+          <a:xfrm>
+            <a:off x="8525332" y="3368330"/>
+            <a:ext cx="1721715" cy="464806"/>
+          </a:xfrm>
+          <a:prstGeom prst="rect">
+            <a:avLst/>
+          </a:prstGeom>
+        </p:spPr>
+        <p:style>
+          <a:lnRef idx="2">
+            <a:schemeClr val="accent3"/>
+          </a:lnRef>
+          <a:fillRef idx="1">
+            <a:schemeClr val="lt1"/>
+          </a:fillRef>
+          <a:effectRef idx="0">
+            <a:schemeClr val="accent3"/>
+          </a:effectRef>
+          <a:fontRef idx="minor">
+            <a:schemeClr val="dk1"/>
+          </a:fontRef>
+        </p:style>
+        <p:txBody>
+          <a:bodyPr rtlCol="0" anchor="ctr"/>
+          <a:lstStyle/>
+          <a:p>
+            <a:pPr algn="ctr"/>
+            <a:r>
+              <a:rPr lang="en-GB" dirty="0"/>
+              <a:t>2</a:t>
+            </a:r>
+          </a:p>
+        </p:txBody>
+      </p:sp>
+      <p:sp>
+        <p:nvSpPr>
+          <p:cNvPr id="32" name="Rectangle 31">
+            <a:extLst>
+              <a:ext uri="{FF2B5EF4-FFF2-40B4-BE49-F238E27FC236}">
+                <a16:creationId xmlns:a16="http://schemas.microsoft.com/office/drawing/2014/main" id="{98D635E4-F62A-45D6-BD35-0767DE0A154C}"/>
+              </a:ext>
+            </a:extLst>
+          </p:cNvPr>
+          <p:cNvSpPr/>
+          <p:nvPr/>
+        </p:nvSpPr>
+        <p:spPr>
+          <a:xfrm>
+            <a:off x="8525331" y="3831020"/>
+            <a:ext cx="1721715" cy="464806"/>
+          </a:xfrm>
+          <a:prstGeom prst="rect">
+            <a:avLst/>
+          </a:prstGeom>
+        </p:spPr>
+        <p:style>
+          <a:lnRef idx="2">
+            <a:schemeClr val="accent3"/>
+          </a:lnRef>
+          <a:fillRef idx="1">
+            <a:schemeClr val="lt1"/>
+          </a:fillRef>
+          <a:effectRef idx="0">
+            <a:schemeClr val="accent3"/>
+          </a:effectRef>
+          <a:fontRef idx="minor">
+            <a:schemeClr val="dk1"/>
+          </a:fontRef>
+        </p:style>
+        <p:txBody>
+          <a:bodyPr rtlCol="0" anchor="ctr"/>
+          <a:lstStyle/>
+          <a:p>
+            <a:pPr algn="ctr"/>
+            <a:r>
+              <a:rPr lang="en-GB" dirty="0"/>
+              <a:t>1</a:t>
             </a:r>
           </a:p>
         </p:txBody>
@@ -5824,19 +6201,44 @@
       </p:grpSpPr>
       <p:sp>
         <p:nvSpPr>
+          <p:cNvPr id="3" name="Content Placeholder 2">
+            <a:extLst>
+              <a:ext uri="{FF2B5EF4-FFF2-40B4-BE49-F238E27FC236}">
+                <a16:creationId xmlns:a16="http://schemas.microsoft.com/office/drawing/2014/main" id="{35E0202D-E49F-4C24-BD02-4C1F6DF8C2E4}"/>
+              </a:ext>
+            </a:extLst>
+          </p:cNvPr>
+          <p:cNvSpPr>
+            <a:spLocks noGrp="1"/>
+          </p:cNvSpPr>
+          <p:nvPr>
+            <p:ph idx="1"/>
+          </p:nvPr>
+        </p:nvSpPr>
+        <p:spPr/>
+        <p:txBody>
+          <a:bodyPr/>
+          <a:lstStyle/>
+          <a:p>
+            <a:endParaRPr lang="en-GB"/>
+          </a:p>
+        </p:txBody>
+      </p:sp>
+      <p:sp>
+        <p:nvSpPr>
           <p:cNvPr id="4" name="Rectangle 3">
             <a:extLst>
               <a:ext uri="{FF2B5EF4-FFF2-40B4-BE49-F238E27FC236}">
-                <a16:creationId xmlns:a16="http://schemas.microsoft.com/office/drawing/2014/main" id="{C65B6941-A1F9-4425-9C2C-D93DACE5B6FA}"/>
-              </a:ext>
-            </a:extLst>
-          </p:cNvPr>
-          <p:cNvSpPr/>
-          <p:nvPr/>
-        </p:nvSpPr>
-        <p:spPr>
-          <a:xfrm>
-            <a:off x="443147" y="549307"/>
+                <a16:creationId xmlns:a16="http://schemas.microsoft.com/office/drawing/2014/main" id="{8822CB4F-174C-4D4D-88EC-58311C701FD2}"/>
+              </a:ext>
+            </a:extLst>
+          </p:cNvPr>
+          <p:cNvSpPr/>
+          <p:nvPr/>
+        </p:nvSpPr>
+        <p:spPr>
+          <a:xfrm>
+            <a:off x="621437" y="639193"/>
             <a:ext cx="10937289" cy="5699462"/>
           </a:xfrm>
           <a:prstGeom prst="rect">
@@ -5862,7 +6264,7 @@
           <a:lstStyle/>
           <a:p>
             <a:pPr algn="ctr"/>
-            <a:endParaRPr lang="en-GB" dirty="0"/>
+            <a:endParaRPr lang="en-GB"/>
           </a:p>
         </p:txBody>
       </p:sp>
@@ -5871,7 +6273,7 @@
           <p:cNvPr id="5" name="Rectangle 4">
             <a:extLst>
               <a:ext uri="{FF2B5EF4-FFF2-40B4-BE49-F238E27FC236}">
-                <a16:creationId xmlns:a16="http://schemas.microsoft.com/office/drawing/2014/main" id="{4AA4A929-1442-4D36-A0D5-1D02DF101C4F}"/>
+                <a16:creationId xmlns:a16="http://schemas.microsoft.com/office/drawing/2014/main" id="{97B4064F-A3D0-4747-B3D8-0217ED26D022}"/>
               </a:ext>
             </a:extLst>
           </p:cNvPr>
@@ -5917,7 +6319,7 @@
           <p:cNvPr id="6" name="Rectangle 5">
             <a:extLst>
               <a:ext uri="{FF2B5EF4-FFF2-40B4-BE49-F238E27FC236}">
-                <a16:creationId xmlns:a16="http://schemas.microsoft.com/office/drawing/2014/main" id="{B960170E-9734-4500-B50F-4F2CAB4822C3}"/>
+                <a16:creationId xmlns:a16="http://schemas.microsoft.com/office/drawing/2014/main" id="{A9664B4A-CF66-4186-90D3-37BFA340A993}"/>
               </a:ext>
             </a:extLst>
           </p:cNvPr>
@@ -5961,7 +6363,7 @@
           <p:cNvPr id="7" name="Rectangle 6">
             <a:extLst>
               <a:ext uri="{FF2B5EF4-FFF2-40B4-BE49-F238E27FC236}">
-                <a16:creationId xmlns:a16="http://schemas.microsoft.com/office/drawing/2014/main" id="{D0064E93-608B-4D15-810F-50B43DE13CB3}"/>
+                <a16:creationId xmlns:a16="http://schemas.microsoft.com/office/drawing/2014/main" id="{BCFF3505-9425-43E1-AE28-12641AF89DF6}"/>
               </a:ext>
             </a:extLst>
           </p:cNvPr>
@@ -6013,7 +6415,7 @@
           <p:cNvPr id="8" name="Rectangle 7">
             <a:extLst>
               <a:ext uri="{FF2B5EF4-FFF2-40B4-BE49-F238E27FC236}">
-                <a16:creationId xmlns:a16="http://schemas.microsoft.com/office/drawing/2014/main" id="{A03087CD-8FC6-4B14-AEBB-27A80069F02B}"/>
+                <a16:creationId xmlns:a16="http://schemas.microsoft.com/office/drawing/2014/main" id="{9D8DEB7C-223E-4DBB-8D5E-9A41519741DF}"/>
               </a:ext>
             </a:extLst>
           </p:cNvPr>
@@ -6060,17 +6462,17 @@
           <p:cNvPr id="9" name="Rectangle 8">
             <a:extLst>
               <a:ext uri="{FF2B5EF4-FFF2-40B4-BE49-F238E27FC236}">
-                <a16:creationId xmlns:a16="http://schemas.microsoft.com/office/drawing/2014/main" id="{85FC1291-BFED-4E42-AF59-0ED26BB0E159}"/>
-              </a:ext>
-            </a:extLst>
-          </p:cNvPr>
-          <p:cNvSpPr/>
-          <p:nvPr/>
-        </p:nvSpPr>
-        <p:spPr>
-          <a:xfrm>
-            <a:off x="4520581" y="2414726"/>
-            <a:ext cx="3130121" cy="3138257"/>
+                <a16:creationId xmlns:a16="http://schemas.microsoft.com/office/drawing/2014/main" id="{B2FCF6EB-AA81-4DEB-A887-88E313F577EC}"/>
+              </a:ext>
+            </a:extLst>
+          </p:cNvPr>
+          <p:cNvSpPr/>
+          <p:nvPr/>
+        </p:nvSpPr>
+        <p:spPr>
+          <a:xfrm>
+            <a:off x="811564" y="1305017"/>
+            <a:ext cx="10515600" cy="630316"/>
           </a:xfrm>
           <a:prstGeom prst="rect">
             <a:avLst/>
@@ -6097,26 +6499,29 @@
           <a:lstStyle/>
           <a:p>
             <a:pPr algn="ctr"/>
-            <a:endParaRPr lang="en-GB" dirty="0"/>
-          </a:p>
-        </p:txBody>
-      </p:sp>
-      <p:sp>
-        <p:nvSpPr>
-          <p:cNvPr id="10" name="Rectangle 9">
-            <a:extLst>
-              <a:ext uri="{FF2B5EF4-FFF2-40B4-BE49-F238E27FC236}">
-                <a16:creationId xmlns:a16="http://schemas.microsoft.com/office/drawing/2014/main" id="{0B7E15F3-5B02-4D21-AA26-614BA3E597E0}"/>
-              </a:ext>
-            </a:extLst>
-          </p:cNvPr>
-          <p:cNvSpPr/>
-          <p:nvPr/>
-        </p:nvSpPr>
-        <p:spPr>
-          <a:xfrm>
-            <a:off x="4935243" y="3587316"/>
-            <a:ext cx="2290438" cy="317377"/>
+            <a:r>
+              <a:rPr lang="en-GB" dirty="0"/>
+              <a:t>Staff Screen</a:t>
+            </a:r>
+          </a:p>
+        </p:txBody>
+      </p:sp>
+      <p:sp>
+        <p:nvSpPr>
+          <p:cNvPr id="12" name="Rectangle 11">
+            <a:extLst>
+              <a:ext uri="{FF2B5EF4-FFF2-40B4-BE49-F238E27FC236}">
+                <a16:creationId xmlns:a16="http://schemas.microsoft.com/office/drawing/2014/main" id="{3158B232-BEDF-49BD-97AD-13ABE922AC31}"/>
+              </a:ext>
+            </a:extLst>
+          </p:cNvPr>
+          <p:cNvSpPr/>
+          <p:nvPr/>
+        </p:nvSpPr>
+        <p:spPr>
+          <a:xfrm>
+            <a:off x="1638477" y="2455941"/>
+            <a:ext cx="8608570" cy="2556977"/>
           </a:xfrm>
           <a:prstGeom prst="rect">
             <a:avLst/>
@@ -6141,29 +6546,966 @@
           <a:lstStyle/>
           <a:p>
             <a:pPr algn="ctr"/>
+            <a:endParaRPr lang="en-GB"/>
+          </a:p>
+        </p:txBody>
+      </p:sp>
+      <p:sp>
+        <p:nvSpPr>
+          <p:cNvPr id="13" name="Rectangle 12">
+            <a:extLst>
+              <a:ext uri="{FF2B5EF4-FFF2-40B4-BE49-F238E27FC236}">
+                <a16:creationId xmlns:a16="http://schemas.microsoft.com/office/drawing/2014/main" id="{1B8D4DA7-5109-4508-AA4C-9ADE26C0626A}"/>
+              </a:ext>
+            </a:extLst>
+          </p:cNvPr>
+          <p:cNvSpPr/>
+          <p:nvPr/>
+        </p:nvSpPr>
+        <p:spPr>
+          <a:xfrm>
+            <a:off x="1638476" y="2455941"/>
+            <a:ext cx="1721715" cy="464806"/>
+          </a:xfrm>
+          <a:prstGeom prst="rect">
+            <a:avLst/>
+          </a:prstGeom>
+        </p:spPr>
+        <p:style>
+          <a:lnRef idx="2">
+            <a:schemeClr val="accent3"/>
+          </a:lnRef>
+          <a:fillRef idx="1">
+            <a:schemeClr val="lt1"/>
+          </a:fillRef>
+          <a:effectRef idx="0">
+            <a:schemeClr val="accent3"/>
+          </a:effectRef>
+          <a:fontRef idx="minor">
+            <a:schemeClr val="dk1"/>
+          </a:fontRef>
+        </p:style>
+        <p:txBody>
+          <a:bodyPr rtlCol="0" anchor="ctr"/>
+          <a:lstStyle/>
+          <a:p>
+            <a:pPr algn="ctr"/>
             <a:r>
               <a:rPr lang="en-GB" dirty="0"/>
-              <a:t>Dave</a:t>
-            </a:r>
-          </a:p>
-        </p:txBody>
-      </p:sp>
-      <p:sp>
-        <p:nvSpPr>
-          <p:cNvPr id="11" name="Rectangle 10">
-            <a:extLst>
-              <a:ext uri="{FF2B5EF4-FFF2-40B4-BE49-F238E27FC236}">
-                <a16:creationId xmlns:a16="http://schemas.microsoft.com/office/drawing/2014/main" id="{59E8EC01-AF60-424A-BEB1-5DD79956FCD2}"/>
-              </a:ext>
-            </a:extLst>
-          </p:cNvPr>
-          <p:cNvSpPr/>
-          <p:nvPr/>
-        </p:nvSpPr>
-        <p:spPr>
-          <a:xfrm>
-            <a:off x="811564" y="1305017"/>
-            <a:ext cx="10332869" cy="630316"/>
+              <a:t>Name</a:t>
+            </a:r>
+          </a:p>
+        </p:txBody>
+      </p:sp>
+      <p:sp>
+        <p:nvSpPr>
+          <p:cNvPr id="14" name="Rectangle 13">
+            <a:extLst>
+              <a:ext uri="{FF2B5EF4-FFF2-40B4-BE49-F238E27FC236}">
+                <a16:creationId xmlns:a16="http://schemas.microsoft.com/office/drawing/2014/main" id="{55DA3C4A-A695-4B86-AB6D-D2F3DFB674D0}"/>
+              </a:ext>
+            </a:extLst>
+          </p:cNvPr>
+          <p:cNvSpPr/>
+          <p:nvPr/>
+        </p:nvSpPr>
+        <p:spPr>
+          <a:xfrm>
+            <a:off x="3360191" y="2455941"/>
+            <a:ext cx="1721715" cy="464806"/>
+          </a:xfrm>
+          <a:prstGeom prst="rect">
+            <a:avLst/>
+          </a:prstGeom>
+        </p:spPr>
+        <p:style>
+          <a:lnRef idx="2">
+            <a:schemeClr val="accent3"/>
+          </a:lnRef>
+          <a:fillRef idx="1">
+            <a:schemeClr val="lt1"/>
+          </a:fillRef>
+          <a:effectRef idx="0">
+            <a:schemeClr val="accent3"/>
+          </a:effectRef>
+          <a:fontRef idx="minor">
+            <a:schemeClr val="dk1"/>
+          </a:fontRef>
+        </p:style>
+        <p:txBody>
+          <a:bodyPr rtlCol="0" anchor="ctr"/>
+          <a:lstStyle/>
+          <a:p>
+            <a:pPr algn="ctr"/>
+            <a:r>
+              <a:rPr lang="en-GB" dirty="0"/>
+              <a:t>Year</a:t>
+            </a:r>
+          </a:p>
+        </p:txBody>
+      </p:sp>
+      <p:sp>
+        <p:nvSpPr>
+          <p:cNvPr id="15" name="Rectangle 14">
+            <a:extLst>
+              <a:ext uri="{FF2B5EF4-FFF2-40B4-BE49-F238E27FC236}">
+                <a16:creationId xmlns:a16="http://schemas.microsoft.com/office/drawing/2014/main" id="{F5285B8B-78DF-41DF-8B48-7A97B46E8A84}"/>
+              </a:ext>
+            </a:extLst>
+          </p:cNvPr>
+          <p:cNvSpPr/>
+          <p:nvPr/>
+        </p:nvSpPr>
+        <p:spPr>
+          <a:xfrm>
+            <a:off x="5081905" y="2455941"/>
+            <a:ext cx="1721715" cy="464806"/>
+          </a:xfrm>
+          <a:prstGeom prst="rect">
+            <a:avLst/>
+          </a:prstGeom>
+        </p:spPr>
+        <p:style>
+          <a:lnRef idx="2">
+            <a:schemeClr val="accent3"/>
+          </a:lnRef>
+          <a:fillRef idx="1">
+            <a:schemeClr val="lt1"/>
+          </a:fillRef>
+          <a:effectRef idx="0">
+            <a:schemeClr val="accent3"/>
+          </a:effectRef>
+          <a:fontRef idx="minor">
+            <a:schemeClr val="dk1"/>
+          </a:fontRef>
+        </p:style>
+        <p:txBody>
+          <a:bodyPr rtlCol="0" anchor="ctr"/>
+          <a:lstStyle/>
+          <a:p>
+            <a:pPr algn="ctr"/>
+            <a:r>
+              <a:rPr lang="en-GB" dirty="0"/>
+              <a:t>Addition</a:t>
+            </a:r>
+          </a:p>
+        </p:txBody>
+      </p:sp>
+      <p:sp>
+        <p:nvSpPr>
+          <p:cNvPr id="16" name="Rectangle 15">
+            <a:extLst>
+              <a:ext uri="{FF2B5EF4-FFF2-40B4-BE49-F238E27FC236}">
+                <a16:creationId xmlns:a16="http://schemas.microsoft.com/office/drawing/2014/main" id="{D7ADD98A-B2A2-4AE0-A500-74CDB9731964}"/>
+              </a:ext>
+            </a:extLst>
+          </p:cNvPr>
+          <p:cNvSpPr/>
+          <p:nvPr/>
+        </p:nvSpPr>
+        <p:spPr>
+          <a:xfrm>
+            <a:off x="1638476" y="2920747"/>
+            <a:ext cx="1721715" cy="464806"/>
+          </a:xfrm>
+          <a:prstGeom prst="rect">
+            <a:avLst/>
+          </a:prstGeom>
+        </p:spPr>
+        <p:style>
+          <a:lnRef idx="2">
+            <a:schemeClr val="accent3"/>
+          </a:lnRef>
+          <a:fillRef idx="1">
+            <a:schemeClr val="lt1"/>
+          </a:fillRef>
+          <a:effectRef idx="0">
+            <a:schemeClr val="accent3"/>
+          </a:effectRef>
+          <a:fontRef idx="minor">
+            <a:schemeClr val="dk1"/>
+          </a:fontRef>
+        </p:style>
+        <p:txBody>
+          <a:bodyPr rtlCol="0" anchor="ctr"/>
+          <a:lstStyle/>
+          <a:p>
+            <a:pPr algn="ctr"/>
+            <a:r>
+              <a:rPr lang="en-GB" dirty="0"/>
+              <a:t>Lewis</a:t>
+            </a:r>
+          </a:p>
+        </p:txBody>
+      </p:sp>
+      <p:sp>
+        <p:nvSpPr>
+          <p:cNvPr id="17" name="Rectangle 16">
+            <a:extLst>
+              <a:ext uri="{FF2B5EF4-FFF2-40B4-BE49-F238E27FC236}">
+                <a16:creationId xmlns:a16="http://schemas.microsoft.com/office/drawing/2014/main" id="{F12DD4E1-BC1F-49E3-AF5F-A35FC2FE6242}"/>
+              </a:ext>
+            </a:extLst>
+          </p:cNvPr>
+          <p:cNvSpPr/>
+          <p:nvPr/>
+        </p:nvSpPr>
+        <p:spPr>
+          <a:xfrm>
+            <a:off x="3360191" y="2920747"/>
+            <a:ext cx="1721715" cy="464806"/>
+          </a:xfrm>
+          <a:prstGeom prst="rect">
+            <a:avLst/>
+          </a:prstGeom>
+        </p:spPr>
+        <p:style>
+          <a:lnRef idx="2">
+            <a:schemeClr val="accent3"/>
+          </a:lnRef>
+          <a:fillRef idx="1">
+            <a:schemeClr val="lt1"/>
+          </a:fillRef>
+          <a:effectRef idx="0">
+            <a:schemeClr val="accent3"/>
+          </a:effectRef>
+          <a:fontRef idx="minor">
+            <a:schemeClr val="dk1"/>
+          </a:fontRef>
+        </p:style>
+        <p:txBody>
+          <a:bodyPr rtlCol="0" anchor="ctr"/>
+          <a:lstStyle/>
+          <a:p>
+            <a:pPr algn="ctr"/>
+            <a:r>
+              <a:rPr lang="en-GB" dirty="0"/>
+              <a:t>6</a:t>
+            </a:r>
+          </a:p>
+        </p:txBody>
+      </p:sp>
+      <p:sp>
+        <p:nvSpPr>
+          <p:cNvPr id="18" name="Rectangle 17">
+            <a:extLst>
+              <a:ext uri="{FF2B5EF4-FFF2-40B4-BE49-F238E27FC236}">
+                <a16:creationId xmlns:a16="http://schemas.microsoft.com/office/drawing/2014/main" id="{2EA6FF34-51BB-4DB2-8232-9C868C59DC74}"/>
+              </a:ext>
+            </a:extLst>
+          </p:cNvPr>
+          <p:cNvSpPr/>
+          <p:nvPr/>
+        </p:nvSpPr>
+        <p:spPr>
+          <a:xfrm>
+            <a:off x="5081905" y="2920747"/>
+            <a:ext cx="1721715" cy="464806"/>
+          </a:xfrm>
+          <a:prstGeom prst="rect">
+            <a:avLst/>
+          </a:prstGeom>
+        </p:spPr>
+        <p:style>
+          <a:lnRef idx="2">
+            <a:schemeClr val="accent3"/>
+          </a:lnRef>
+          <a:fillRef idx="1">
+            <a:schemeClr val="lt1"/>
+          </a:fillRef>
+          <a:effectRef idx="0">
+            <a:schemeClr val="accent3"/>
+          </a:effectRef>
+          <a:fontRef idx="minor">
+            <a:schemeClr val="dk1"/>
+          </a:fontRef>
+        </p:style>
+        <p:txBody>
+          <a:bodyPr rtlCol="0" anchor="ctr"/>
+          <a:lstStyle/>
+          <a:p>
+            <a:pPr algn="ctr"/>
+            <a:r>
+              <a:rPr lang="en-GB" dirty="0"/>
+              <a:t>10</a:t>
+            </a:r>
+          </a:p>
+        </p:txBody>
+      </p:sp>
+      <p:sp>
+        <p:nvSpPr>
+          <p:cNvPr id="19" name="Rectangle 18">
+            <a:extLst>
+              <a:ext uri="{FF2B5EF4-FFF2-40B4-BE49-F238E27FC236}">
+                <a16:creationId xmlns:a16="http://schemas.microsoft.com/office/drawing/2014/main" id="{6B48BEAF-BCF1-4E73-93D3-A7BBA1B30753}"/>
+              </a:ext>
+            </a:extLst>
+          </p:cNvPr>
+          <p:cNvSpPr/>
+          <p:nvPr/>
+        </p:nvSpPr>
+        <p:spPr>
+          <a:xfrm>
+            <a:off x="1638476" y="3368330"/>
+            <a:ext cx="1721715" cy="464806"/>
+          </a:xfrm>
+          <a:prstGeom prst="rect">
+            <a:avLst/>
+          </a:prstGeom>
+        </p:spPr>
+        <p:style>
+          <a:lnRef idx="2">
+            <a:schemeClr val="accent3"/>
+          </a:lnRef>
+          <a:fillRef idx="1">
+            <a:schemeClr val="lt1"/>
+          </a:fillRef>
+          <a:effectRef idx="0">
+            <a:schemeClr val="accent3"/>
+          </a:effectRef>
+          <a:fontRef idx="minor">
+            <a:schemeClr val="dk1"/>
+          </a:fontRef>
+        </p:style>
+        <p:txBody>
+          <a:bodyPr rtlCol="0" anchor="ctr"/>
+          <a:lstStyle/>
+          <a:p>
+            <a:pPr algn="ctr"/>
+            <a:r>
+              <a:rPr lang="en-GB" dirty="0"/>
+              <a:t>Chris</a:t>
+            </a:r>
+          </a:p>
+        </p:txBody>
+      </p:sp>
+      <p:sp>
+        <p:nvSpPr>
+          <p:cNvPr id="20" name="Rectangle 19">
+            <a:extLst>
+              <a:ext uri="{FF2B5EF4-FFF2-40B4-BE49-F238E27FC236}">
+                <a16:creationId xmlns:a16="http://schemas.microsoft.com/office/drawing/2014/main" id="{D09FCB1B-8581-47B1-A143-CABF8BFF04CE}"/>
+              </a:ext>
+            </a:extLst>
+          </p:cNvPr>
+          <p:cNvSpPr/>
+          <p:nvPr/>
+        </p:nvSpPr>
+        <p:spPr>
+          <a:xfrm>
+            <a:off x="3360191" y="3368330"/>
+            <a:ext cx="1721715" cy="464806"/>
+          </a:xfrm>
+          <a:prstGeom prst="rect">
+            <a:avLst/>
+          </a:prstGeom>
+        </p:spPr>
+        <p:style>
+          <a:lnRef idx="2">
+            <a:schemeClr val="accent3"/>
+          </a:lnRef>
+          <a:fillRef idx="1">
+            <a:schemeClr val="lt1"/>
+          </a:fillRef>
+          <a:effectRef idx="0">
+            <a:schemeClr val="accent3"/>
+          </a:effectRef>
+          <a:fontRef idx="minor">
+            <a:schemeClr val="dk1"/>
+          </a:fontRef>
+        </p:style>
+        <p:txBody>
+          <a:bodyPr rtlCol="0" anchor="ctr"/>
+          <a:lstStyle/>
+          <a:p>
+            <a:pPr algn="ctr"/>
+            <a:r>
+              <a:rPr lang="en-GB" dirty="0"/>
+              <a:t>7</a:t>
+            </a:r>
+          </a:p>
+        </p:txBody>
+      </p:sp>
+      <p:sp>
+        <p:nvSpPr>
+          <p:cNvPr id="21" name="Rectangle 20">
+            <a:extLst>
+              <a:ext uri="{FF2B5EF4-FFF2-40B4-BE49-F238E27FC236}">
+                <a16:creationId xmlns:a16="http://schemas.microsoft.com/office/drawing/2014/main" id="{6E0232B8-8E5D-4BF0-91D8-34E07B2A83BF}"/>
+              </a:ext>
+            </a:extLst>
+          </p:cNvPr>
+          <p:cNvSpPr/>
+          <p:nvPr/>
+        </p:nvSpPr>
+        <p:spPr>
+          <a:xfrm>
+            <a:off x="5081905" y="3368330"/>
+            <a:ext cx="1721715" cy="464806"/>
+          </a:xfrm>
+          <a:prstGeom prst="rect">
+            <a:avLst/>
+          </a:prstGeom>
+        </p:spPr>
+        <p:style>
+          <a:lnRef idx="2">
+            <a:schemeClr val="accent3"/>
+          </a:lnRef>
+          <a:fillRef idx="1">
+            <a:schemeClr val="lt1"/>
+          </a:fillRef>
+          <a:effectRef idx="0">
+            <a:schemeClr val="accent3"/>
+          </a:effectRef>
+          <a:fontRef idx="minor">
+            <a:schemeClr val="dk1"/>
+          </a:fontRef>
+        </p:style>
+        <p:txBody>
+          <a:bodyPr rtlCol="0" anchor="ctr"/>
+          <a:lstStyle/>
+          <a:p>
+            <a:pPr algn="ctr"/>
+            <a:r>
+              <a:rPr lang="en-GB" dirty="0"/>
+              <a:t>6</a:t>
+            </a:r>
+          </a:p>
+        </p:txBody>
+      </p:sp>
+      <p:sp>
+        <p:nvSpPr>
+          <p:cNvPr id="22" name="Rectangle 21">
+            <a:extLst>
+              <a:ext uri="{FF2B5EF4-FFF2-40B4-BE49-F238E27FC236}">
+                <a16:creationId xmlns:a16="http://schemas.microsoft.com/office/drawing/2014/main" id="{300B9DCE-558D-4D81-920F-54865FB77BF3}"/>
+              </a:ext>
+            </a:extLst>
+          </p:cNvPr>
+          <p:cNvSpPr/>
+          <p:nvPr/>
+        </p:nvSpPr>
+        <p:spPr>
+          <a:xfrm>
+            <a:off x="1638475" y="3831020"/>
+            <a:ext cx="1721715" cy="464806"/>
+          </a:xfrm>
+          <a:prstGeom prst="rect">
+            <a:avLst/>
+          </a:prstGeom>
+        </p:spPr>
+        <p:style>
+          <a:lnRef idx="2">
+            <a:schemeClr val="accent3"/>
+          </a:lnRef>
+          <a:fillRef idx="1">
+            <a:schemeClr val="lt1"/>
+          </a:fillRef>
+          <a:effectRef idx="0">
+            <a:schemeClr val="accent3"/>
+          </a:effectRef>
+          <a:fontRef idx="minor">
+            <a:schemeClr val="dk1"/>
+          </a:fontRef>
+        </p:style>
+        <p:txBody>
+          <a:bodyPr rtlCol="0" anchor="ctr"/>
+          <a:lstStyle/>
+          <a:p>
+            <a:pPr algn="ctr"/>
+            <a:r>
+              <a:rPr lang="en-GB" dirty="0"/>
+              <a:t>Evan</a:t>
+            </a:r>
+          </a:p>
+        </p:txBody>
+      </p:sp>
+      <p:sp>
+        <p:nvSpPr>
+          <p:cNvPr id="23" name="Rectangle 22">
+            <a:extLst>
+              <a:ext uri="{FF2B5EF4-FFF2-40B4-BE49-F238E27FC236}">
+                <a16:creationId xmlns:a16="http://schemas.microsoft.com/office/drawing/2014/main" id="{ADC918FF-53C4-4532-9838-4BC1BCAE7077}"/>
+              </a:ext>
+            </a:extLst>
+          </p:cNvPr>
+          <p:cNvSpPr/>
+          <p:nvPr/>
+        </p:nvSpPr>
+        <p:spPr>
+          <a:xfrm>
+            <a:off x="3360190" y="3831020"/>
+            <a:ext cx="1721715" cy="464806"/>
+          </a:xfrm>
+          <a:prstGeom prst="rect">
+            <a:avLst/>
+          </a:prstGeom>
+        </p:spPr>
+        <p:style>
+          <a:lnRef idx="2">
+            <a:schemeClr val="accent3"/>
+          </a:lnRef>
+          <a:fillRef idx="1">
+            <a:schemeClr val="lt1"/>
+          </a:fillRef>
+          <a:effectRef idx="0">
+            <a:schemeClr val="accent3"/>
+          </a:effectRef>
+          <a:fontRef idx="minor">
+            <a:schemeClr val="dk1"/>
+          </a:fontRef>
+        </p:style>
+        <p:txBody>
+          <a:bodyPr rtlCol="0" anchor="ctr"/>
+          <a:lstStyle/>
+          <a:p>
+            <a:pPr algn="ctr"/>
+            <a:r>
+              <a:rPr lang="en-GB" dirty="0"/>
+              <a:t>5</a:t>
+            </a:r>
+          </a:p>
+        </p:txBody>
+      </p:sp>
+      <p:sp>
+        <p:nvSpPr>
+          <p:cNvPr id="24" name="Rectangle 23">
+            <a:extLst>
+              <a:ext uri="{FF2B5EF4-FFF2-40B4-BE49-F238E27FC236}">
+                <a16:creationId xmlns:a16="http://schemas.microsoft.com/office/drawing/2014/main" id="{579B553D-7315-4C40-A4E1-04BB7367F6F4}"/>
+              </a:ext>
+            </a:extLst>
+          </p:cNvPr>
+          <p:cNvSpPr/>
+          <p:nvPr/>
+        </p:nvSpPr>
+        <p:spPr>
+          <a:xfrm>
+            <a:off x="5081904" y="3831020"/>
+            <a:ext cx="1721715" cy="464806"/>
+          </a:xfrm>
+          <a:prstGeom prst="rect">
+            <a:avLst/>
+          </a:prstGeom>
+        </p:spPr>
+        <p:style>
+          <a:lnRef idx="2">
+            <a:schemeClr val="accent3"/>
+          </a:lnRef>
+          <a:fillRef idx="1">
+            <a:schemeClr val="lt1"/>
+          </a:fillRef>
+          <a:effectRef idx="0">
+            <a:schemeClr val="accent3"/>
+          </a:effectRef>
+          <a:fontRef idx="minor">
+            <a:schemeClr val="dk1"/>
+          </a:fontRef>
+        </p:style>
+        <p:txBody>
+          <a:bodyPr rtlCol="0" anchor="ctr"/>
+          <a:lstStyle/>
+          <a:p>
+            <a:pPr algn="ctr"/>
+            <a:r>
+              <a:rPr lang="en-GB" dirty="0"/>
+              <a:t>5</a:t>
+            </a:r>
+          </a:p>
+        </p:txBody>
+      </p:sp>
+      <p:sp>
+        <p:nvSpPr>
+          <p:cNvPr id="25" name="Rectangle 24">
+            <a:extLst>
+              <a:ext uri="{FF2B5EF4-FFF2-40B4-BE49-F238E27FC236}">
+                <a16:creationId xmlns:a16="http://schemas.microsoft.com/office/drawing/2014/main" id="{5BAE1617-83C4-4543-9B99-8AF4F6D079B6}"/>
+              </a:ext>
+            </a:extLst>
+          </p:cNvPr>
+          <p:cNvSpPr/>
+          <p:nvPr/>
+        </p:nvSpPr>
+        <p:spPr>
+          <a:xfrm>
+            <a:off x="6803619" y="2455941"/>
+            <a:ext cx="1721715" cy="464806"/>
+          </a:xfrm>
+          <a:prstGeom prst="rect">
+            <a:avLst/>
+          </a:prstGeom>
+        </p:spPr>
+        <p:style>
+          <a:lnRef idx="2">
+            <a:schemeClr val="accent3"/>
+          </a:lnRef>
+          <a:fillRef idx="1">
+            <a:schemeClr val="lt1"/>
+          </a:fillRef>
+          <a:effectRef idx="0">
+            <a:schemeClr val="accent3"/>
+          </a:effectRef>
+          <a:fontRef idx="minor">
+            <a:schemeClr val="dk1"/>
+          </a:fontRef>
+        </p:style>
+        <p:txBody>
+          <a:bodyPr rtlCol="0" anchor="ctr"/>
+          <a:lstStyle/>
+          <a:p>
+            <a:pPr algn="ctr"/>
+            <a:r>
+              <a:rPr lang="en-GB" dirty="0"/>
+              <a:t>Subtraction</a:t>
+            </a:r>
+          </a:p>
+        </p:txBody>
+      </p:sp>
+      <p:sp>
+        <p:nvSpPr>
+          <p:cNvPr id="26" name="Rectangle 25">
+            <a:extLst>
+              <a:ext uri="{FF2B5EF4-FFF2-40B4-BE49-F238E27FC236}">
+                <a16:creationId xmlns:a16="http://schemas.microsoft.com/office/drawing/2014/main" id="{1246DBC8-1E87-4158-8522-9BFEED330480}"/>
+              </a:ext>
+            </a:extLst>
+          </p:cNvPr>
+          <p:cNvSpPr/>
+          <p:nvPr/>
+        </p:nvSpPr>
+        <p:spPr>
+          <a:xfrm>
+            <a:off x="6803619" y="2920747"/>
+            <a:ext cx="1721715" cy="464806"/>
+          </a:xfrm>
+          <a:prstGeom prst="rect">
+            <a:avLst/>
+          </a:prstGeom>
+        </p:spPr>
+        <p:style>
+          <a:lnRef idx="2">
+            <a:schemeClr val="accent3"/>
+          </a:lnRef>
+          <a:fillRef idx="1">
+            <a:schemeClr val="lt1"/>
+          </a:fillRef>
+          <a:effectRef idx="0">
+            <a:schemeClr val="accent3"/>
+          </a:effectRef>
+          <a:fontRef idx="minor">
+            <a:schemeClr val="dk1"/>
+          </a:fontRef>
+        </p:style>
+        <p:txBody>
+          <a:bodyPr rtlCol="0" anchor="ctr"/>
+          <a:lstStyle/>
+          <a:p>
+            <a:pPr algn="ctr"/>
+            <a:r>
+              <a:rPr lang="en-GB" dirty="0"/>
+              <a:t>7</a:t>
+            </a:r>
+          </a:p>
+        </p:txBody>
+      </p:sp>
+      <p:sp>
+        <p:nvSpPr>
+          <p:cNvPr id="27" name="Rectangle 26">
+            <a:extLst>
+              <a:ext uri="{FF2B5EF4-FFF2-40B4-BE49-F238E27FC236}">
+                <a16:creationId xmlns:a16="http://schemas.microsoft.com/office/drawing/2014/main" id="{FAA4A67F-AA9B-4757-9F94-2018228E5F17}"/>
+              </a:ext>
+            </a:extLst>
+          </p:cNvPr>
+          <p:cNvSpPr/>
+          <p:nvPr/>
+        </p:nvSpPr>
+        <p:spPr>
+          <a:xfrm>
+            <a:off x="6803619" y="3368330"/>
+            <a:ext cx="1721715" cy="464806"/>
+          </a:xfrm>
+          <a:prstGeom prst="rect">
+            <a:avLst/>
+          </a:prstGeom>
+        </p:spPr>
+        <p:style>
+          <a:lnRef idx="2">
+            <a:schemeClr val="accent3"/>
+          </a:lnRef>
+          <a:fillRef idx="1">
+            <a:schemeClr val="lt1"/>
+          </a:fillRef>
+          <a:effectRef idx="0">
+            <a:schemeClr val="accent3"/>
+          </a:effectRef>
+          <a:fontRef idx="minor">
+            <a:schemeClr val="dk1"/>
+          </a:fontRef>
+        </p:style>
+        <p:txBody>
+          <a:bodyPr rtlCol="0" anchor="ctr"/>
+          <a:lstStyle/>
+          <a:p>
+            <a:pPr algn="ctr"/>
+            <a:r>
+              <a:rPr lang="en-GB" dirty="0"/>
+              <a:t>5</a:t>
+            </a:r>
+          </a:p>
+        </p:txBody>
+      </p:sp>
+      <p:sp>
+        <p:nvSpPr>
+          <p:cNvPr id="28" name="Rectangle 27">
+            <a:extLst>
+              <a:ext uri="{FF2B5EF4-FFF2-40B4-BE49-F238E27FC236}">
+                <a16:creationId xmlns:a16="http://schemas.microsoft.com/office/drawing/2014/main" id="{B06974D6-5BB2-4282-B9BA-F00416060A4C}"/>
+              </a:ext>
+            </a:extLst>
+          </p:cNvPr>
+          <p:cNvSpPr/>
+          <p:nvPr/>
+        </p:nvSpPr>
+        <p:spPr>
+          <a:xfrm>
+            <a:off x="6803618" y="3831020"/>
+            <a:ext cx="1721715" cy="464806"/>
+          </a:xfrm>
+          <a:prstGeom prst="rect">
+            <a:avLst/>
+          </a:prstGeom>
+        </p:spPr>
+        <p:style>
+          <a:lnRef idx="2">
+            <a:schemeClr val="accent3"/>
+          </a:lnRef>
+          <a:fillRef idx="1">
+            <a:schemeClr val="lt1"/>
+          </a:fillRef>
+          <a:effectRef idx="0">
+            <a:schemeClr val="accent3"/>
+          </a:effectRef>
+          <a:fontRef idx="minor">
+            <a:schemeClr val="dk1"/>
+          </a:fontRef>
+        </p:style>
+        <p:txBody>
+          <a:bodyPr rtlCol="0" anchor="ctr"/>
+          <a:lstStyle/>
+          <a:p>
+            <a:pPr algn="ctr"/>
+            <a:r>
+              <a:rPr lang="en-GB" dirty="0"/>
+              <a:t>2</a:t>
+            </a:r>
+          </a:p>
+        </p:txBody>
+      </p:sp>
+      <p:sp>
+        <p:nvSpPr>
+          <p:cNvPr id="29" name="Rectangle 28">
+            <a:extLst>
+              <a:ext uri="{FF2B5EF4-FFF2-40B4-BE49-F238E27FC236}">
+                <a16:creationId xmlns:a16="http://schemas.microsoft.com/office/drawing/2014/main" id="{506F8171-28A7-40CF-9AE3-2EEFBD619AB7}"/>
+              </a:ext>
+            </a:extLst>
+          </p:cNvPr>
+          <p:cNvSpPr/>
+          <p:nvPr/>
+        </p:nvSpPr>
+        <p:spPr>
+          <a:xfrm>
+            <a:off x="8525333" y="2455941"/>
+            <a:ext cx="1721715" cy="464806"/>
+          </a:xfrm>
+          <a:prstGeom prst="rect">
+            <a:avLst/>
+          </a:prstGeom>
+        </p:spPr>
+        <p:style>
+          <a:lnRef idx="2">
+            <a:schemeClr val="accent3"/>
+          </a:lnRef>
+          <a:fillRef idx="1">
+            <a:schemeClr val="lt1"/>
+          </a:fillRef>
+          <a:effectRef idx="0">
+            <a:schemeClr val="accent3"/>
+          </a:effectRef>
+          <a:fontRef idx="minor">
+            <a:schemeClr val="dk1"/>
+          </a:fontRef>
+        </p:style>
+        <p:txBody>
+          <a:bodyPr rtlCol="0" anchor="ctr"/>
+          <a:lstStyle/>
+          <a:p>
+            <a:pPr algn="ctr"/>
+            <a:r>
+              <a:rPr lang="en-GB" dirty="0"/>
+              <a:t>Difficulty</a:t>
+            </a:r>
+          </a:p>
+        </p:txBody>
+      </p:sp>
+      <p:sp>
+        <p:nvSpPr>
+          <p:cNvPr id="30" name="Rectangle 29">
+            <a:extLst>
+              <a:ext uri="{FF2B5EF4-FFF2-40B4-BE49-F238E27FC236}">
+                <a16:creationId xmlns:a16="http://schemas.microsoft.com/office/drawing/2014/main" id="{C5134996-94E4-4843-BA3E-7A7E53DC0324}"/>
+              </a:ext>
+            </a:extLst>
+          </p:cNvPr>
+          <p:cNvSpPr/>
+          <p:nvPr/>
+        </p:nvSpPr>
+        <p:spPr>
+          <a:xfrm>
+            <a:off x="8525332" y="2920747"/>
+            <a:ext cx="1721715" cy="464806"/>
+          </a:xfrm>
+          <a:prstGeom prst="rect">
+            <a:avLst/>
+          </a:prstGeom>
+        </p:spPr>
+        <p:style>
+          <a:lnRef idx="2">
+            <a:schemeClr val="accent3"/>
+          </a:lnRef>
+          <a:fillRef idx="1">
+            <a:schemeClr val="lt1"/>
+          </a:fillRef>
+          <a:effectRef idx="0">
+            <a:schemeClr val="accent3"/>
+          </a:effectRef>
+          <a:fontRef idx="minor">
+            <a:schemeClr val="dk1"/>
+          </a:fontRef>
+        </p:style>
+        <p:txBody>
+          <a:bodyPr rtlCol="0" anchor="ctr"/>
+          <a:lstStyle/>
+          <a:p>
+            <a:pPr algn="ctr"/>
+            <a:r>
+              <a:rPr lang="en-GB" dirty="0"/>
+              <a:t>1</a:t>
+            </a:r>
+          </a:p>
+        </p:txBody>
+      </p:sp>
+      <p:sp>
+        <p:nvSpPr>
+          <p:cNvPr id="31" name="Rectangle 30">
+            <a:extLst>
+              <a:ext uri="{FF2B5EF4-FFF2-40B4-BE49-F238E27FC236}">
+                <a16:creationId xmlns:a16="http://schemas.microsoft.com/office/drawing/2014/main" id="{319A4C92-32CA-4877-BF73-1FA38C4FFEF7}"/>
+              </a:ext>
+            </a:extLst>
+          </p:cNvPr>
+          <p:cNvSpPr/>
+          <p:nvPr/>
+        </p:nvSpPr>
+        <p:spPr>
+          <a:xfrm>
+            <a:off x="8525332" y="3368330"/>
+            <a:ext cx="1721715" cy="464806"/>
+          </a:xfrm>
+          <a:prstGeom prst="rect">
+            <a:avLst/>
+          </a:prstGeom>
+        </p:spPr>
+        <p:style>
+          <a:lnRef idx="2">
+            <a:schemeClr val="accent3"/>
+          </a:lnRef>
+          <a:fillRef idx="1">
+            <a:schemeClr val="lt1"/>
+          </a:fillRef>
+          <a:effectRef idx="0">
+            <a:schemeClr val="accent3"/>
+          </a:effectRef>
+          <a:fontRef idx="minor">
+            <a:schemeClr val="dk1"/>
+          </a:fontRef>
+        </p:style>
+        <p:txBody>
+          <a:bodyPr rtlCol="0" anchor="ctr"/>
+          <a:lstStyle/>
+          <a:p>
+            <a:pPr algn="ctr"/>
+            <a:r>
+              <a:rPr lang="en-GB" dirty="0"/>
+              <a:t>2</a:t>
+            </a:r>
+          </a:p>
+        </p:txBody>
+      </p:sp>
+      <p:sp>
+        <p:nvSpPr>
+          <p:cNvPr id="32" name="Rectangle 31">
+            <a:extLst>
+              <a:ext uri="{FF2B5EF4-FFF2-40B4-BE49-F238E27FC236}">
+                <a16:creationId xmlns:a16="http://schemas.microsoft.com/office/drawing/2014/main" id="{98D635E4-F62A-45D6-BD35-0767DE0A154C}"/>
+              </a:ext>
+            </a:extLst>
+          </p:cNvPr>
+          <p:cNvSpPr/>
+          <p:nvPr/>
+        </p:nvSpPr>
+        <p:spPr>
+          <a:xfrm>
+            <a:off x="8525331" y="3831020"/>
+            <a:ext cx="1721715" cy="464806"/>
+          </a:xfrm>
+          <a:prstGeom prst="rect">
+            <a:avLst/>
+          </a:prstGeom>
+        </p:spPr>
+        <p:style>
+          <a:lnRef idx="2">
+            <a:schemeClr val="accent3"/>
+          </a:lnRef>
+          <a:fillRef idx="1">
+            <a:schemeClr val="lt1"/>
+          </a:fillRef>
+          <a:effectRef idx="0">
+            <a:schemeClr val="accent3"/>
+          </a:effectRef>
+          <a:fontRef idx="minor">
+            <a:schemeClr val="dk1"/>
+          </a:fontRef>
+        </p:style>
+        <p:txBody>
+          <a:bodyPr rtlCol="0" anchor="ctr"/>
+          <a:lstStyle/>
+          <a:p>
+            <a:pPr algn="ctr"/>
+            <a:r>
+              <a:rPr lang="en-GB" dirty="0"/>
+              <a:t>1</a:t>
+            </a:r>
+          </a:p>
+        </p:txBody>
+      </p:sp>
+      <p:sp>
+        <p:nvSpPr>
+          <p:cNvPr id="2" name="Rectangle 1">
+            <a:extLst>
+              <a:ext uri="{FF2B5EF4-FFF2-40B4-BE49-F238E27FC236}">
+                <a16:creationId xmlns:a16="http://schemas.microsoft.com/office/drawing/2014/main" id="{8541A0E3-9E31-4CEE-8ED4-AFE63F3FC599}"/>
+              </a:ext>
+            </a:extLst>
+          </p:cNvPr>
+          <p:cNvSpPr/>
+          <p:nvPr/>
+        </p:nvSpPr>
+        <p:spPr>
+          <a:xfrm>
+            <a:off x="3758207" y="1927477"/>
+            <a:ext cx="4873657" cy="3097043"/>
           </a:xfrm>
           <a:prstGeom prst="rect">
             <a:avLst/>
@@ -6190,29 +7532,73 @@
           <a:lstStyle/>
           <a:p>
             <a:pPr algn="ctr"/>
+            <a:endParaRPr lang="en-GB"/>
+          </a:p>
+        </p:txBody>
+      </p:sp>
+      <p:sp>
+        <p:nvSpPr>
+          <p:cNvPr id="33" name="Rectangle 32">
+            <a:extLst>
+              <a:ext uri="{FF2B5EF4-FFF2-40B4-BE49-F238E27FC236}">
+                <a16:creationId xmlns:a16="http://schemas.microsoft.com/office/drawing/2014/main" id="{F90C5CA2-C5FA-41E5-A22D-9ED813A88747}"/>
+              </a:ext>
+            </a:extLst>
+          </p:cNvPr>
+          <p:cNvSpPr/>
+          <p:nvPr/>
+        </p:nvSpPr>
+        <p:spPr>
+          <a:xfrm>
+            <a:off x="5037230" y="2202169"/>
+            <a:ext cx="1058770" cy="464806"/>
+          </a:xfrm>
+          <a:prstGeom prst="rect">
+            <a:avLst/>
+          </a:prstGeom>
+        </p:spPr>
+        <p:style>
+          <a:lnRef idx="2">
+            <a:schemeClr val="accent3"/>
+          </a:lnRef>
+          <a:fillRef idx="1">
+            <a:schemeClr val="lt1"/>
+          </a:fillRef>
+          <a:effectRef idx="0">
+            <a:schemeClr val="accent3"/>
+          </a:effectRef>
+          <a:fontRef idx="minor">
+            <a:schemeClr val="dk1"/>
+          </a:fontRef>
+        </p:style>
+        <p:txBody>
+          <a:bodyPr rtlCol="0" anchor="ctr"/>
+          <a:lstStyle/>
+          <a:p>
+            <a:pPr algn="ctr"/>
             <a:r>
               <a:rPr lang="en-GB" dirty="0"/>
-              <a:t>Login</a:t>
-            </a:r>
-          </a:p>
-        </p:txBody>
-      </p:sp>
-      <p:sp>
-        <p:nvSpPr>
-          <p:cNvPr id="12" name="Rectangle 11">
-            <a:extLst>
-              <a:ext uri="{FF2B5EF4-FFF2-40B4-BE49-F238E27FC236}">
-                <a16:creationId xmlns:a16="http://schemas.microsoft.com/office/drawing/2014/main" id="{9281453C-189E-46C3-8227-9A2ADAD84B35}"/>
-              </a:ext>
-            </a:extLst>
-          </p:cNvPr>
-          <p:cNvSpPr/>
-          <p:nvPr/>
-        </p:nvSpPr>
-        <p:spPr>
-          <a:xfrm>
-            <a:off x="4945600" y="4411461"/>
-            <a:ext cx="2280081" cy="317377"/>
+              <a:t>Lewis</a:t>
+            </a:r>
+          </a:p>
+        </p:txBody>
+      </p:sp>
+      <p:sp>
+        <p:nvSpPr>
+          <p:cNvPr id="34" name="Rectangle 33">
+            <a:extLst>
+              <a:ext uri="{FF2B5EF4-FFF2-40B4-BE49-F238E27FC236}">
+                <a16:creationId xmlns:a16="http://schemas.microsoft.com/office/drawing/2014/main" id="{BB081A52-9DC4-48A4-8996-432DEC858378}"/>
+              </a:ext>
+            </a:extLst>
+          </p:cNvPr>
+          <p:cNvSpPr/>
+          <p:nvPr/>
+        </p:nvSpPr>
+        <p:spPr>
+          <a:xfrm>
+            <a:off x="5032324" y="2665270"/>
+            <a:ext cx="1058770" cy="464806"/>
           </a:xfrm>
           <a:prstGeom prst="rect">
             <a:avLst/>
@@ -6239,46 +7625,44 @@
             <a:pPr algn="ctr"/>
             <a:r>
               <a:rPr lang="en-GB" dirty="0"/>
-              <a:t>*******</a:t>
-            </a:r>
-          </a:p>
-        </p:txBody>
-      </p:sp>
-      <p:sp>
-        <p:nvSpPr>
-          <p:cNvPr id="13" name="Rectangle 12">
-            <a:extLst>
-              <a:ext uri="{FF2B5EF4-FFF2-40B4-BE49-F238E27FC236}">
-                <a16:creationId xmlns:a16="http://schemas.microsoft.com/office/drawing/2014/main" id="{33DAC569-4EBF-4C45-AA40-341346BAE84F}"/>
-              </a:ext>
-            </a:extLst>
-          </p:cNvPr>
-          <p:cNvSpPr/>
-          <p:nvPr/>
-        </p:nvSpPr>
-        <p:spPr>
-          <a:xfrm>
-            <a:off x="5117605" y="2578775"/>
-            <a:ext cx="1956789" cy="548938"/>
-          </a:xfrm>
-          <a:prstGeom prst="rect">
-            <a:avLst/>
-          </a:prstGeom>
-        </p:spPr>
-        <p:style>
-          <a:lnRef idx="2">
-            <a:schemeClr val="accent3">
-              <a:shade val="50000"/>
-            </a:schemeClr>
-          </a:lnRef>
-          <a:fillRef idx="1">
-            <a:schemeClr val="accent3"/>
-          </a:fillRef>
-          <a:effectRef idx="0">
-            <a:schemeClr val="accent3"/>
-          </a:effectRef>
-          <a:fontRef idx="minor">
-            <a:schemeClr val="lt1"/>
+              <a:t>6</a:t>
+            </a:r>
+          </a:p>
+        </p:txBody>
+      </p:sp>
+      <p:sp>
+        <p:nvSpPr>
+          <p:cNvPr id="35" name="Rectangle 34">
+            <a:extLst>
+              <a:ext uri="{FF2B5EF4-FFF2-40B4-BE49-F238E27FC236}">
+                <a16:creationId xmlns:a16="http://schemas.microsoft.com/office/drawing/2014/main" id="{2C5716F7-F4E8-4CD1-B030-0B648BA82DE1}"/>
+              </a:ext>
+            </a:extLst>
+          </p:cNvPr>
+          <p:cNvSpPr/>
+          <p:nvPr/>
+        </p:nvSpPr>
+        <p:spPr>
+          <a:xfrm>
+            <a:off x="5032321" y="3130076"/>
+            <a:ext cx="1058770" cy="464806"/>
+          </a:xfrm>
+          <a:prstGeom prst="rect">
+            <a:avLst/>
+          </a:prstGeom>
+        </p:spPr>
+        <p:style>
+          <a:lnRef idx="2">
+            <a:schemeClr val="accent3"/>
+          </a:lnRef>
+          <a:fillRef idx="1">
+            <a:schemeClr val="lt1"/>
+          </a:fillRef>
+          <a:effectRef idx="0">
+            <a:schemeClr val="accent3"/>
+          </a:effectRef>
+          <a:fontRef idx="minor">
+            <a:schemeClr val="dk1"/>
           </a:fontRef>
         </p:style>
         <p:txBody>
@@ -6288,51 +7672,41 @@
             <a:pPr algn="ctr"/>
             <a:r>
               <a:rPr lang="en-GB" dirty="0"/>
-              <a:t>Login</a:t>
-            </a:r>
-          </a:p>
-        </p:txBody>
-      </p:sp>
-      <p:sp>
-        <p:nvSpPr>
-          <p:cNvPr id="14" name="Rectangle 13">
-            <a:extLst>
-              <a:ext uri="{FF2B5EF4-FFF2-40B4-BE49-F238E27FC236}">
-                <a16:creationId xmlns:a16="http://schemas.microsoft.com/office/drawing/2014/main" id="{C1DFF1FA-5420-41D2-9E66-89595DC942F1}"/>
-              </a:ext>
-            </a:extLst>
-          </p:cNvPr>
-          <p:cNvSpPr/>
-          <p:nvPr/>
-        </p:nvSpPr>
-        <p:spPr>
-          <a:xfrm>
-            <a:off x="6096000" y="4982222"/>
-            <a:ext cx="1197743" cy="317377"/>
-          </a:xfrm>
-          <a:prstGeom prst="rect">
-            <a:avLst/>
-          </a:prstGeom>
-          <a:noFill/>
-          <a:ln w="9525" cap="flat" cmpd="sng" algn="ctr">
-            <a:solidFill>
-              <a:schemeClr val="dk1"/>
-            </a:solidFill>
-            <a:prstDash val="solid"/>
-            <a:round/>
-            <a:headEnd type="none" w="med" len="med"/>
-            <a:tailEnd type="none" w="med" len="med"/>
-          </a:ln>
-        </p:spPr>
-        <p:style>
-          <a:lnRef idx="0">
-            <a:scrgbClr r="0" g="0" b="0"/>
-          </a:lnRef>
-          <a:fillRef idx="0">
-            <a:scrgbClr r="0" g="0" b="0"/>
-          </a:fillRef>
-          <a:effectRef idx="0">
-            <a:scrgbClr r="0" g="0" b="0"/>
+              <a:t>1</a:t>
+            </a:r>
+          </a:p>
+        </p:txBody>
+      </p:sp>
+      <p:sp>
+        <p:nvSpPr>
+          <p:cNvPr id="37" name="Rectangle 36">
+            <a:extLst>
+              <a:ext uri="{FF2B5EF4-FFF2-40B4-BE49-F238E27FC236}">
+                <a16:creationId xmlns:a16="http://schemas.microsoft.com/office/drawing/2014/main" id="{D7472720-223C-4C94-A887-AB50D21B5C30}"/>
+              </a:ext>
+            </a:extLst>
+          </p:cNvPr>
+          <p:cNvSpPr/>
+          <p:nvPr/>
+        </p:nvSpPr>
+        <p:spPr>
+          <a:xfrm>
+            <a:off x="3981243" y="2202169"/>
+            <a:ext cx="1058770" cy="464806"/>
+          </a:xfrm>
+          <a:prstGeom prst="rect">
+            <a:avLst/>
+          </a:prstGeom>
+        </p:spPr>
+        <p:style>
+          <a:lnRef idx="2">
+            <a:schemeClr val="accent3"/>
+          </a:lnRef>
+          <a:fillRef idx="1">
+            <a:schemeClr val="lt1"/>
+          </a:fillRef>
+          <a:effectRef idx="0">
+            <a:schemeClr val="accent3"/>
           </a:effectRef>
           <a:fontRef idx="minor">
             <a:schemeClr val="dk1"/>
@@ -6345,50 +7719,44 @@
             <a:pPr algn="ctr"/>
             <a:r>
               <a:rPr lang="en-GB" dirty="0"/>
-              <a:t>Sign in</a:t>
-            </a:r>
-          </a:p>
-        </p:txBody>
-      </p:sp>
-      <p:sp>
-        <p:nvSpPr>
-          <p:cNvPr id="15" name="Rectangle 14">
-            <a:extLst>
-              <a:ext uri="{FF2B5EF4-FFF2-40B4-BE49-F238E27FC236}">
-                <a16:creationId xmlns:a16="http://schemas.microsoft.com/office/drawing/2014/main" id="{0D05DA5E-D5DE-4508-97C1-1A156F9BC93C}"/>
-              </a:ext>
-            </a:extLst>
-          </p:cNvPr>
-          <p:cNvSpPr/>
-          <p:nvPr/>
-        </p:nvSpPr>
-        <p:spPr>
-          <a:xfrm>
-            <a:off x="4945600" y="3240350"/>
-            <a:ext cx="2280081" cy="317377"/>
-          </a:xfrm>
-          <a:prstGeom prst="rect">
-            <a:avLst/>
-          </a:prstGeom>
-          <a:solidFill>
-            <a:schemeClr val="accent3"/>
-          </a:solidFill>
-          <a:ln>
-            <a:noFill/>
-          </a:ln>
-        </p:spPr>
-        <p:style>
-          <a:lnRef idx="0">
-            <a:scrgbClr r="0" g="0" b="0"/>
-          </a:lnRef>
-          <a:fillRef idx="0">
-            <a:scrgbClr r="0" g="0" b="0"/>
-          </a:fillRef>
-          <a:effectRef idx="0">
-            <a:scrgbClr r="0" g="0" b="0"/>
-          </a:effectRef>
-          <a:fontRef idx="minor">
-            <a:schemeClr val="lt1"/>
+              <a:t>Name</a:t>
+            </a:r>
+          </a:p>
+        </p:txBody>
+      </p:sp>
+      <p:sp>
+        <p:nvSpPr>
+          <p:cNvPr id="38" name="Rectangle 37">
+            <a:extLst>
+              <a:ext uri="{FF2B5EF4-FFF2-40B4-BE49-F238E27FC236}">
+                <a16:creationId xmlns:a16="http://schemas.microsoft.com/office/drawing/2014/main" id="{A300835E-4BEF-415E-80B2-19423E04ECFE}"/>
+              </a:ext>
+            </a:extLst>
+          </p:cNvPr>
+          <p:cNvSpPr/>
+          <p:nvPr/>
+        </p:nvSpPr>
+        <p:spPr>
+          <a:xfrm>
+            <a:off x="3976337" y="2665270"/>
+            <a:ext cx="1058770" cy="464806"/>
+          </a:xfrm>
+          <a:prstGeom prst="rect">
+            <a:avLst/>
+          </a:prstGeom>
+        </p:spPr>
+        <p:style>
+          <a:lnRef idx="2">
+            <a:schemeClr val="accent3"/>
+          </a:lnRef>
+          <a:fillRef idx="1">
+            <a:schemeClr val="lt1"/>
+          </a:fillRef>
+          <a:effectRef idx="0">
+            <a:schemeClr val="accent3"/>
+          </a:effectRef>
+          <a:fontRef idx="minor">
+            <a:schemeClr val="dk1"/>
           </a:fontRef>
         </p:style>
         <p:txBody>
@@ -6398,50 +7766,44 @@
             <a:pPr algn="ctr"/>
             <a:r>
               <a:rPr lang="en-GB" dirty="0"/>
-              <a:t>Email</a:t>
-            </a:r>
-          </a:p>
-        </p:txBody>
-      </p:sp>
-      <p:sp>
-        <p:nvSpPr>
-          <p:cNvPr id="16" name="Rectangle 15">
-            <a:extLst>
-              <a:ext uri="{FF2B5EF4-FFF2-40B4-BE49-F238E27FC236}">
-                <a16:creationId xmlns:a16="http://schemas.microsoft.com/office/drawing/2014/main" id="{E0AECFE0-7A57-439C-8C1B-CAEDB60DFDA3}"/>
-              </a:ext>
-            </a:extLst>
-          </p:cNvPr>
-          <p:cNvSpPr/>
-          <p:nvPr/>
-        </p:nvSpPr>
-        <p:spPr>
-          <a:xfrm>
-            <a:off x="4945600" y="4039892"/>
-            <a:ext cx="2280081" cy="317377"/>
-          </a:xfrm>
-          <a:prstGeom prst="rect">
-            <a:avLst/>
-          </a:prstGeom>
-          <a:solidFill>
-            <a:schemeClr val="accent3"/>
-          </a:solidFill>
-          <a:ln>
-            <a:noFill/>
-          </a:ln>
-        </p:spPr>
-        <p:style>
-          <a:lnRef idx="0">
-            <a:scrgbClr r="0" g="0" b="0"/>
-          </a:lnRef>
-          <a:fillRef idx="0">
-            <a:scrgbClr r="0" g="0" b="0"/>
-          </a:fillRef>
-          <a:effectRef idx="0">
-            <a:scrgbClr r="0" g="0" b="0"/>
-          </a:effectRef>
-          <a:fontRef idx="minor">
-            <a:schemeClr val="lt1"/>
+              <a:t>Year</a:t>
+            </a:r>
+          </a:p>
+        </p:txBody>
+      </p:sp>
+      <p:sp>
+        <p:nvSpPr>
+          <p:cNvPr id="39" name="Rectangle 38">
+            <a:extLst>
+              <a:ext uri="{FF2B5EF4-FFF2-40B4-BE49-F238E27FC236}">
+                <a16:creationId xmlns:a16="http://schemas.microsoft.com/office/drawing/2014/main" id="{A45CEEA4-F18A-4F76-AA4A-F633E26D4686}"/>
+              </a:ext>
+            </a:extLst>
+          </p:cNvPr>
+          <p:cNvSpPr/>
+          <p:nvPr/>
+        </p:nvSpPr>
+        <p:spPr>
+          <a:xfrm>
+            <a:off x="3976334" y="3130076"/>
+            <a:ext cx="1058770" cy="464806"/>
+          </a:xfrm>
+          <a:prstGeom prst="rect">
+            <a:avLst/>
+          </a:prstGeom>
+        </p:spPr>
+        <p:style>
+          <a:lnRef idx="2">
+            <a:schemeClr val="accent3"/>
+          </a:lnRef>
+          <a:fillRef idx="1">
+            <a:schemeClr val="lt1"/>
+          </a:fillRef>
+          <a:effectRef idx="0">
+            <a:schemeClr val="accent3"/>
+          </a:effectRef>
+          <a:fontRef idx="minor">
+            <a:schemeClr val="dk1"/>
           </a:fontRef>
         </p:style>
         <p:txBody>
@@ -6451,7 +7813,101 @@
             <a:pPr algn="ctr"/>
             <a:r>
               <a:rPr lang="en-GB" dirty="0"/>
-              <a:t>Password</a:t>
+              <a:t>Difficulty</a:t>
+            </a:r>
+          </a:p>
+        </p:txBody>
+      </p:sp>
+      <p:sp>
+        <p:nvSpPr>
+          <p:cNvPr id="40" name="Rectangle 39">
+            <a:extLst>
+              <a:ext uri="{FF2B5EF4-FFF2-40B4-BE49-F238E27FC236}">
+                <a16:creationId xmlns:a16="http://schemas.microsoft.com/office/drawing/2014/main" id="{69B6074F-BF45-4CFB-91DD-CD8A9E66FBA0}"/>
+              </a:ext>
+            </a:extLst>
+          </p:cNvPr>
+          <p:cNvSpPr/>
+          <p:nvPr/>
+        </p:nvSpPr>
+        <p:spPr>
+          <a:xfrm>
+            <a:off x="7072286" y="4275974"/>
+            <a:ext cx="1058770" cy="464806"/>
+          </a:xfrm>
+          <a:prstGeom prst="rect">
+            <a:avLst/>
+          </a:prstGeom>
+        </p:spPr>
+        <p:style>
+          <a:lnRef idx="2">
+            <a:schemeClr val="accent3"/>
+          </a:lnRef>
+          <a:fillRef idx="1">
+            <a:schemeClr val="lt1"/>
+          </a:fillRef>
+          <a:effectRef idx="0">
+            <a:schemeClr val="accent3"/>
+          </a:effectRef>
+          <a:fontRef idx="minor">
+            <a:schemeClr val="dk1"/>
+          </a:fontRef>
+        </p:style>
+        <p:txBody>
+          <a:bodyPr rtlCol="0" anchor="ctr"/>
+          <a:lstStyle/>
+          <a:p>
+            <a:pPr algn="ctr"/>
+            <a:r>
+              <a:rPr lang="en-GB" dirty="0"/>
+              <a:t>Submit</a:t>
+            </a:r>
+          </a:p>
+        </p:txBody>
+      </p:sp>
+      <p:sp>
+        <p:nvSpPr>
+          <p:cNvPr id="41" name="Rectangle 40">
+            <a:extLst>
+              <a:ext uri="{FF2B5EF4-FFF2-40B4-BE49-F238E27FC236}">
+                <a16:creationId xmlns:a16="http://schemas.microsoft.com/office/drawing/2014/main" id="{8FB8B729-2517-49D6-9551-760502D3A125}"/>
+              </a:ext>
+            </a:extLst>
+          </p:cNvPr>
+          <p:cNvSpPr/>
+          <p:nvPr/>
+        </p:nvSpPr>
+        <p:spPr>
+          <a:xfrm>
+            <a:off x="6013515" y="4275974"/>
+            <a:ext cx="1058770" cy="464806"/>
+          </a:xfrm>
+          <a:prstGeom prst="rect">
+            <a:avLst/>
+          </a:prstGeom>
+        </p:spPr>
+        <p:style>
+          <a:lnRef idx="2">
+            <a:schemeClr val="accent3"/>
+          </a:lnRef>
+          <a:fillRef idx="1">
+            <a:schemeClr val="lt1"/>
+          </a:fillRef>
+          <a:effectRef idx="0">
+            <a:schemeClr val="accent3"/>
+          </a:effectRef>
+          <a:fontRef idx="minor">
+            <a:schemeClr val="dk1"/>
+          </a:fontRef>
+        </p:style>
+        <p:txBody>
+          <a:bodyPr rtlCol="0" anchor="ctr"/>
+          <a:lstStyle/>
+          <a:p>
+            <a:pPr algn="ctr"/>
+            <a:r>
+              <a:rPr lang="en-GB" dirty="0"/>
+              <a:t>Close</a:t>
             </a:r>
           </a:p>
         </p:txBody>
@@ -6459,7 +7915,7 @@
     </p:spTree>
     <p:extLst>
       <p:ext uri="{BB962C8B-B14F-4D97-AF65-F5344CB8AC3E}">
-        <p14:creationId xmlns:p14="http://schemas.microsoft.com/office/powerpoint/2010/main" val="2071692791"/>
+        <p14:creationId xmlns:p14="http://schemas.microsoft.com/office/powerpoint/2010/main" val="1795532125"/>
       </p:ext>
     </p:extLst>
   </p:cSld>
@@ -6488,44 +7944,19 @@
       </p:grpSpPr>
       <p:sp>
         <p:nvSpPr>
-          <p:cNvPr id="3" name="Content Placeholder 2">
-            <a:extLst>
-              <a:ext uri="{FF2B5EF4-FFF2-40B4-BE49-F238E27FC236}">
-                <a16:creationId xmlns:a16="http://schemas.microsoft.com/office/drawing/2014/main" id="{13627F33-C49C-4FC4-9E5B-835016FB2DE8}"/>
-              </a:ext>
-            </a:extLst>
-          </p:cNvPr>
-          <p:cNvSpPr>
-            <a:spLocks noGrp="1"/>
-          </p:cNvSpPr>
-          <p:nvPr>
-            <p:ph idx="1"/>
-          </p:nvPr>
-        </p:nvSpPr>
-        <p:spPr/>
-        <p:txBody>
-          <a:bodyPr/>
-          <a:lstStyle/>
-          <a:p>
-            <a:endParaRPr lang="en-GB"/>
-          </a:p>
-        </p:txBody>
-      </p:sp>
-      <p:sp>
-        <p:nvSpPr>
           <p:cNvPr id="4" name="Rectangle 3">
             <a:extLst>
               <a:ext uri="{FF2B5EF4-FFF2-40B4-BE49-F238E27FC236}">
-                <a16:creationId xmlns:a16="http://schemas.microsoft.com/office/drawing/2014/main" id="{262804F4-466E-4EF0-AC71-5BDEF2807B16}"/>
-              </a:ext>
-            </a:extLst>
-          </p:cNvPr>
-          <p:cNvSpPr/>
-          <p:nvPr/>
-        </p:nvSpPr>
-        <p:spPr>
-          <a:xfrm>
-            <a:off x="621437" y="639193"/>
+                <a16:creationId xmlns:a16="http://schemas.microsoft.com/office/drawing/2014/main" id="{C65B6941-A1F9-4425-9C2C-D93DACE5B6FA}"/>
+              </a:ext>
+            </a:extLst>
+          </p:cNvPr>
+          <p:cNvSpPr/>
+          <p:nvPr/>
+        </p:nvSpPr>
+        <p:spPr>
+          <a:xfrm>
+            <a:off x="443147" y="549307"/>
             <a:ext cx="10937289" cy="5699462"/>
           </a:xfrm>
           <a:prstGeom prst="rect">
@@ -6551,7 +7982,7 @@
           <a:lstStyle/>
           <a:p>
             <a:pPr algn="ctr"/>
-            <a:endParaRPr lang="en-GB"/>
+            <a:endParaRPr lang="en-GB" dirty="0"/>
           </a:p>
         </p:txBody>
       </p:sp>
@@ -6560,7 +7991,7 @@
           <p:cNvPr id="5" name="Rectangle 4">
             <a:extLst>
               <a:ext uri="{FF2B5EF4-FFF2-40B4-BE49-F238E27FC236}">
-                <a16:creationId xmlns:a16="http://schemas.microsoft.com/office/drawing/2014/main" id="{557BE613-43B0-44DA-8C27-4BC7C082960E}"/>
+                <a16:creationId xmlns:a16="http://schemas.microsoft.com/office/drawing/2014/main" id="{4AA4A929-1442-4D36-A0D5-1D02DF101C4F}"/>
               </a:ext>
             </a:extLst>
           </p:cNvPr>
@@ -6606,7 +8037,7 @@
           <p:cNvPr id="6" name="Rectangle 5">
             <a:extLst>
               <a:ext uri="{FF2B5EF4-FFF2-40B4-BE49-F238E27FC236}">
-                <a16:creationId xmlns:a16="http://schemas.microsoft.com/office/drawing/2014/main" id="{77A21D41-A3A6-45A3-AB54-FCC851BFE3B8}"/>
+                <a16:creationId xmlns:a16="http://schemas.microsoft.com/office/drawing/2014/main" id="{B960170E-9734-4500-B50F-4F2CAB4822C3}"/>
               </a:ext>
             </a:extLst>
           </p:cNvPr>
@@ -6650,7 +8081,7 @@
           <p:cNvPr id="7" name="Rectangle 6">
             <a:extLst>
               <a:ext uri="{FF2B5EF4-FFF2-40B4-BE49-F238E27FC236}">
-                <a16:creationId xmlns:a16="http://schemas.microsoft.com/office/drawing/2014/main" id="{4224BA71-1B31-4B7D-B3D8-4F52D20BE9C8}"/>
+                <a16:creationId xmlns:a16="http://schemas.microsoft.com/office/drawing/2014/main" id="{D0064E93-608B-4D15-810F-50B43DE13CB3}"/>
               </a:ext>
             </a:extLst>
           </p:cNvPr>
@@ -6702,7 +8133,7 @@
           <p:cNvPr id="8" name="Rectangle 7">
             <a:extLst>
               <a:ext uri="{FF2B5EF4-FFF2-40B4-BE49-F238E27FC236}">
-                <a16:creationId xmlns:a16="http://schemas.microsoft.com/office/drawing/2014/main" id="{6F9C4559-1664-44E6-ADF9-EF82DB2B34D6}"/>
+                <a16:creationId xmlns:a16="http://schemas.microsoft.com/office/drawing/2014/main" id="{A03087CD-8FC6-4B14-AEBB-27A80069F02B}"/>
               </a:ext>
             </a:extLst>
           </p:cNvPr>
@@ -6749,17 +8180,17 @@
           <p:cNvPr id="9" name="Rectangle 8">
             <a:extLst>
               <a:ext uri="{FF2B5EF4-FFF2-40B4-BE49-F238E27FC236}">
-                <a16:creationId xmlns:a16="http://schemas.microsoft.com/office/drawing/2014/main" id="{B6B6FA78-220A-4D0E-A200-6087D647CD2A}"/>
-              </a:ext>
-            </a:extLst>
-          </p:cNvPr>
-          <p:cNvSpPr/>
-          <p:nvPr/>
-        </p:nvSpPr>
-        <p:spPr>
-          <a:xfrm>
-            <a:off x="811564" y="1305017"/>
-            <a:ext cx="10515600" cy="630316"/>
+                <a16:creationId xmlns:a16="http://schemas.microsoft.com/office/drawing/2014/main" id="{85FC1291-BFED-4E42-AF59-0ED26BB0E159}"/>
+              </a:ext>
+            </a:extLst>
+          </p:cNvPr>
+          <p:cNvSpPr/>
+          <p:nvPr/>
+        </p:nvSpPr>
+        <p:spPr>
+          <a:xfrm>
+            <a:off x="4520581" y="2414726"/>
+            <a:ext cx="3130121" cy="3138257"/>
           </a:xfrm>
           <a:prstGeom prst="rect">
             <a:avLst/>
@@ -6786,341 +8217,369 @@
           <a:lstStyle/>
           <a:p>
             <a:pPr algn="ctr"/>
+            <a:endParaRPr lang="en-GB" dirty="0"/>
+          </a:p>
+        </p:txBody>
+      </p:sp>
+      <p:sp>
+        <p:nvSpPr>
+          <p:cNvPr id="10" name="Rectangle 9">
+            <a:extLst>
+              <a:ext uri="{FF2B5EF4-FFF2-40B4-BE49-F238E27FC236}">
+                <a16:creationId xmlns:a16="http://schemas.microsoft.com/office/drawing/2014/main" id="{0B7E15F3-5B02-4D21-AA26-614BA3E597E0}"/>
+              </a:ext>
+            </a:extLst>
+          </p:cNvPr>
+          <p:cNvSpPr/>
+          <p:nvPr/>
+        </p:nvSpPr>
+        <p:spPr>
+          <a:xfrm>
+            <a:off x="4935243" y="3587316"/>
+            <a:ext cx="2290438" cy="317377"/>
+          </a:xfrm>
+          <a:prstGeom prst="rect">
+            <a:avLst/>
+          </a:prstGeom>
+        </p:spPr>
+        <p:style>
+          <a:lnRef idx="2">
+            <a:schemeClr val="accent3"/>
+          </a:lnRef>
+          <a:fillRef idx="1">
+            <a:schemeClr val="lt1"/>
+          </a:fillRef>
+          <a:effectRef idx="0">
+            <a:schemeClr val="accent3"/>
+          </a:effectRef>
+          <a:fontRef idx="minor">
+            <a:schemeClr val="dk1"/>
+          </a:fontRef>
+        </p:style>
+        <p:txBody>
+          <a:bodyPr rtlCol="0" anchor="ctr"/>
+          <a:lstStyle/>
+          <a:p>
+            <a:pPr algn="ctr"/>
             <a:r>
               <a:rPr lang="en-GB" dirty="0"/>
-              <a:t>Game</a:t>
-            </a:r>
-          </a:p>
-        </p:txBody>
-      </p:sp>
-      <p:sp>
-        <p:nvSpPr>
-          <p:cNvPr id="23" name="Rectangle 22">
-            <a:extLst>
-              <a:ext uri="{FF2B5EF4-FFF2-40B4-BE49-F238E27FC236}">
-                <a16:creationId xmlns:a16="http://schemas.microsoft.com/office/drawing/2014/main" id="{C31C4C22-E929-4163-98E7-61AF2D42409B}"/>
-              </a:ext>
-            </a:extLst>
-          </p:cNvPr>
-          <p:cNvSpPr/>
-          <p:nvPr/>
-        </p:nvSpPr>
-        <p:spPr>
-          <a:xfrm>
-            <a:off x="2478349" y="3355759"/>
-            <a:ext cx="7411375" cy="1783157"/>
-          </a:xfrm>
-          <a:prstGeom prst="rect">
-            <a:avLst/>
-          </a:prstGeom>
-        </p:spPr>
-        <p:style>
-          <a:lnRef idx="2">
-            <a:schemeClr val="accent3"/>
-          </a:lnRef>
-          <a:fillRef idx="1">
-            <a:schemeClr val="lt1"/>
-          </a:fillRef>
-          <a:effectRef idx="0">
-            <a:schemeClr val="accent3"/>
-          </a:effectRef>
-          <a:fontRef idx="minor">
-            <a:schemeClr val="dk1"/>
-          </a:fontRef>
-        </p:style>
-        <p:txBody>
-          <a:bodyPr rtlCol="0" anchor="ctr"/>
-          <a:lstStyle/>
-          <a:p>
-            <a:pPr algn="ctr"/>
-            <a:endParaRPr lang="en-GB"/>
-          </a:p>
-        </p:txBody>
-      </p:sp>
-      <p:sp>
-        <p:nvSpPr>
-          <p:cNvPr id="24" name="Rectangle 23">
-            <a:extLst>
-              <a:ext uri="{FF2B5EF4-FFF2-40B4-BE49-F238E27FC236}">
-                <a16:creationId xmlns:a16="http://schemas.microsoft.com/office/drawing/2014/main" id="{83C57B03-CDC2-4F1D-A2EE-0BBDF75D1443}"/>
-              </a:ext>
-            </a:extLst>
-          </p:cNvPr>
-          <p:cNvSpPr/>
-          <p:nvPr/>
-        </p:nvSpPr>
-        <p:spPr>
-          <a:xfrm>
-            <a:off x="2478349" y="1987477"/>
-            <a:ext cx="7411375" cy="459525"/>
-          </a:xfrm>
-          <a:prstGeom prst="rect">
-            <a:avLst/>
-          </a:prstGeom>
-        </p:spPr>
-        <p:style>
-          <a:lnRef idx="2">
-            <a:schemeClr val="accent3"/>
-          </a:lnRef>
-          <a:fillRef idx="1">
-            <a:schemeClr val="lt1"/>
-          </a:fillRef>
-          <a:effectRef idx="0">
-            <a:schemeClr val="accent3"/>
-          </a:effectRef>
-          <a:fontRef idx="minor">
-            <a:schemeClr val="dk1"/>
-          </a:fontRef>
-        </p:style>
-        <p:txBody>
-          <a:bodyPr rtlCol="0" anchor="ctr"/>
-          <a:lstStyle/>
-          <a:p>
-            <a:pPr algn="ctr"/>
-            <a:r>
-              <a:rPr lang="en-GB" dirty="0"/>
-              <a:t>Start Game</a:t>
-            </a:r>
-          </a:p>
-        </p:txBody>
-      </p:sp>
-      <p:sp>
-        <p:nvSpPr>
-          <p:cNvPr id="25" name="Rectangle 24">
-            <a:extLst>
-              <a:ext uri="{FF2B5EF4-FFF2-40B4-BE49-F238E27FC236}">
-                <a16:creationId xmlns:a16="http://schemas.microsoft.com/office/drawing/2014/main" id="{8341E4F5-4F7C-4A64-82D8-663DDC4BBEAA}"/>
-              </a:ext>
-            </a:extLst>
-          </p:cNvPr>
-          <p:cNvSpPr/>
-          <p:nvPr/>
-        </p:nvSpPr>
-        <p:spPr>
-          <a:xfrm>
-            <a:off x="2805347" y="3701663"/>
-            <a:ext cx="1154097" cy="1154097"/>
-          </a:xfrm>
-          <a:prstGeom prst="rect">
-            <a:avLst/>
-          </a:prstGeom>
-        </p:spPr>
-        <p:style>
-          <a:lnRef idx="2">
-            <a:schemeClr val="accent1">
+              <a:t>Dave</a:t>
+            </a:r>
+          </a:p>
+        </p:txBody>
+      </p:sp>
+      <p:sp>
+        <p:nvSpPr>
+          <p:cNvPr id="11" name="Rectangle 10">
+            <a:extLst>
+              <a:ext uri="{FF2B5EF4-FFF2-40B4-BE49-F238E27FC236}">
+                <a16:creationId xmlns:a16="http://schemas.microsoft.com/office/drawing/2014/main" id="{59E8EC01-AF60-424A-BEB1-5DD79956FCD2}"/>
+              </a:ext>
+            </a:extLst>
+          </p:cNvPr>
+          <p:cNvSpPr/>
+          <p:nvPr/>
+        </p:nvSpPr>
+        <p:spPr>
+          <a:xfrm>
+            <a:off x="811564" y="1305017"/>
+            <a:ext cx="10332869" cy="630316"/>
+          </a:xfrm>
+          <a:prstGeom prst="rect">
+            <a:avLst/>
+          </a:prstGeom>
+        </p:spPr>
+        <p:style>
+          <a:lnRef idx="2">
+            <a:schemeClr val="accent3">
               <a:shade val="50000"/>
             </a:schemeClr>
           </a:lnRef>
           <a:fillRef idx="1">
-            <a:schemeClr val="accent1"/>
-          </a:fillRef>
-          <a:effectRef idx="0">
-            <a:schemeClr val="accent1"/>
-          </a:effectRef>
-          <a:fontRef idx="minor">
-            <a:schemeClr val="lt1"/>
-          </a:fontRef>
-        </p:style>
-        <p:txBody>
-          <a:bodyPr rtlCol="0" anchor="ctr"/>
-          <a:lstStyle/>
-          <a:p>
-            <a:pPr algn="ctr"/>
-            <a:endParaRPr lang="en-GB"/>
-          </a:p>
-        </p:txBody>
-      </p:sp>
-      <p:sp>
-        <p:nvSpPr>
-          <p:cNvPr id="26" name="Rectangle 25">
-            <a:extLst>
-              <a:ext uri="{FF2B5EF4-FFF2-40B4-BE49-F238E27FC236}">
-                <a16:creationId xmlns:a16="http://schemas.microsoft.com/office/drawing/2014/main" id="{EDE4E29E-1A5B-48CC-8FB0-6DA186AF7097}"/>
-              </a:ext>
-            </a:extLst>
-          </p:cNvPr>
-          <p:cNvSpPr/>
-          <p:nvPr/>
-        </p:nvSpPr>
-        <p:spPr>
-          <a:xfrm>
-            <a:off x="4246866" y="3701663"/>
-            <a:ext cx="1154097" cy="1154097"/>
-          </a:xfrm>
-          <a:prstGeom prst="rect">
-            <a:avLst/>
-          </a:prstGeom>
-        </p:spPr>
-        <p:style>
-          <a:lnRef idx="2">
-            <a:schemeClr val="accent2">
+            <a:schemeClr val="accent3"/>
+          </a:fillRef>
+          <a:effectRef idx="0">
+            <a:schemeClr val="accent3"/>
+          </a:effectRef>
+          <a:fontRef idx="minor">
+            <a:schemeClr val="lt1"/>
+          </a:fontRef>
+        </p:style>
+        <p:txBody>
+          <a:bodyPr rtlCol="0" anchor="ctr"/>
+          <a:lstStyle/>
+          <a:p>
+            <a:pPr algn="ctr"/>
+            <a:r>
+              <a:rPr lang="en-GB" dirty="0"/>
+              <a:t>Login</a:t>
+            </a:r>
+          </a:p>
+        </p:txBody>
+      </p:sp>
+      <p:sp>
+        <p:nvSpPr>
+          <p:cNvPr id="12" name="Rectangle 11">
+            <a:extLst>
+              <a:ext uri="{FF2B5EF4-FFF2-40B4-BE49-F238E27FC236}">
+                <a16:creationId xmlns:a16="http://schemas.microsoft.com/office/drawing/2014/main" id="{9281453C-189E-46C3-8227-9A2ADAD84B35}"/>
+              </a:ext>
+            </a:extLst>
+          </p:cNvPr>
+          <p:cNvSpPr/>
+          <p:nvPr/>
+        </p:nvSpPr>
+        <p:spPr>
+          <a:xfrm>
+            <a:off x="4945600" y="4411461"/>
+            <a:ext cx="2280081" cy="317377"/>
+          </a:xfrm>
+          <a:prstGeom prst="rect">
+            <a:avLst/>
+          </a:prstGeom>
+        </p:spPr>
+        <p:style>
+          <a:lnRef idx="2">
+            <a:schemeClr val="accent3"/>
+          </a:lnRef>
+          <a:fillRef idx="1">
+            <a:schemeClr val="lt1"/>
+          </a:fillRef>
+          <a:effectRef idx="0">
+            <a:schemeClr val="accent3"/>
+          </a:effectRef>
+          <a:fontRef idx="minor">
+            <a:schemeClr val="dk1"/>
+          </a:fontRef>
+        </p:style>
+        <p:txBody>
+          <a:bodyPr rtlCol="0" anchor="ctr"/>
+          <a:lstStyle/>
+          <a:p>
+            <a:pPr algn="ctr"/>
+            <a:r>
+              <a:rPr lang="en-GB" dirty="0"/>
+              <a:t>*******</a:t>
+            </a:r>
+          </a:p>
+        </p:txBody>
+      </p:sp>
+      <p:sp>
+        <p:nvSpPr>
+          <p:cNvPr id="13" name="Rectangle 12">
+            <a:extLst>
+              <a:ext uri="{FF2B5EF4-FFF2-40B4-BE49-F238E27FC236}">
+                <a16:creationId xmlns:a16="http://schemas.microsoft.com/office/drawing/2014/main" id="{33DAC569-4EBF-4C45-AA40-341346BAE84F}"/>
+              </a:ext>
+            </a:extLst>
+          </p:cNvPr>
+          <p:cNvSpPr/>
+          <p:nvPr/>
+        </p:nvSpPr>
+        <p:spPr>
+          <a:xfrm>
+            <a:off x="5117605" y="2578775"/>
+            <a:ext cx="1956789" cy="548938"/>
+          </a:xfrm>
+          <a:prstGeom prst="rect">
+            <a:avLst/>
+          </a:prstGeom>
+        </p:spPr>
+        <p:style>
+          <a:lnRef idx="2">
+            <a:schemeClr val="accent3">
               <a:shade val="50000"/>
             </a:schemeClr>
           </a:lnRef>
           <a:fillRef idx="1">
-            <a:schemeClr val="accent2"/>
-          </a:fillRef>
-          <a:effectRef idx="0">
-            <a:schemeClr val="accent2"/>
-          </a:effectRef>
-          <a:fontRef idx="minor">
-            <a:schemeClr val="lt1"/>
-          </a:fontRef>
-        </p:style>
-        <p:txBody>
-          <a:bodyPr rtlCol="0" anchor="ctr"/>
-          <a:lstStyle/>
-          <a:p>
-            <a:pPr algn="ctr"/>
-            <a:endParaRPr lang="en-GB"/>
-          </a:p>
-        </p:txBody>
-      </p:sp>
-      <p:sp>
-        <p:nvSpPr>
-          <p:cNvPr id="27" name="Rectangle 26">
-            <a:extLst>
-              <a:ext uri="{FF2B5EF4-FFF2-40B4-BE49-F238E27FC236}">
-                <a16:creationId xmlns:a16="http://schemas.microsoft.com/office/drawing/2014/main" id="{814AB715-C87C-4D35-921F-518FCC3B8524}"/>
-              </a:ext>
-            </a:extLst>
-          </p:cNvPr>
-          <p:cNvSpPr/>
-          <p:nvPr/>
-        </p:nvSpPr>
-        <p:spPr>
-          <a:xfrm>
-            <a:off x="5688385" y="3701663"/>
-            <a:ext cx="1154097" cy="1154097"/>
-          </a:xfrm>
-          <a:prstGeom prst="rect">
-            <a:avLst/>
-          </a:prstGeom>
-        </p:spPr>
-        <p:style>
-          <a:lnRef idx="2">
-            <a:schemeClr val="accent4">
-              <a:shade val="50000"/>
-            </a:schemeClr>
-          </a:lnRef>
-          <a:fillRef idx="1">
-            <a:schemeClr val="accent4"/>
-          </a:fillRef>
-          <a:effectRef idx="0">
-            <a:schemeClr val="accent4"/>
-          </a:effectRef>
-          <a:fontRef idx="minor">
-            <a:schemeClr val="lt1"/>
-          </a:fontRef>
-        </p:style>
-        <p:txBody>
-          <a:bodyPr rtlCol="0" anchor="ctr"/>
-          <a:lstStyle/>
-          <a:p>
-            <a:pPr algn="ctr"/>
-            <a:endParaRPr lang="en-GB"/>
-          </a:p>
-        </p:txBody>
-      </p:sp>
-      <p:sp>
-        <p:nvSpPr>
-          <p:cNvPr id="28" name="Rectangle 27">
-            <a:extLst>
-              <a:ext uri="{FF2B5EF4-FFF2-40B4-BE49-F238E27FC236}">
-                <a16:creationId xmlns:a16="http://schemas.microsoft.com/office/drawing/2014/main" id="{4F675360-FAD9-42D8-A689-818E2AF56D7A}"/>
-              </a:ext>
-            </a:extLst>
-          </p:cNvPr>
-          <p:cNvSpPr/>
-          <p:nvPr/>
-        </p:nvSpPr>
-        <p:spPr>
-          <a:xfrm>
-            <a:off x="7059245" y="3701663"/>
-            <a:ext cx="1154097" cy="1154097"/>
-          </a:xfrm>
-          <a:prstGeom prst="rect">
-            <a:avLst/>
-          </a:prstGeom>
-        </p:spPr>
-        <p:style>
-          <a:lnRef idx="2">
-            <a:schemeClr val="accent6">
-              <a:shade val="50000"/>
-            </a:schemeClr>
-          </a:lnRef>
-          <a:fillRef idx="1">
-            <a:schemeClr val="accent6"/>
-          </a:fillRef>
-          <a:effectRef idx="0">
-            <a:schemeClr val="accent6"/>
-          </a:effectRef>
-          <a:fontRef idx="minor">
-            <a:schemeClr val="lt1"/>
-          </a:fontRef>
-        </p:style>
-        <p:txBody>
-          <a:bodyPr rtlCol="0" anchor="ctr"/>
-          <a:lstStyle/>
-          <a:p>
-            <a:pPr algn="ctr"/>
-            <a:endParaRPr lang="en-GB"/>
-          </a:p>
-        </p:txBody>
-      </p:sp>
-      <p:sp>
-        <p:nvSpPr>
-          <p:cNvPr id="29" name="Rectangle 28">
-            <a:extLst>
-              <a:ext uri="{FF2B5EF4-FFF2-40B4-BE49-F238E27FC236}">
-                <a16:creationId xmlns:a16="http://schemas.microsoft.com/office/drawing/2014/main" id="{09EE80C6-4A1B-469F-97CA-A7101E576C68}"/>
-              </a:ext>
-            </a:extLst>
-          </p:cNvPr>
-          <p:cNvSpPr/>
-          <p:nvPr/>
-        </p:nvSpPr>
-        <p:spPr>
-          <a:xfrm>
-            <a:off x="8430105" y="3701663"/>
-            <a:ext cx="1154097" cy="1154097"/>
+            <a:schemeClr val="accent3"/>
+          </a:fillRef>
+          <a:effectRef idx="0">
+            <a:schemeClr val="accent3"/>
+          </a:effectRef>
+          <a:fontRef idx="minor">
+            <a:schemeClr val="lt1"/>
+          </a:fontRef>
+        </p:style>
+        <p:txBody>
+          <a:bodyPr rtlCol="0" anchor="ctr"/>
+          <a:lstStyle/>
+          <a:p>
+            <a:pPr algn="ctr"/>
+            <a:r>
+              <a:rPr lang="en-GB" dirty="0"/>
+              <a:t>Login</a:t>
+            </a:r>
+          </a:p>
+        </p:txBody>
+      </p:sp>
+      <p:sp>
+        <p:nvSpPr>
+          <p:cNvPr id="14" name="Rectangle 13">
+            <a:extLst>
+              <a:ext uri="{FF2B5EF4-FFF2-40B4-BE49-F238E27FC236}">
+                <a16:creationId xmlns:a16="http://schemas.microsoft.com/office/drawing/2014/main" id="{C1DFF1FA-5420-41D2-9E66-89595DC942F1}"/>
+              </a:ext>
+            </a:extLst>
+          </p:cNvPr>
+          <p:cNvSpPr/>
+          <p:nvPr/>
+        </p:nvSpPr>
+        <p:spPr>
+          <a:xfrm>
+            <a:off x="6096000" y="4982222"/>
+            <a:ext cx="1197743" cy="317377"/>
+          </a:xfrm>
+          <a:prstGeom prst="rect">
+            <a:avLst/>
+          </a:prstGeom>
+          <a:noFill/>
+          <a:ln w="9525" cap="flat" cmpd="sng" algn="ctr">
+            <a:solidFill>
+              <a:schemeClr val="dk1"/>
+            </a:solidFill>
+            <a:prstDash val="solid"/>
+            <a:round/>
+            <a:headEnd type="none" w="med" len="med"/>
+            <a:tailEnd type="none" w="med" len="med"/>
+          </a:ln>
+        </p:spPr>
+        <p:style>
+          <a:lnRef idx="0">
+            <a:scrgbClr r="0" g="0" b="0"/>
+          </a:lnRef>
+          <a:fillRef idx="0">
+            <a:scrgbClr r="0" g="0" b="0"/>
+          </a:fillRef>
+          <a:effectRef idx="0">
+            <a:scrgbClr r="0" g="0" b="0"/>
+          </a:effectRef>
+          <a:fontRef idx="minor">
+            <a:schemeClr val="dk1"/>
+          </a:fontRef>
+        </p:style>
+        <p:txBody>
+          <a:bodyPr rtlCol="0" anchor="ctr"/>
+          <a:lstStyle/>
+          <a:p>
+            <a:pPr algn="ctr"/>
+            <a:r>
+              <a:rPr lang="en-GB" dirty="0"/>
+              <a:t>Sign in</a:t>
+            </a:r>
+          </a:p>
+        </p:txBody>
+      </p:sp>
+      <p:sp>
+        <p:nvSpPr>
+          <p:cNvPr id="15" name="Rectangle 14">
+            <a:extLst>
+              <a:ext uri="{FF2B5EF4-FFF2-40B4-BE49-F238E27FC236}">
+                <a16:creationId xmlns:a16="http://schemas.microsoft.com/office/drawing/2014/main" id="{0D05DA5E-D5DE-4508-97C1-1A156F9BC93C}"/>
+              </a:ext>
+            </a:extLst>
+          </p:cNvPr>
+          <p:cNvSpPr/>
+          <p:nvPr/>
+        </p:nvSpPr>
+        <p:spPr>
+          <a:xfrm>
+            <a:off x="4945600" y="3240350"/>
+            <a:ext cx="2280081" cy="317377"/>
           </a:xfrm>
           <a:prstGeom prst="rect">
             <a:avLst/>
           </a:prstGeom>
           <a:solidFill>
-            <a:srgbClr val="C00000"/>
+            <a:schemeClr val="accent3"/>
           </a:solidFill>
-        </p:spPr>
-        <p:style>
-          <a:lnRef idx="2">
-            <a:schemeClr val="accent1">
-              <a:shade val="50000"/>
-            </a:schemeClr>
-          </a:lnRef>
-          <a:fillRef idx="1">
-            <a:schemeClr val="accent1"/>
-          </a:fillRef>
-          <a:effectRef idx="0">
-            <a:schemeClr val="accent1"/>
-          </a:effectRef>
-          <a:fontRef idx="minor">
-            <a:schemeClr val="lt1"/>
-          </a:fontRef>
-        </p:style>
-        <p:txBody>
-          <a:bodyPr rtlCol="0" anchor="ctr"/>
-          <a:lstStyle/>
-          <a:p>
-            <a:pPr algn="ctr"/>
-            <a:endParaRPr lang="en-GB"/>
+          <a:ln>
+            <a:noFill/>
+          </a:ln>
+        </p:spPr>
+        <p:style>
+          <a:lnRef idx="0">
+            <a:scrgbClr r="0" g="0" b="0"/>
+          </a:lnRef>
+          <a:fillRef idx="0">
+            <a:scrgbClr r="0" g="0" b="0"/>
+          </a:fillRef>
+          <a:effectRef idx="0">
+            <a:scrgbClr r="0" g="0" b="0"/>
+          </a:effectRef>
+          <a:fontRef idx="minor">
+            <a:schemeClr val="lt1"/>
+          </a:fontRef>
+        </p:style>
+        <p:txBody>
+          <a:bodyPr rtlCol="0" anchor="ctr"/>
+          <a:lstStyle/>
+          <a:p>
+            <a:pPr algn="ctr"/>
+            <a:r>
+              <a:rPr lang="en-GB" dirty="0"/>
+              <a:t>Email</a:t>
+            </a:r>
+          </a:p>
+        </p:txBody>
+      </p:sp>
+      <p:sp>
+        <p:nvSpPr>
+          <p:cNvPr id="16" name="Rectangle 15">
+            <a:extLst>
+              <a:ext uri="{FF2B5EF4-FFF2-40B4-BE49-F238E27FC236}">
+                <a16:creationId xmlns:a16="http://schemas.microsoft.com/office/drawing/2014/main" id="{E0AECFE0-7A57-439C-8C1B-CAEDB60DFDA3}"/>
+              </a:ext>
+            </a:extLst>
+          </p:cNvPr>
+          <p:cNvSpPr/>
+          <p:nvPr/>
+        </p:nvSpPr>
+        <p:spPr>
+          <a:xfrm>
+            <a:off x="4945600" y="4039892"/>
+            <a:ext cx="2280081" cy="317377"/>
+          </a:xfrm>
+          <a:prstGeom prst="rect">
+            <a:avLst/>
+          </a:prstGeom>
+          <a:solidFill>
+            <a:schemeClr val="accent3"/>
+          </a:solidFill>
+          <a:ln>
+            <a:noFill/>
+          </a:ln>
+        </p:spPr>
+        <p:style>
+          <a:lnRef idx="0">
+            <a:scrgbClr r="0" g="0" b="0"/>
+          </a:lnRef>
+          <a:fillRef idx="0">
+            <a:scrgbClr r="0" g="0" b="0"/>
+          </a:fillRef>
+          <a:effectRef idx="0">
+            <a:scrgbClr r="0" g="0" b="0"/>
+          </a:effectRef>
+          <a:fontRef idx="minor">
+            <a:schemeClr val="lt1"/>
+          </a:fontRef>
+        </p:style>
+        <p:txBody>
+          <a:bodyPr rtlCol="0" anchor="ctr"/>
+          <a:lstStyle/>
+          <a:p>
+            <a:pPr algn="ctr"/>
+            <a:r>
+              <a:rPr lang="en-GB" dirty="0"/>
+              <a:t>Password</a:t>
+            </a:r>
           </a:p>
         </p:txBody>
       </p:sp>
     </p:spTree>
     <p:extLst>
       <p:ext uri="{BB962C8B-B14F-4D97-AF65-F5344CB8AC3E}">
-        <p14:creationId xmlns:p14="http://schemas.microsoft.com/office/powerpoint/2010/main" val="1061702891"/>
+        <p14:creationId xmlns:p14="http://schemas.microsoft.com/office/powerpoint/2010/main" val="2071692791"/>
       </p:ext>
     </p:extLst>
   </p:cSld>
@@ -7540,7 +8999,7 @@
             <a:pPr algn="ctr"/>
             <a:r>
               <a:rPr lang="en-GB" dirty="0"/>
-              <a:t>6 + 7</a:t>
+              <a:t>Start Game</a:t>
             </a:r>
           </a:p>
         </p:txBody>
@@ -7587,10 +9046,7 @@
           <a:lstStyle/>
           <a:p>
             <a:pPr algn="ctr"/>
-            <a:r>
-              <a:rPr lang="en-GB" dirty="0"/>
-              <a:t>5</a:t>
-            </a:r>
+            <a:endParaRPr lang="en-GB"/>
           </a:p>
         </p:txBody>
       </p:sp>
@@ -7636,10 +9092,7 @@
           <a:lstStyle/>
           <a:p>
             <a:pPr algn="ctr"/>
-            <a:r>
-              <a:rPr lang="en-GB" dirty="0"/>
-              <a:t>13</a:t>
-            </a:r>
+            <a:endParaRPr lang="en-GB"/>
           </a:p>
         </p:txBody>
       </p:sp>
@@ -7685,10 +9138,7 @@
           <a:lstStyle/>
           <a:p>
             <a:pPr algn="ctr"/>
-            <a:r>
-              <a:rPr lang="en-GB" dirty="0"/>
-              <a:t>21</a:t>
-            </a:r>
+            <a:endParaRPr lang="en-GB"/>
           </a:p>
         </p:txBody>
       </p:sp>
@@ -7734,10 +9184,7 @@
           <a:lstStyle/>
           <a:p>
             <a:pPr algn="ctr"/>
-            <a:r>
-              <a:rPr lang="en-GB" dirty="0"/>
-              <a:t>7</a:t>
-            </a:r>
+            <a:endParaRPr lang="en-GB"/>
           </a:p>
         </p:txBody>
       </p:sp>
@@ -7786,19 +9233,16 @@
           <a:lstStyle/>
           <a:p>
             <a:pPr algn="ctr"/>
-            <a:r>
-              <a:rPr lang="en-GB" dirty="0"/>
-              <a:t>15</a:t>
-            </a:r>
-          </a:p>
-        </p:txBody>
-      </p:sp>
-      <p:sp>
-        <p:nvSpPr>
-          <p:cNvPr id="17" name="Rectangle 16">
-            <a:extLst>
-              <a:ext uri="{FF2B5EF4-FFF2-40B4-BE49-F238E27FC236}">
-                <a16:creationId xmlns:a16="http://schemas.microsoft.com/office/drawing/2014/main" id="{5F19290E-0C5C-4639-96A3-CC1799B3B7B3}"/>
+            <a:endParaRPr lang="en-GB"/>
+          </a:p>
+        </p:txBody>
+      </p:sp>
+      <p:sp>
+        <p:nvSpPr>
+          <p:cNvPr id="16" name="Rectangle 15">
+            <a:extLst>
+              <a:ext uri="{FF2B5EF4-FFF2-40B4-BE49-F238E27FC236}">
+                <a16:creationId xmlns:a16="http://schemas.microsoft.com/office/drawing/2014/main" id="{AF982936-9618-4BCE-8992-744E7DE97AF9}"/>
               </a:ext>
             </a:extLst>
           </p:cNvPr>
@@ -7842,10 +9286,10 @@
       </p:sp>
       <p:sp>
         <p:nvSpPr>
-          <p:cNvPr id="18" name="Rectangle 17">
-            <a:extLst>
-              <a:ext uri="{FF2B5EF4-FFF2-40B4-BE49-F238E27FC236}">
-                <a16:creationId xmlns:a16="http://schemas.microsoft.com/office/drawing/2014/main" id="{F93230FF-8283-462C-BD31-39A18A5A2CBA}"/>
+          <p:cNvPr id="17" name="Rectangle 16">
+            <a:extLst>
+              <a:ext uri="{FF2B5EF4-FFF2-40B4-BE49-F238E27FC236}">
+                <a16:creationId xmlns:a16="http://schemas.microsoft.com/office/drawing/2014/main" id="{72D1D2EF-C91A-4BEE-BF14-B2B04A338FBB}"/>
               </a:ext>
             </a:extLst>
           </p:cNvPr>
@@ -7889,10 +9333,10 @@
       </p:sp>
       <p:sp>
         <p:nvSpPr>
-          <p:cNvPr id="19" name="Rectangle 18">
-            <a:extLst>
-              <a:ext uri="{FF2B5EF4-FFF2-40B4-BE49-F238E27FC236}">
-                <a16:creationId xmlns:a16="http://schemas.microsoft.com/office/drawing/2014/main" id="{3D300E1D-9238-4E05-91CE-54CF3AE4CDEB}"/>
+          <p:cNvPr id="18" name="Rectangle 17">
+            <a:extLst>
+              <a:ext uri="{FF2B5EF4-FFF2-40B4-BE49-F238E27FC236}">
+                <a16:creationId xmlns:a16="http://schemas.microsoft.com/office/drawing/2014/main" id="{49C1EB57-7D73-485D-A72B-1CE5B01C6D53}"/>
               </a:ext>
             </a:extLst>
           </p:cNvPr>
@@ -7927,19 +9371,16 @@
           <a:lstStyle/>
           <a:p>
             <a:pPr algn="ctr"/>
-            <a:r>
-              <a:rPr lang="en-GB" dirty="0"/>
-              <a:t>3</a:t>
-            </a:r>
-          </a:p>
-        </p:txBody>
-      </p:sp>
-      <p:sp>
-        <p:nvSpPr>
-          <p:cNvPr id="20" name="Rectangle 19">
-            <a:extLst>
-              <a:ext uri="{FF2B5EF4-FFF2-40B4-BE49-F238E27FC236}">
-                <a16:creationId xmlns:a16="http://schemas.microsoft.com/office/drawing/2014/main" id="{DB10FFE0-C5F3-484C-86EA-08500D7E76ED}"/>
+            <a:endParaRPr lang="en-GB" dirty="0"/>
+          </a:p>
+        </p:txBody>
+      </p:sp>
+      <p:sp>
+        <p:nvSpPr>
+          <p:cNvPr id="19" name="Rectangle 18">
+            <a:extLst>
+              <a:ext uri="{FF2B5EF4-FFF2-40B4-BE49-F238E27FC236}">
+                <a16:creationId xmlns:a16="http://schemas.microsoft.com/office/drawing/2014/main" id="{78E742AB-D6C8-4950-9EEA-2869E23EEAA9}"/>
               </a:ext>
             </a:extLst>
           </p:cNvPr>
@@ -7974,17 +9415,14 @@
           <a:lstStyle/>
           <a:p>
             <a:pPr algn="ctr"/>
-            <a:r>
-              <a:rPr lang="en-GB" dirty="0"/>
-              <a:t>1</a:t>
-            </a:r>
+            <a:endParaRPr lang="en-GB" dirty="0"/>
           </a:p>
         </p:txBody>
       </p:sp>
     </p:spTree>
     <p:extLst>
       <p:ext uri="{BB962C8B-B14F-4D97-AF65-F5344CB8AC3E}">
-        <p14:creationId xmlns:p14="http://schemas.microsoft.com/office/powerpoint/2010/main" val="990667174"/>
+        <p14:creationId xmlns:p14="http://schemas.microsoft.com/office/powerpoint/2010/main" val="1061702891"/>
       </p:ext>
     </p:extLst>
   </p:cSld>
@@ -8013,10 +9451,35 @@
       </p:grpSpPr>
       <p:sp>
         <p:nvSpPr>
-          <p:cNvPr id="17" name="Rectangle 16">
-            <a:extLst>
-              <a:ext uri="{FF2B5EF4-FFF2-40B4-BE49-F238E27FC236}">
-                <a16:creationId xmlns:a16="http://schemas.microsoft.com/office/drawing/2014/main" id="{BF3EC32D-3659-4FB5-9CA6-7BF3D5FD04AD}"/>
+          <p:cNvPr id="3" name="Content Placeholder 2">
+            <a:extLst>
+              <a:ext uri="{FF2B5EF4-FFF2-40B4-BE49-F238E27FC236}">
+                <a16:creationId xmlns:a16="http://schemas.microsoft.com/office/drawing/2014/main" id="{13627F33-C49C-4FC4-9E5B-835016FB2DE8}"/>
+              </a:ext>
+            </a:extLst>
+          </p:cNvPr>
+          <p:cNvSpPr>
+            <a:spLocks noGrp="1"/>
+          </p:cNvSpPr>
+          <p:nvPr>
+            <p:ph idx="1"/>
+          </p:nvPr>
+        </p:nvSpPr>
+        <p:spPr/>
+        <p:txBody>
+          <a:bodyPr/>
+          <a:lstStyle/>
+          <a:p>
+            <a:endParaRPr lang="en-GB"/>
+          </a:p>
+        </p:txBody>
+      </p:sp>
+      <p:sp>
+        <p:nvSpPr>
+          <p:cNvPr id="4" name="Rectangle 3">
+            <a:extLst>
+              <a:ext uri="{FF2B5EF4-FFF2-40B4-BE49-F238E27FC236}">
+                <a16:creationId xmlns:a16="http://schemas.microsoft.com/office/drawing/2014/main" id="{262804F4-466E-4EF0-AC71-5BDEF2807B16}"/>
               </a:ext>
             </a:extLst>
           </p:cNvPr>
@@ -8060,7 +9523,7 @@
           <p:cNvPr id="5" name="Rectangle 4">
             <a:extLst>
               <a:ext uri="{FF2B5EF4-FFF2-40B4-BE49-F238E27FC236}">
-                <a16:creationId xmlns:a16="http://schemas.microsoft.com/office/drawing/2014/main" id="{4AA4A929-1442-4D36-A0D5-1D02DF101C4F}"/>
+                <a16:creationId xmlns:a16="http://schemas.microsoft.com/office/drawing/2014/main" id="{557BE613-43B0-44DA-8C27-4BC7C082960E}"/>
               </a:ext>
             </a:extLst>
           </p:cNvPr>
@@ -8106,7 +9569,7 @@
           <p:cNvPr id="6" name="Rectangle 5">
             <a:extLst>
               <a:ext uri="{FF2B5EF4-FFF2-40B4-BE49-F238E27FC236}">
-                <a16:creationId xmlns:a16="http://schemas.microsoft.com/office/drawing/2014/main" id="{B960170E-9734-4500-B50F-4F2CAB4822C3}"/>
+                <a16:creationId xmlns:a16="http://schemas.microsoft.com/office/drawing/2014/main" id="{77A21D41-A3A6-45A3-AB54-FCC851BFE3B8}"/>
               </a:ext>
             </a:extLst>
           </p:cNvPr>
@@ -8150,7 +9613,7 @@
           <p:cNvPr id="7" name="Rectangle 6">
             <a:extLst>
               <a:ext uri="{FF2B5EF4-FFF2-40B4-BE49-F238E27FC236}">
-                <a16:creationId xmlns:a16="http://schemas.microsoft.com/office/drawing/2014/main" id="{D0064E93-608B-4D15-810F-50B43DE13CB3}"/>
+                <a16:creationId xmlns:a16="http://schemas.microsoft.com/office/drawing/2014/main" id="{4224BA71-1B31-4B7D-B3D8-4F52D20BE9C8}"/>
               </a:ext>
             </a:extLst>
           </p:cNvPr>
@@ -8202,7 +9665,7 @@
           <p:cNvPr id="8" name="Rectangle 7">
             <a:extLst>
               <a:ext uri="{FF2B5EF4-FFF2-40B4-BE49-F238E27FC236}">
-                <a16:creationId xmlns:a16="http://schemas.microsoft.com/office/drawing/2014/main" id="{A03087CD-8FC6-4B14-AEBB-27A80069F02B}"/>
+                <a16:creationId xmlns:a16="http://schemas.microsoft.com/office/drawing/2014/main" id="{6F9C4559-1664-44E6-ADF9-EF82DB2B34D6}"/>
               </a:ext>
             </a:extLst>
           </p:cNvPr>
@@ -8249,17 +9712,17 @@
           <p:cNvPr id="9" name="Rectangle 8">
             <a:extLst>
               <a:ext uri="{FF2B5EF4-FFF2-40B4-BE49-F238E27FC236}">
-                <a16:creationId xmlns:a16="http://schemas.microsoft.com/office/drawing/2014/main" id="{85FC1291-BFED-4E42-AF59-0ED26BB0E159}"/>
-              </a:ext>
-            </a:extLst>
-          </p:cNvPr>
-          <p:cNvSpPr/>
-          <p:nvPr/>
-        </p:nvSpPr>
-        <p:spPr>
-          <a:xfrm>
-            <a:off x="4520581" y="2414726"/>
-            <a:ext cx="3130121" cy="3138257"/>
+                <a16:creationId xmlns:a16="http://schemas.microsoft.com/office/drawing/2014/main" id="{B6B6FA78-220A-4D0E-A200-6087D647CD2A}"/>
+              </a:ext>
+            </a:extLst>
+          </p:cNvPr>
+          <p:cNvSpPr/>
+          <p:nvPr/>
+        </p:nvSpPr>
+        <p:spPr>
+          <a:xfrm>
+            <a:off x="811564" y="1305017"/>
+            <a:ext cx="10515600" cy="630316"/>
           </a:xfrm>
           <a:prstGeom prst="rect">
             <a:avLst/>
@@ -8286,26 +9749,29 @@
           <a:lstStyle/>
           <a:p>
             <a:pPr algn="ctr"/>
-            <a:endParaRPr lang="en-GB" dirty="0"/>
-          </a:p>
-        </p:txBody>
-      </p:sp>
-      <p:sp>
-        <p:nvSpPr>
-          <p:cNvPr id="10" name="Rectangle 9">
-            <a:extLst>
-              <a:ext uri="{FF2B5EF4-FFF2-40B4-BE49-F238E27FC236}">
-                <a16:creationId xmlns:a16="http://schemas.microsoft.com/office/drawing/2014/main" id="{0B7E15F3-5B02-4D21-AA26-614BA3E597E0}"/>
-              </a:ext>
-            </a:extLst>
-          </p:cNvPr>
-          <p:cNvSpPr/>
-          <p:nvPr/>
-        </p:nvSpPr>
-        <p:spPr>
-          <a:xfrm>
-            <a:off x="4935243" y="3587316"/>
-            <a:ext cx="2290438" cy="317377"/>
+            <a:r>
+              <a:rPr lang="en-GB" dirty="0"/>
+              <a:t>Game</a:t>
+            </a:r>
+          </a:p>
+        </p:txBody>
+      </p:sp>
+      <p:sp>
+        <p:nvSpPr>
+          <p:cNvPr id="23" name="Rectangle 22">
+            <a:extLst>
+              <a:ext uri="{FF2B5EF4-FFF2-40B4-BE49-F238E27FC236}">
+                <a16:creationId xmlns:a16="http://schemas.microsoft.com/office/drawing/2014/main" id="{C31C4C22-E929-4163-98E7-61AF2D42409B}"/>
+              </a:ext>
+            </a:extLst>
+          </p:cNvPr>
+          <p:cNvSpPr/>
+          <p:nvPr/>
+        </p:nvSpPr>
+        <p:spPr>
+          <a:xfrm>
+            <a:off x="2478349" y="3355759"/>
+            <a:ext cx="7411375" cy="1783157"/>
           </a:xfrm>
           <a:prstGeom prst="rect">
             <a:avLst/>
@@ -8330,46 +9796,89 @@
           <a:lstStyle/>
           <a:p>
             <a:pPr algn="ctr"/>
-            <a:r>
-              <a:rPr lang="en-GB"/>
-              <a:t>James</a:t>
-            </a:r>
-            <a:endParaRPr lang="en-GB" dirty="0"/>
-          </a:p>
-        </p:txBody>
-      </p:sp>
-      <p:sp>
-        <p:nvSpPr>
-          <p:cNvPr id="11" name="Rectangle 10">
-            <a:extLst>
-              <a:ext uri="{FF2B5EF4-FFF2-40B4-BE49-F238E27FC236}">
-                <a16:creationId xmlns:a16="http://schemas.microsoft.com/office/drawing/2014/main" id="{59E8EC01-AF60-424A-BEB1-5DD79956FCD2}"/>
-              </a:ext>
-            </a:extLst>
-          </p:cNvPr>
-          <p:cNvSpPr/>
-          <p:nvPr/>
-        </p:nvSpPr>
-        <p:spPr>
-          <a:xfrm>
-            <a:off x="811564" y="1305017"/>
-            <a:ext cx="10332869" cy="630316"/>
-          </a:xfrm>
-          <a:prstGeom prst="rect">
-            <a:avLst/>
-          </a:prstGeom>
-        </p:spPr>
-        <p:style>
-          <a:lnRef idx="2">
-            <a:schemeClr val="accent3">
+            <a:endParaRPr lang="en-GB"/>
+          </a:p>
+        </p:txBody>
+      </p:sp>
+      <p:sp>
+        <p:nvSpPr>
+          <p:cNvPr id="24" name="Rectangle 23">
+            <a:extLst>
+              <a:ext uri="{FF2B5EF4-FFF2-40B4-BE49-F238E27FC236}">
+                <a16:creationId xmlns:a16="http://schemas.microsoft.com/office/drawing/2014/main" id="{83C57B03-CDC2-4F1D-A2EE-0BBDF75D1443}"/>
+              </a:ext>
+            </a:extLst>
+          </p:cNvPr>
+          <p:cNvSpPr/>
+          <p:nvPr/>
+        </p:nvSpPr>
+        <p:spPr>
+          <a:xfrm>
+            <a:off x="2478349" y="1987477"/>
+            <a:ext cx="7411375" cy="459525"/>
+          </a:xfrm>
+          <a:prstGeom prst="rect">
+            <a:avLst/>
+          </a:prstGeom>
+        </p:spPr>
+        <p:style>
+          <a:lnRef idx="2">
+            <a:schemeClr val="accent3"/>
+          </a:lnRef>
+          <a:fillRef idx="1">
+            <a:schemeClr val="lt1"/>
+          </a:fillRef>
+          <a:effectRef idx="0">
+            <a:schemeClr val="accent3"/>
+          </a:effectRef>
+          <a:fontRef idx="minor">
+            <a:schemeClr val="dk1"/>
+          </a:fontRef>
+        </p:style>
+        <p:txBody>
+          <a:bodyPr rtlCol="0" anchor="ctr"/>
+          <a:lstStyle/>
+          <a:p>
+            <a:pPr algn="ctr"/>
+            <a:r>
+              <a:rPr lang="en-GB" dirty="0"/>
+              <a:t>6 + 7</a:t>
+            </a:r>
+          </a:p>
+        </p:txBody>
+      </p:sp>
+      <p:sp>
+        <p:nvSpPr>
+          <p:cNvPr id="25" name="Rectangle 24">
+            <a:extLst>
+              <a:ext uri="{FF2B5EF4-FFF2-40B4-BE49-F238E27FC236}">
+                <a16:creationId xmlns:a16="http://schemas.microsoft.com/office/drawing/2014/main" id="{8341E4F5-4F7C-4A64-82D8-663DDC4BBEAA}"/>
+              </a:ext>
+            </a:extLst>
+          </p:cNvPr>
+          <p:cNvSpPr/>
+          <p:nvPr/>
+        </p:nvSpPr>
+        <p:spPr>
+          <a:xfrm>
+            <a:off x="2805347" y="3701663"/>
+            <a:ext cx="1154097" cy="1154097"/>
+          </a:xfrm>
+          <a:prstGeom prst="rect">
+            <a:avLst/>
+          </a:prstGeom>
+        </p:spPr>
+        <p:style>
+          <a:lnRef idx="2">
+            <a:schemeClr val="accent1">
               <a:shade val="50000"/>
             </a:schemeClr>
           </a:lnRef>
           <a:fillRef idx="1">
-            <a:schemeClr val="accent3"/>
-          </a:fillRef>
-          <a:effectRef idx="0">
-            <a:schemeClr val="accent3"/>
+            <a:schemeClr val="accent1"/>
+          </a:fillRef>
+          <a:effectRef idx="0">
+            <a:schemeClr val="accent1"/>
           </a:effectRef>
           <a:fontRef idx="minor">
             <a:schemeClr val="lt1"/>
@@ -8382,90 +9891,43 @@
             <a:pPr algn="ctr"/>
             <a:r>
               <a:rPr lang="en-GB" dirty="0"/>
-              <a:t>Login</a:t>
-            </a:r>
-          </a:p>
-        </p:txBody>
-      </p:sp>
-      <p:sp>
-        <p:nvSpPr>
-          <p:cNvPr id="12" name="Rectangle 11">
-            <a:extLst>
-              <a:ext uri="{FF2B5EF4-FFF2-40B4-BE49-F238E27FC236}">
-                <a16:creationId xmlns:a16="http://schemas.microsoft.com/office/drawing/2014/main" id="{9281453C-189E-46C3-8227-9A2ADAD84B35}"/>
-              </a:ext>
-            </a:extLst>
-          </p:cNvPr>
-          <p:cNvSpPr/>
-          <p:nvPr/>
-        </p:nvSpPr>
-        <p:spPr>
-          <a:xfrm>
-            <a:off x="4945600" y="4411461"/>
-            <a:ext cx="2280081" cy="317377"/>
-          </a:xfrm>
-          <a:prstGeom prst="rect">
-            <a:avLst/>
-          </a:prstGeom>
-        </p:spPr>
-        <p:style>
-          <a:lnRef idx="2">
-            <a:schemeClr val="accent3"/>
-          </a:lnRef>
-          <a:fillRef idx="1">
-            <a:schemeClr val="lt1"/>
-          </a:fillRef>
-          <a:effectRef idx="0">
-            <a:schemeClr val="accent3"/>
-          </a:effectRef>
-          <a:fontRef idx="minor">
-            <a:schemeClr val="dk1"/>
-          </a:fontRef>
-        </p:style>
-        <p:txBody>
-          <a:bodyPr rtlCol="0" anchor="ctr"/>
-          <a:lstStyle/>
-          <a:p>
-            <a:pPr algn="ctr"/>
-            <a:r>
-              <a:rPr lang="en-GB" dirty="0"/>
-              <a:t>******</a:t>
-            </a:r>
-          </a:p>
-        </p:txBody>
-      </p:sp>
-      <p:sp>
-        <p:nvSpPr>
-          <p:cNvPr id="13" name="Rectangle 12">
-            <a:extLst>
-              <a:ext uri="{FF2B5EF4-FFF2-40B4-BE49-F238E27FC236}">
-                <a16:creationId xmlns:a16="http://schemas.microsoft.com/office/drawing/2014/main" id="{33DAC569-4EBF-4C45-AA40-341346BAE84F}"/>
-              </a:ext>
-            </a:extLst>
-          </p:cNvPr>
-          <p:cNvSpPr/>
-          <p:nvPr/>
-        </p:nvSpPr>
-        <p:spPr>
-          <a:xfrm>
-            <a:off x="5117605" y="2578775"/>
-            <a:ext cx="1956789" cy="548938"/>
-          </a:xfrm>
-          <a:prstGeom prst="rect">
-            <a:avLst/>
-          </a:prstGeom>
-        </p:spPr>
-        <p:style>
-          <a:lnRef idx="2">
-            <a:schemeClr val="accent3">
+              <a:t>5</a:t>
+            </a:r>
+          </a:p>
+        </p:txBody>
+      </p:sp>
+      <p:sp>
+        <p:nvSpPr>
+          <p:cNvPr id="26" name="Rectangle 25">
+            <a:extLst>
+              <a:ext uri="{FF2B5EF4-FFF2-40B4-BE49-F238E27FC236}">
+                <a16:creationId xmlns:a16="http://schemas.microsoft.com/office/drawing/2014/main" id="{EDE4E29E-1A5B-48CC-8FB0-6DA186AF7097}"/>
+              </a:ext>
+            </a:extLst>
+          </p:cNvPr>
+          <p:cNvSpPr/>
+          <p:nvPr/>
+        </p:nvSpPr>
+        <p:spPr>
+          <a:xfrm>
+            <a:off x="4246866" y="3701663"/>
+            <a:ext cx="1154097" cy="1154097"/>
+          </a:xfrm>
+          <a:prstGeom prst="rect">
+            <a:avLst/>
+          </a:prstGeom>
+        </p:spPr>
+        <p:style>
+          <a:lnRef idx="2">
+            <a:schemeClr val="accent2">
               <a:shade val="50000"/>
             </a:schemeClr>
           </a:lnRef>
           <a:fillRef idx="1">
-            <a:schemeClr val="accent3"/>
-          </a:fillRef>
-          <a:effectRef idx="0">
-            <a:schemeClr val="accent3"/>
+            <a:schemeClr val="accent2"/>
+          </a:fillRef>
+          <a:effectRef idx="0">
+            <a:schemeClr val="accent2"/>
           </a:effectRef>
           <a:fontRef idx="minor">
             <a:schemeClr val="lt1"/>
@@ -8478,51 +9940,191 @@
             <a:pPr algn="ctr"/>
             <a:r>
               <a:rPr lang="en-GB" dirty="0"/>
-              <a:t>Login</a:t>
-            </a:r>
-          </a:p>
-        </p:txBody>
-      </p:sp>
-      <p:sp>
-        <p:nvSpPr>
-          <p:cNvPr id="14" name="Rectangle 13">
-            <a:extLst>
-              <a:ext uri="{FF2B5EF4-FFF2-40B4-BE49-F238E27FC236}">
-                <a16:creationId xmlns:a16="http://schemas.microsoft.com/office/drawing/2014/main" id="{C1DFF1FA-5420-41D2-9E66-89595DC942F1}"/>
-              </a:ext>
-            </a:extLst>
-          </p:cNvPr>
-          <p:cNvSpPr/>
-          <p:nvPr/>
-        </p:nvSpPr>
-        <p:spPr>
-          <a:xfrm>
-            <a:off x="6096000" y="4982222"/>
-            <a:ext cx="1197743" cy="317377"/>
-          </a:xfrm>
-          <a:prstGeom prst="rect">
-            <a:avLst/>
-          </a:prstGeom>
-          <a:noFill/>
-          <a:ln w="9525" cap="flat" cmpd="sng" algn="ctr">
-            <a:solidFill>
-              <a:schemeClr val="dk1"/>
-            </a:solidFill>
-            <a:prstDash val="solid"/>
-            <a:round/>
-            <a:headEnd type="none" w="med" len="med"/>
-            <a:tailEnd type="none" w="med" len="med"/>
-          </a:ln>
-        </p:spPr>
-        <p:style>
-          <a:lnRef idx="0">
-            <a:scrgbClr r="0" g="0" b="0"/>
-          </a:lnRef>
-          <a:fillRef idx="0">
-            <a:scrgbClr r="0" g="0" b="0"/>
-          </a:fillRef>
-          <a:effectRef idx="0">
-            <a:scrgbClr r="0" g="0" b="0"/>
+              <a:t>13</a:t>
+            </a:r>
+          </a:p>
+        </p:txBody>
+      </p:sp>
+      <p:sp>
+        <p:nvSpPr>
+          <p:cNvPr id="27" name="Rectangle 26">
+            <a:extLst>
+              <a:ext uri="{FF2B5EF4-FFF2-40B4-BE49-F238E27FC236}">
+                <a16:creationId xmlns:a16="http://schemas.microsoft.com/office/drawing/2014/main" id="{814AB715-C87C-4D35-921F-518FCC3B8524}"/>
+              </a:ext>
+            </a:extLst>
+          </p:cNvPr>
+          <p:cNvSpPr/>
+          <p:nvPr/>
+        </p:nvSpPr>
+        <p:spPr>
+          <a:xfrm>
+            <a:off x="5688385" y="3701663"/>
+            <a:ext cx="1154097" cy="1154097"/>
+          </a:xfrm>
+          <a:prstGeom prst="rect">
+            <a:avLst/>
+          </a:prstGeom>
+        </p:spPr>
+        <p:style>
+          <a:lnRef idx="2">
+            <a:schemeClr val="accent4">
+              <a:shade val="50000"/>
+            </a:schemeClr>
+          </a:lnRef>
+          <a:fillRef idx="1">
+            <a:schemeClr val="accent4"/>
+          </a:fillRef>
+          <a:effectRef idx="0">
+            <a:schemeClr val="accent4"/>
+          </a:effectRef>
+          <a:fontRef idx="minor">
+            <a:schemeClr val="lt1"/>
+          </a:fontRef>
+        </p:style>
+        <p:txBody>
+          <a:bodyPr rtlCol="0" anchor="ctr"/>
+          <a:lstStyle/>
+          <a:p>
+            <a:pPr algn="ctr"/>
+            <a:r>
+              <a:rPr lang="en-GB" dirty="0"/>
+              <a:t>21</a:t>
+            </a:r>
+          </a:p>
+        </p:txBody>
+      </p:sp>
+      <p:sp>
+        <p:nvSpPr>
+          <p:cNvPr id="28" name="Rectangle 27">
+            <a:extLst>
+              <a:ext uri="{FF2B5EF4-FFF2-40B4-BE49-F238E27FC236}">
+                <a16:creationId xmlns:a16="http://schemas.microsoft.com/office/drawing/2014/main" id="{4F675360-FAD9-42D8-A689-818E2AF56D7A}"/>
+              </a:ext>
+            </a:extLst>
+          </p:cNvPr>
+          <p:cNvSpPr/>
+          <p:nvPr/>
+        </p:nvSpPr>
+        <p:spPr>
+          <a:xfrm>
+            <a:off x="7059245" y="3701663"/>
+            <a:ext cx="1154097" cy="1154097"/>
+          </a:xfrm>
+          <a:prstGeom prst="rect">
+            <a:avLst/>
+          </a:prstGeom>
+        </p:spPr>
+        <p:style>
+          <a:lnRef idx="2">
+            <a:schemeClr val="accent6">
+              <a:shade val="50000"/>
+            </a:schemeClr>
+          </a:lnRef>
+          <a:fillRef idx="1">
+            <a:schemeClr val="accent6"/>
+          </a:fillRef>
+          <a:effectRef idx="0">
+            <a:schemeClr val="accent6"/>
+          </a:effectRef>
+          <a:fontRef idx="minor">
+            <a:schemeClr val="lt1"/>
+          </a:fontRef>
+        </p:style>
+        <p:txBody>
+          <a:bodyPr rtlCol="0" anchor="ctr"/>
+          <a:lstStyle/>
+          <a:p>
+            <a:pPr algn="ctr"/>
+            <a:r>
+              <a:rPr lang="en-GB" dirty="0"/>
+              <a:t>7</a:t>
+            </a:r>
+          </a:p>
+        </p:txBody>
+      </p:sp>
+      <p:sp>
+        <p:nvSpPr>
+          <p:cNvPr id="29" name="Rectangle 28">
+            <a:extLst>
+              <a:ext uri="{FF2B5EF4-FFF2-40B4-BE49-F238E27FC236}">
+                <a16:creationId xmlns:a16="http://schemas.microsoft.com/office/drawing/2014/main" id="{09EE80C6-4A1B-469F-97CA-A7101E576C68}"/>
+              </a:ext>
+            </a:extLst>
+          </p:cNvPr>
+          <p:cNvSpPr/>
+          <p:nvPr/>
+        </p:nvSpPr>
+        <p:spPr>
+          <a:xfrm>
+            <a:off x="8430105" y="3701663"/>
+            <a:ext cx="1154097" cy="1154097"/>
+          </a:xfrm>
+          <a:prstGeom prst="rect">
+            <a:avLst/>
+          </a:prstGeom>
+          <a:solidFill>
+            <a:srgbClr val="C00000"/>
+          </a:solidFill>
+        </p:spPr>
+        <p:style>
+          <a:lnRef idx="2">
+            <a:schemeClr val="accent1">
+              <a:shade val="50000"/>
+            </a:schemeClr>
+          </a:lnRef>
+          <a:fillRef idx="1">
+            <a:schemeClr val="accent1"/>
+          </a:fillRef>
+          <a:effectRef idx="0">
+            <a:schemeClr val="accent1"/>
+          </a:effectRef>
+          <a:fontRef idx="minor">
+            <a:schemeClr val="lt1"/>
+          </a:fontRef>
+        </p:style>
+        <p:txBody>
+          <a:bodyPr rtlCol="0" anchor="ctr"/>
+          <a:lstStyle/>
+          <a:p>
+            <a:pPr algn="ctr"/>
+            <a:r>
+              <a:rPr lang="en-GB" dirty="0"/>
+              <a:t>15</a:t>
+            </a:r>
+          </a:p>
+        </p:txBody>
+      </p:sp>
+      <p:sp>
+        <p:nvSpPr>
+          <p:cNvPr id="17" name="Rectangle 16">
+            <a:extLst>
+              <a:ext uri="{FF2B5EF4-FFF2-40B4-BE49-F238E27FC236}">
+                <a16:creationId xmlns:a16="http://schemas.microsoft.com/office/drawing/2014/main" id="{5F19290E-0C5C-4639-96A3-CC1799B3B7B3}"/>
+              </a:ext>
+            </a:extLst>
+          </p:cNvPr>
+          <p:cNvSpPr/>
+          <p:nvPr/>
+        </p:nvSpPr>
+        <p:spPr>
+          <a:xfrm>
+            <a:off x="2478349" y="5138916"/>
+            <a:ext cx="1488490" cy="435556"/>
+          </a:xfrm>
+          <a:prstGeom prst="rect">
+            <a:avLst/>
+          </a:prstGeom>
+        </p:spPr>
+        <p:style>
+          <a:lnRef idx="2">
+            <a:schemeClr val="accent3"/>
+          </a:lnRef>
+          <a:fillRef idx="1">
+            <a:schemeClr val="lt1"/>
+          </a:fillRef>
+          <a:effectRef idx="0">
+            <a:schemeClr val="accent3"/>
           </a:effectRef>
           <a:fontRef idx="minor">
             <a:schemeClr val="dk1"/>
@@ -8535,50 +10137,44 @@
             <a:pPr algn="ctr"/>
             <a:r>
               <a:rPr lang="en-GB" dirty="0"/>
-              <a:t>Sign in</a:t>
-            </a:r>
-          </a:p>
-        </p:txBody>
-      </p:sp>
-      <p:sp>
-        <p:nvSpPr>
-          <p:cNvPr id="15" name="Rectangle 14">
-            <a:extLst>
-              <a:ext uri="{FF2B5EF4-FFF2-40B4-BE49-F238E27FC236}">
-                <a16:creationId xmlns:a16="http://schemas.microsoft.com/office/drawing/2014/main" id="{0D05DA5E-D5DE-4508-97C1-1A156F9BC93C}"/>
-              </a:ext>
-            </a:extLst>
-          </p:cNvPr>
-          <p:cNvSpPr/>
-          <p:nvPr/>
-        </p:nvSpPr>
-        <p:spPr>
-          <a:xfrm>
-            <a:off x="4945600" y="3240350"/>
-            <a:ext cx="2280081" cy="317377"/>
-          </a:xfrm>
-          <a:prstGeom prst="rect">
-            <a:avLst/>
-          </a:prstGeom>
-          <a:solidFill>
-            <a:schemeClr val="accent3"/>
-          </a:solidFill>
-          <a:ln>
-            <a:noFill/>
-          </a:ln>
-        </p:spPr>
-        <p:style>
-          <a:lnRef idx="0">
-            <a:scrgbClr r="0" g="0" b="0"/>
-          </a:lnRef>
-          <a:fillRef idx="0">
-            <a:scrgbClr r="0" g="0" b="0"/>
-          </a:fillRef>
-          <a:effectRef idx="0">
-            <a:scrgbClr r="0" g="0" b="0"/>
-          </a:effectRef>
-          <a:fontRef idx="minor">
-            <a:schemeClr val="lt1"/>
+              <a:t>Score</a:t>
+            </a:r>
+          </a:p>
+        </p:txBody>
+      </p:sp>
+      <p:sp>
+        <p:nvSpPr>
+          <p:cNvPr id="18" name="Rectangle 17">
+            <a:extLst>
+              <a:ext uri="{FF2B5EF4-FFF2-40B4-BE49-F238E27FC236}">
+                <a16:creationId xmlns:a16="http://schemas.microsoft.com/office/drawing/2014/main" id="{F93230FF-8283-462C-BD31-39A18A5A2CBA}"/>
+              </a:ext>
+            </a:extLst>
+          </p:cNvPr>
+          <p:cNvSpPr/>
+          <p:nvPr/>
+        </p:nvSpPr>
+        <p:spPr>
+          <a:xfrm>
+            <a:off x="8389027" y="5138916"/>
+            <a:ext cx="1488490" cy="435556"/>
+          </a:xfrm>
+          <a:prstGeom prst="rect">
+            <a:avLst/>
+          </a:prstGeom>
+        </p:spPr>
+        <p:style>
+          <a:lnRef idx="2">
+            <a:schemeClr val="accent3"/>
+          </a:lnRef>
+          <a:fillRef idx="1">
+            <a:schemeClr val="lt1"/>
+          </a:fillRef>
+          <a:effectRef idx="0">
+            <a:schemeClr val="accent3"/>
+          </a:effectRef>
+          <a:fontRef idx="minor">
+            <a:schemeClr val="dk1"/>
           </a:fontRef>
         </p:style>
         <p:txBody>
@@ -8588,50 +10184,44 @@
             <a:pPr algn="ctr"/>
             <a:r>
               <a:rPr lang="en-GB" dirty="0"/>
-              <a:t>Email</a:t>
-            </a:r>
-          </a:p>
-        </p:txBody>
-      </p:sp>
-      <p:sp>
-        <p:nvSpPr>
-          <p:cNvPr id="16" name="Rectangle 15">
-            <a:extLst>
-              <a:ext uri="{FF2B5EF4-FFF2-40B4-BE49-F238E27FC236}">
-                <a16:creationId xmlns:a16="http://schemas.microsoft.com/office/drawing/2014/main" id="{E0AECFE0-7A57-439C-8C1B-CAEDB60DFDA3}"/>
-              </a:ext>
-            </a:extLst>
-          </p:cNvPr>
-          <p:cNvSpPr/>
-          <p:nvPr/>
-        </p:nvSpPr>
-        <p:spPr>
-          <a:xfrm>
-            <a:off x="4945600" y="4039892"/>
-            <a:ext cx="2280081" cy="317377"/>
-          </a:xfrm>
-          <a:prstGeom prst="rect">
-            <a:avLst/>
-          </a:prstGeom>
-          <a:solidFill>
-            <a:schemeClr val="accent3"/>
-          </a:solidFill>
-          <a:ln>
-            <a:noFill/>
-          </a:ln>
-        </p:spPr>
-        <p:style>
-          <a:lnRef idx="0">
-            <a:scrgbClr r="0" g="0" b="0"/>
-          </a:lnRef>
-          <a:fillRef idx="0">
-            <a:scrgbClr r="0" g="0" b="0"/>
-          </a:fillRef>
-          <a:effectRef idx="0">
-            <a:scrgbClr r="0" g="0" b="0"/>
-          </a:effectRef>
-          <a:fontRef idx="minor">
-            <a:schemeClr val="lt1"/>
+              <a:t>Question</a:t>
+            </a:r>
+          </a:p>
+        </p:txBody>
+      </p:sp>
+      <p:sp>
+        <p:nvSpPr>
+          <p:cNvPr id="19" name="Rectangle 18">
+            <a:extLst>
+              <a:ext uri="{FF2B5EF4-FFF2-40B4-BE49-F238E27FC236}">
+                <a16:creationId xmlns:a16="http://schemas.microsoft.com/office/drawing/2014/main" id="{3D300E1D-9238-4E05-91CE-54CF3AE4CDEB}"/>
+              </a:ext>
+            </a:extLst>
+          </p:cNvPr>
+          <p:cNvSpPr/>
+          <p:nvPr/>
+        </p:nvSpPr>
+        <p:spPr>
+          <a:xfrm>
+            <a:off x="6900537" y="5138916"/>
+            <a:ext cx="1488490" cy="435556"/>
+          </a:xfrm>
+          <a:prstGeom prst="rect">
+            <a:avLst/>
+          </a:prstGeom>
+        </p:spPr>
+        <p:style>
+          <a:lnRef idx="2">
+            <a:schemeClr val="accent3"/>
+          </a:lnRef>
+          <a:fillRef idx="1">
+            <a:schemeClr val="lt1"/>
+          </a:fillRef>
+          <a:effectRef idx="0">
+            <a:schemeClr val="accent3"/>
+          </a:effectRef>
+          <a:fontRef idx="minor">
+            <a:schemeClr val="dk1"/>
           </a:fontRef>
         </p:style>
         <p:txBody>
@@ -8641,7 +10231,54 @@
             <a:pPr algn="ctr"/>
             <a:r>
               <a:rPr lang="en-GB" dirty="0"/>
-              <a:t>Password</a:t>
+              <a:t>3</a:t>
+            </a:r>
+          </a:p>
+        </p:txBody>
+      </p:sp>
+      <p:sp>
+        <p:nvSpPr>
+          <p:cNvPr id="20" name="Rectangle 19">
+            <a:extLst>
+              <a:ext uri="{FF2B5EF4-FFF2-40B4-BE49-F238E27FC236}">
+                <a16:creationId xmlns:a16="http://schemas.microsoft.com/office/drawing/2014/main" id="{DB10FFE0-C5F3-484C-86EA-08500D7E76ED}"/>
+              </a:ext>
+            </a:extLst>
+          </p:cNvPr>
+          <p:cNvSpPr/>
+          <p:nvPr/>
+        </p:nvSpPr>
+        <p:spPr>
+          <a:xfrm>
+            <a:off x="3959444" y="5138916"/>
+            <a:ext cx="1488490" cy="435556"/>
+          </a:xfrm>
+          <a:prstGeom prst="rect">
+            <a:avLst/>
+          </a:prstGeom>
+        </p:spPr>
+        <p:style>
+          <a:lnRef idx="2">
+            <a:schemeClr val="accent3"/>
+          </a:lnRef>
+          <a:fillRef idx="1">
+            <a:schemeClr val="lt1"/>
+          </a:fillRef>
+          <a:effectRef idx="0">
+            <a:schemeClr val="accent3"/>
+          </a:effectRef>
+          <a:fontRef idx="minor">
+            <a:schemeClr val="dk1"/>
+          </a:fontRef>
+        </p:style>
+        <p:txBody>
+          <a:bodyPr rtlCol="0" anchor="ctr"/>
+          <a:lstStyle/>
+          <a:p>
+            <a:pPr algn="ctr"/>
+            <a:r>
+              <a:rPr lang="en-GB" dirty="0"/>
+              <a:t>1</a:t>
             </a:r>
           </a:p>
         </p:txBody>
@@ -8649,7 +10286,7 @@
     </p:spTree>
     <p:extLst>
       <p:ext uri="{BB962C8B-B14F-4D97-AF65-F5344CB8AC3E}">
-        <p14:creationId xmlns:p14="http://schemas.microsoft.com/office/powerpoint/2010/main" val="2414276981"/>
+        <p14:creationId xmlns:p14="http://schemas.microsoft.com/office/powerpoint/2010/main" val="990667174"/>
       </p:ext>
     </p:extLst>
   </p:cSld>
@@ -8678,6 +10315,671 @@
       </p:grpSpPr>
       <p:sp>
         <p:nvSpPr>
+          <p:cNvPr id="17" name="Rectangle 16">
+            <a:extLst>
+              <a:ext uri="{FF2B5EF4-FFF2-40B4-BE49-F238E27FC236}">
+                <a16:creationId xmlns:a16="http://schemas.microsoft.com/office/drawing/2014/main" id="{BF3EC32D-3659-4FB5-9CA6-7BF3D5FD04AD}"/>
+              </a:ext>
+            </a:extLst>
+          </p:cNvPr>
+          <p:cNvSpPr/>
+          <p:nvPr/>
+        </p:nvSpPr>
+        <p:spPr>
+          <a:xfrm>
+            <a:off x="621437" y="639193"/>
+            <a:ext cx="10937289" cy="5699462"/>
+          </a:xfrm>
+          <a:prstGeom prst="rect">
+            <a:avLst/>
+          </a:prstGeom>
+        </p:spPr>
+        <p:style>
+          <a:lnRef idx="2">
+            <a:schemeClr val="accent3"/>
+          </a:lnRef>
+          <a:fillRef idx="1">
+            <a:schemeClr val="lt1"/>
+          </a:fillRef>
+          <a:effectRef idx="0">
+            <a:schemeClr val="accent3"/>
+          </a:effectRef>
+          <a:fontRef idx="minor">
+            <a:schemeClr val="dk1"/>
+          </a:fontRef>
+        </p:style>
+        <p:txBody>
+          <a:bodyPr rtlCol="0" anchor="ctr"/>
+          <a:lstStyle/>
+          <a:p>
+            <a:pPr algn="ctr"/>
+            <a:endParaRPr lang="en-GB"/>
+          </a:p>
+        </p:txBody>
+      </p:sp>
+      <p:sp>
+        <p:nvSpPr>
+          <p:cNvPr id="5" name="Rectangle 4">
+            <a:extLst>
+              <a:ext uri="{FF2B5EF4-FFF2-40B4-BE49-F238E27FC236}">
+                <a16:creationId xmlns:a16="http://schemas.microsoft.com/office/drawing/2014/main" id="{4AA4A929-1442-4D36-A0D5-1D02DF101C4F}"/>
+              </a:ext>
+            </a:extLst>
+          </p:cNvPr>
+          <p:cNvSpPr/>
+          <p:nvPr/>
+        </p:nvSpPr>
+        <p:spPr>
+          <a:xfrm>
+            <a:off x="701335" y="710214"/>
+            <a:ext cx="10768614" cy="523781"/>
+          </a:xfrm>
+          <a:prstGeom prst="rect">
+            <a:avLst/>
+          </a:prstGeom>
+        </p:spPr>
+        <p:style>
+          <a:lnRef idx="2">
+            <a:schemeClr val="accent1">
+              <a:shade val="50000"/>
+            </a:schemeClr>
+          </a:lnRef>
+          <a:fillRef idx="1">
+            <a:schemeClr val="accent1"/>
+          </a:fillRef>
+          <a:effectRef idx="0">
+            <a:schemeClr val="accent1"/>
+          </a:effectRef>
+          <a:fontRef idx="minor">
+            <a:schemeClr val="lt1"/>
+          </a:fontRef>
+        </p:style>
+        <p:txBody>
+          <a:bodyPr rtlCol="0" anchor="ctr"/>
+          <a:lstStyle/>
+          <a:p>
+            <a:pPr algn="ctr"/>
+            <a:endParaRPr lang="en-GB"/>
+          </a:p>
+        </p:txBody>
+      </p:sp>
+      <p:sp>
+        <p:nvSpPr>
+          <p:cNvPr id="6" name="Rectangle 5">
+            <a:extLst>
+              <a:ext uri="{FF2B5EF4-FFF2-40B4-BE49-F238E27FC236}">
+                <a16:creationId xmlns:a16="http://schemas.microsoft.com/office/drawing/2014/main" id="{B960170E-9734-4500-B50F-4F2CAB4822C3}"/>
+              </a:ext>
+            </a:extLst>
+          </p:cNvPr>
+          <p:cNvSpPr/>
+          <p:nvPr/>
+        </p:nvSpPr>
+        <p:spPr>
+          <a:xfrm>
+            <a:off x="811564" y="914398"/>
+            <a:ext cx="9462117" cy="248574"/>
+          </a:xfrm>
+          <a:prstGeom prst="rect">
+            <a:avLst/>
+          </a:prstGeom>
+        </p:spPr>
+        <p:style>
+          <a:lnRef idx="2">
+            <a:schemeClr val="accent3"/>
+          </a:lnRef>
+          <a:fillRef idx="1">
+            <a:schemeClr val="lt1"/>
+          </a:fillRef>
+          <a:effectRef idx="0">
+            <a:schemeClr val="accent3"/>
+          </a:effectRef>
+          <a:fontRef idx="minor">
+            <a:schemeClr val="dk1"/>
+          </a:fontRef>
+        </p:style>
+        <p:txBody>
+          <a:bodyPr rtlCol="0" anchor="ctr"/>
+          <a:lstStyle/>
+          <a:p>
+            <a:pPr algn="ctr"/>
+            <a:endParaRPr lang="en-GB"/>
+          </a:p>
+        </p:txBody>
+      </p:sp>
+      <p:sp>
+        <p:nvSpPr>
+          <p:cNvPr id="7" name="Rectangle 6">
+            <a:extLst>
+              <a:ext uri="{FF2B5EF4-FFF2-40B4-BE49-F238E27FC236}">
+                <a16:creationId xmlns:a16="http://schemas.microsoft.com/office/drawing/2014/main" id="{D0064E93-608B-4D15-810F-50B43DE13CB3}"/>
+              </a:ext>
+            </a:extLst>
+          </p:cNvPr>
+          <p:cNvSpPr/>
+          <p:nvPr/>
+        </p:nvSpPr>
+        <p:spPr>
+          <a:xfrm>
+            <a:off x="11144433" y="790111"/>
+            <a:ext cx="264851" cy="248574"/>
+          </a:xfrm>
+          <a:prstGeom prst="rect">
+            <a:avLst/>
+          </a:prstGeom>
+          <a:solidFill>
+            <a:srgbClr val="FF0000"/>
+          </a:solidFill>
+        </p:spPr>
+        <p:style>
+          <a:lnRef idx="2">
+            <a:schemeClr val="accent1">
+              <a:shade val="50000"/>
+            </a:schemeClr>
+          </a:lnRef>
+          <a:fillRef idx="1">
+            <a:schemeClr val="accent1"/>
+          </a:fillRef>
+          <a:effectRef idx="0">
+            <a:schemeClr val="accent1"/>
+          </a:effectRef>
+          <a:fontRef idx="minor">
+            <a:schemeClr val="lt1"/>
+          </a:fontRef>
+        </p:style>
+        <p:txBody>
+          <a:bodyPr rtlCol="0" anchor="ctr"/>
+          <a:lstStyle/>
+          <a:p>
+            <a:pPr algn="ctr"/>
+            <a:r>
+              <a:rPr lang="en-GB" dirty="0"/>
+              <a:t>X</a:t>
+            </a:r>
+          </a:p>
+        </p:txBody>
+      </p:sp>
+      <p:sp>
+        <p:nvSpPr>
+          <p:cNvPr id="8" name="Rectangle 7">
+            <a:extLst>
+              <a:ext uri="{FF2B5EF4-FFF2-40B4-BE49-F238E27FC236}">
+                <a16:creationId xmlns:a16="http://schemas.microsoft.com/office/drawing/2014/main" id="{A03087CD-8FC6-4B14-AEBB-27A80069F02B}"/>
+              </a:ext>
+            </a:extLst>
+          </p:cNvPr>
+          <p:cNvSpPr/>
+          <p:nvPr/>
+        </p:nvSpPr>
+        <p:spPr>
+          <a:xfrm>
+            <a:off x="10353579" y="914398"/>
+            <a:ext cx="638454" cy="248574"/>
+          </a:xfrm>
+          <a:prstGeom prst="rect">
+            <a:avLst/>
+          </a:prstGeom>
+        </p:spPr>
+        <p:style>
+          <a:lnRef idx="2">
+            <a:schemeClr val="accent5"/>
+          </a:lnRef>
+          <a:fillRef idx="1">
+            <a:schemeClr val="lt1"/>
+          </a:fillRef>
+          <a:effectRef idx="0">
+            <a:schemeClr val="accent5"/>
+          </a:effectRef>
+          <a:fontRef idx="minor">
+            <a:schemeClr val="dk1"/>
+          </a:fontRef>
+        </p:style>
+        <p:txBody>
+          <a:bodyPr rtlCol="0" anchor="ctr"/>
+          <a:lstStyle/>
+          <a:p>
+            <a:pPr algn="ctr"/>
+            <a:r>
+              <a:rPr lang="en-GB" dirty="0"/>
+              <a:t>Go</a:t>
+            </a:r>
+          </a:p>
+        </p:txBody>
+      </p:sp>
+      <p:sp>
+        <p:nvSpPr>
+          <p:cNvPr id="9" name="Rectangle 8">
+            <a:extLst>
+              <a:ext uri="{FF2B5EF4-FFF2-40B4-BE49-F238E27FC236}">
+                <a16:creationId xmlns:a16="http://schemas.microsoft.com/office/drawing/2014/main" id="{85FC1291-BFED-4E42-AF59-0ED26BB0E159}"/>
+              </a:ext>
+            </a:extLst>
+          </p:cNvPr>
+          <p:cNvSpPr/>
+          <p:nvPr/>
+        </p:nvSpPr>
+        <p:spPr>
+          <a:xfrm>
+            <a:off x="4520581" y="2414726"/>
+            <a:ext cx="3130121" cy="3138257"/>
+          </a:xfrm>
+          <a:prstGeom prst="rect">
+            <a:avLst/>
+          </a:prstGeom>
+        </p:spPr>
+        <p:style>
+          <a:lnRef idx="2">
+            <a:schemeClr val="accent3">
+              <a:shade val="50000"/>
+            </a:schemeClr>
+          </a:lnRef>
+          <a:fillRef idx="1">
+            <a:schemeClr val="accent3"/>
+          </a:fillRef>
+          <a:effectRef idx="0">
+            <a:schemeClr val="accent3"/>
+          </a:effectRef>
+          <a:fontRef idx="minor">
+            <a:schemeClr val="lt1"/>
+          </a:fontRef>
+        </p:style>
+        <p:txBody>
+          <a:bodyPr rtlCol="0" anchor="ctr"/>
+          <a:lstStyle/>
+          <a:p>
+            <a:pPr algn="ctr"/>
+            <a:endParaRPr lang="en-GB" dirty="0"/>
+          </a:p>
+        </p:txBody>
+      </p:sp>
+      <p:sp>
+        <p:nvSpPr>
+          <p:cNvPr id="10" name="Rectangle 9">
+            <a:extLst>
+              <a:ext uri="{FF2B5EF4-FFF2-40B4-BE49-F238E27FC236}">
+                <a16:creationId xmlns:a16="http://schemas.microsoft.com/office/drawing/2014/main" id="{0B7E15F3-5B02-4D21-AA26-614BA3E597E0}"/>
+              </a:ext>
+            </a:extLst>
+          </p:cNvPr>
+          <p:cNvSpPr/>
+          <p:nvPr/>
+        </p:nvSpPr>
+        <p:spPr>
+          <a:xfrm>
+            <a:off x="4935243" y="3587316"/>
+            <a:ext cx="2290438" cy="317377"/>
+          </a:xfrm>
+          <a:prstGeom prst="rect">
+            <a:avLst/>
+          </a:prstGeom>
+        </p:spPr>
+        <p:style>
+          <a:lnRef idx="2">
+            <a:schemeClr val="accent3"/>
+          </a:lnRef>
+          <a:fillRef idx="1">
+            <a:schemeClr val="lt1"/>
+          </a:fillRef>
+          <a:effectRef idx="0">
+            <a:schemeClr val="accent3"/>
+          </a:effectRef>
+          <a:fontRef idx="minor">
+            <a:schemeClr val="dk1"/>
+          </a:fontRef>
+        </p:style>
+        <p:txBody>
+          <a:bodyPr rtlCol="0" anchor="ctr"/>
+          <a:lstStyle/>
+          <a:p>
+            <a:pPr algn="ctr"/>
+            <a:r>
+              <a:rPr lang="en-GB"/>
+              <a:t>James</a:t>
+            </a:r>
+            <a:endParaRPr lang="en-GB" dirty="0"/>
+          </a:p>
+        </p:txBody>
+      </p:sp>
+      <p:sp>
+        <p:nvSpPr>
+          <p:cNvPr id="11" name="Rectangle 10">
+            <a:extLst>
+              <a:ext uri="{FF2B5EF4-FFF2-40B4-BE49-F238E27FC236}">
+                <a16:creationId xmlns:a16="http://schemas.microsoft.com/office/drawing/2014/main" id="{59E8EC01-AF60-424A-BEB1-5DD79956FCD2}"/>
+              </a:ext>
+            </a:extLst>
+          </p:cNvPr>
+          <p:cNvSpPr/>
+          <p:nvPr/>
+        </p:nvSpPr>
+        <p:spPr>
+          <a:xfrm>
+            <a:off x="811564" y="1305017"/>
+            <a:ext cx="10332869" cy="630316"/>
+          </a:xfrm>
+          <a:prstGeom prst="rect">
+            <a:avLst/>
+          </a:prstGeom>
+        </p:spPr>
+        <p:style>
+          <a:lnRef idx="2">
+            <a:schemeClr val="accent3">
+              <a:shade val="50000"/>
+            </a:schemeClr>
+          </a:lnRef>
+          <a:fillRef idx="1">
+            <a:schemeClr val="accent3"/>
+          </a:fillRef>
+          <a:effectRef idx="0">
+            <a:schemeClr val="accent3"/>
+          </a:effectRef>
+          <a:fontRef idx="minor">
+            <a:schemeClr val="lt1"/>
+          </a:fontRef>
+        </p:style>
+        <p:txBody>
+          <a:bodyPr rtlCol="0" anchor="ctr"/>
+          <a:lstStyle/>
+          <a:p>
+            <a:pPr algn="ctr"/>
+            <a:r>
+              <a:rPr lang="en-GB" dirty="0"/>
+              <a:t>Login</a:t>
+            </a:r>
+          </a:p>
+        </p:txBody>
+      </p:sp>
+      <p:sp>
+        <p:nvSpPr>
+          <p:cNvPr id="12" name="Rectangle 11">
+            <a:extLst>
+              <a:ext uri="{FF2B5EF4-FFF2-40B4-BE49-F238E27FC236}">
+                <a16:creationId xmlns:a16="http://schemas.microsoft.com/office/drawing/2014/main" id="{9281453C-189E-46C3-8227-9A2ADAD84B35}"/>
+              </a:ext>
+            </a:extLst>
+          </p:cNvPr>
+          <p:cNvSpPr/>
+          <p:nvPr/>
+        </p:nvSpPr>
+        <p:spPr>
+          <a:xfrm>
+            <a:off x="4945600" y="4411461"/>
+            <a:ext cx="2280081" cy="317377"/>
+          </a:xfrm>
+          <a:prstGeom prst="rect">
+            <a:avLst/>
+          </a:prstGeom>
+        </p:spPr>
+        <p:style>
+          <a:lnRef idx="2">
+            <a:schemeClr val="accent3"/>
+          </a:lnRef>
+          <a:fillRef idx="1">
+            <a:schemeClr val="lt1"/>
+          </a:fillRef>
+          <a:effectRef idx="0">
+            <a:schemeClr val="accent3"/>
+          </a:effectRef>
+          <a:fontRef idx="minor">
+            <a:schemeClr val="dk1"/>
+          </a:fontRef>
+        </p:style>
+        <p:txBody>
+          <a:bodyPr rtlCol="0" anchor="ctr"/>
+          <a:lstStyle/>
+          <a:p>
+            <a:pPr algn="ctr"/>
+            <a:r>
+              <a:rPr lang="en-GB" dirty="0"/>
+              <a:t>******</a:t>
+            </a:r>
+          </a:p>
+        </p:txBody>
+      </p:sp>
+      <p:sp>
+        <p:nvSpPr>
+          <p:cNvPr id="13" name="Rectangle 12">
+            <a:extLst>
+              <a:ext uri="{FF2B5EF4-FFF2-40B4-BE49-F238E27FC236}">
+                <a16:creationId xmlns:a16="http://schemas.microsoft.com/office/drawing/2014/main" id="{33DAC569-4EBF-4C45-AA40-341346BAE84F}"/>
+              </a:ext>
+            </a:extLst>
+          </p:cNvPr>
+          <p:cNvSpPr/>
+          <p:nvPr/>
+        </p:nvSpPr>
+        <p:spPr>
+          <a:xfrm>
+            <a:off x="5117605" y="2578775"/>
+            <a:ext cx="1956789" cy="548938"/>
+          </a:xfrm>
+          <a:prstGeom prst="rect">
+            <a:avLst/>
+          </a:prstGeom>
+        </p:spPr>
+        <p:style>
+          <a:lnRef idx="2">
+            <a:schemeClr val="accent3">
+              <a:shade val="50000"/>
+            </a:schemeClr>
+          </a:lnRef>
+          <a:fillRef idx="1">
+            <a:schemeClr val="accent3"/>
+          </a:fillRef>
+          <a:effectRef idx="0">
+            <a:schemeClr val="accent3"/>
+          </a:effectRef>
+          <a:fontRef idx="minor">
+            <a:schemeClr val="lt1"/>
+          </a:fontRef>
+        </p:style>
+        <p:txBody>
+          <a:bodyPr rtlCol="0" anchor="ctr"/>
+          <a:lstStyle/>
+          <a:p>
+            <a:pPr algn="ctr"/>
+            <a:r>
+              <a:rPr lang="en-GB" dirty="0"/>
+              <a:t>Login</a:t>
+            </a:r>
+          </a:p>
+        </p:txBody>
+      </p:sp>
+      <p:sp>
+        <p:nvSpPr>
+          <p:cNvPr id="14" name="Rectangle 13">
+            <a:extLst>
+              <a:ext uri="{FF2B5EF4-FFF2-40B4-BE49-F238E27FC236}">
+                <a16:creationId xmlns:a16="http://schemas.microsoft.com/office/drawing/2014/main" id="{C1DFF1FA-5420-41D2-9E66-89595DC942F1}"/>
+              </a:ext>
+            </a:extLst>
+          </p:cNvPr>
+          <p:cNvSpPr/>
+          <p:nvPr/>
+        </p:nvSpPr>
+        <p:spPr>
+          <a:xfrm>
+            <a:off x="6096000" y="4982222"/>
+            <a:ext cx="1197743" cy="317377"/>
+          </a:xfrm>
+          <a:prstGeom prst="rect">
+            <a:avLst/>
+          </a:prstGeom>
+          <a:noFill/>
+          <a:ln w="9525" cap="flat" cmpd="sng" algn="ctr">
+            <a:solidFill>
+              <a:schemeClr val="dk1"/>
+            </a:solidFill>
+            <a:prstDash val="solid"/>
+            <a:round/>
+            <a:headEnd type="none" w="med" len="med"/>
+            <a:tailEnd type="none" w="med" len="med"/>
+          </a:ln>
+        </p:spPr>
+        <p:style>
+          <a:lnRef idx="0">
+            <a:scrgbClr r="0" g="0" b="0"/>
+          </a:lnRef>
+          <a:fillRef idx="0">
+            <a:scrgbClr r="0" g="0" b="0"/>
+          </a:fillRef>
+          <a:effectRef idx="0">
+            <a:scrgbClr r="0" g="0" b="0"/>
+          </a:effectRef>
+          <a:fontRef idx="minor">
+            <a:schemeClr val="dk1"/>
+          </a:fontRef>
+        </p:style>
+        <p:txBody>
+          <a:bodyPr rtlCol="0" anchor="ctr"/>
+          <a:lstStyle/>
+          <a:p>
+            <a:pPr algn="ctr"/>
+            <a:r>
+              <a:rPr lang="en-GB" dirty="0"/>
+              <a:t>Sign in</a:t>
+            </a:r>
+          </a:p>
+        </p:txBody>
+      </p:sp>
+      <p:sp>
+        <p:nvSpPr>
+          <p:cNvPr id="15" name="Rectangle 14">
+            <a:extLst>
+              <a:ext uri="{FF2B5EF4-FFF2-40B4-BE49-F238E27FC236}">
+                <a16:creationId xmlns:a16="http://schemas.microsoft.com/office/drawing/2014/main" id="{0D05DA5E-D5DE-4508-97C1-1A156F9BC93C}"/>
+              </a:ext>
+            </a:extLst>
+          </p:cNvPr>
+          <p:cNvSpPr/>
+          <p:nvPr/>
+        </p:nvSpPr>
+        <p:spPr>
+          <a:xfrm>
+            <a:off x="4945600" y="3240350"/>
+            <a:ext cx="2280081" cy="317377"/>
+          </a:xfrm>
+          <a:prstGeom prst="rect">
+            <a:avLst/>
+          </a:prstGeom>
+          <a:solidFill>
+            <a:schemeClr val="accent3"/>
+          </a:solidFill>
+          <a:ln>
+            <a:noFill/>
+          </a:ln>
+        </p:spPr>
+        <p:style>
+          <a:lnRef idx="0">
+            <a:scrgbClr r="0" g="0" b="0"/>
+          </a:lnRef>
+          <a:fillRef idx="0">
+            <a:scrgbClr r="0" g="0" b="0"/>
+          </a:fillRef>
+          <a:effectRef idx="0">
+            <a:scrgbClr r="0" g="0" b="0"/>
+          </a:effectRef>
+          <a:fontRef idx="minor">
+            <a:schemeClr val="lt1"/>
+          </a:fontRef>
+        </p:style>
+        <p:txBody>
+          <a:bodyPr rtlCol="0" anchor="ctr"/>
+          <a:lstStyle/>
+          <a:p>
+            <a:pPr algn="ctr"/>
+            <a:r>
+              <a:rPr lang="en-GB" dirty="0"/>
+              <a:t>Email</a:t>
+            </a:r>
+          </a:p>
+        </p:txBody>
+      </p:sp>
+      <p:sp>
+        <p:nvSpPr>
+          <p:cNvPr id="16" name="Rectangle 15">
+            <a:extLst>
+              <a:ext uri="{FF2B5EF4-FFF2-40B4-BE49-F238E27FC236}">
+                <a16:creationId xmlns:a16="http://schemas.microsoft.com/office/drawing/2014/main" id="{E0AECFE0-7A57-439C-8C1B-CAEDB60DFDA3}"/>
+              </a:ext>
+            </a:extLst>
+          </p:cNvPr>
+          <p:cNvSpPr/>
+          <p:nvPr/>
+        </p:nvSpPr>
+        <p:spPr>
+          <a:xfrm>
+            <a:off x="4945600" y="4039892"/>
+            <a:ext cx="2280081" cy="317377"/>
+          </a:xfrm>
+          <a:prstGeom prst="rect">
+            <a:avLst/>
+          </a:prstGeom>
+          <a:solidFill>
+            <a:schemeClr val="accent3"/>
+          </a:solidFill>
+          <a:ln>
+            <a:noFill/>
+          </a:ln>
+        </p:spPr>
+        <p:style>
+          <a:lnRef idx="0">
+            <a:scrgbClr r="0" g="0" b="0"/>
+          </a:lnRef>
+          <a:fillRef idx="0">
+            <a:scrgbClr r="0" g="0" b="0"/>
+          </a:fillRef>
+          <a:effectRef idx="0">
+            <a:scrgbClr r="0" g="0" b="0"/>
+          </a:effectRef>
+          <a:fontRef idx="minor">
+            <a:schemeClr val="lt1"/>
+          </a:fontRef>
+        </p:style>
+        <p:txBody>
+          <a:bodyPr rtlCol="0" anchor="ctr"/>
+          <a:lstStyle/>
+          <a:p>
+            <a:pPr algn="ctr"/>
+            <a:r>
+              <a:rPr lang="en-GB" dirty="0"/>
+              <a:t>Password</a:t>
+            </a:r>
+          </a:p>
+        </p:txBody>
+      </p:sp>
+    </p:spTree>
+    <p:extLst>
+      <p:ext uri="{BB962C8B-B14F-4D97-AF65-F5344CB8AC3E}">
+        <p14:creationId xmlns:p14="http://schemas.microsoft.com/office/powerpoint/2010/main" val="2414276981"/>
+      </p:ext>
+    </p:extLst>
+  </p:cSld>
+  <p:clrMapOvr>
+    <a:masterClrMapping/>
+  </p:clrMapOvr>
+</p:sld>
+</file>
+
+<file path=ppt/slides/slide9.xml><?xml version="1.0" encoding="utf-8"?>
+<p:sld xmlns:a="http://schemas.openxmlformats.org/drawingml/2006/main" xmlns:r="http://schemas.openxmlformats.org/officeDocument/2006/relationships" xmlns:p="http://schemas.openxmlformats.org/presentationml/2006/main">
+  <p:cSld>
+    <p:spTree>
+      <p:nvGrpSpPr>
+        <p:cNvPr id="1" name=""/>
+        <p:cNvGrpSpPr/>
+        <p:nvPr/>
+      </p:nvGrpSpPr>
+      <p:grpSpPr>
+        <a:xfrm>
+          <a:off x="0" y="0"/>
+          <a:ext cx="0" cy="0"/>
+          <a:chOff x="0" y="0"/>
+          <a:chExt cx="0" cy="0"/>
+        </a:xfrm>
+      </p:grpSpPr>
+      <p:sp>
+        <p:nvSpPr>
           <p:cNvPr id="3" name="Content Placeholder 2">
             <a:extLst>
               <a:ext uri="{FF2B5EF4-FFF2-40B4-BE49-F238E27FC236}">
@@ -8978,7 +11280,7 @@
             <a:pPr algn="ctr"/>
             <a:r>
               <a:rPr lang="en-GB" dirty="0"/>
-              <a:t>Admin Screen</a:t>
+              <a:t>Staff Screen</a:t>
             </a:r>
           </a:p>
         </p:txBody>
@@ -8997,8 +11299,8 @@
         </p:nvSpPr>
         <p:spPr>
           <a:xfrm>
-            <a:off x="1791714" y="2455941"/>
-            <a:ext cx="8608568" cy="2556977"/>
+            <a:off x="1638477" y="2455941"/>
+            <a:ext cx="8608570" cy="2556977"/>
           </a:xfrm>
           <a:prstGeom prst="rect">
             <a:avLst/>
@@ -9041,7 +11343,7 @@
         </p:nvSpPr>
         <p:spPr>
           <a:xfrm>
-            <a:off x="1791713" y="2455941"/>
+            <a:off x="1638476" y="2455941"/>
             <a:ext cx="1721715" cy="464806"/>
           </a:xfrm>
           <a:prstGeom prst="rect">
@@ -9088,7 +11390,7 @@
         </p:nvSpPr>
         <p:spPr>
           <a:xfrm>
-            <a:off x="3513428" y="2455941"/>
+            <a:off x="3360191" y="2455941"/>
             <a:ext cx="1721715" cy="464806"/>
           </a:xfrm>
           <a:prstGeom prst="rect">
@@ -9135,7 +11437,7 @@
         </p:nvSpPr>
         <p:spPr>
           <a:xfrm>
-            <a:off x="5235142" y="2455941"/>
+            <a:off x="5081905" y="2455941"/>
             <a:ext cx="1721715" cy="464806"/>
           </a:xfrm>
           <a:prstGeom prst="rect">
@@ -9163,7 +11465,7 @@
             <a:pPr algn="ctr"/>
             <a:r>
               <a:rPr lang="en-GB" dirty="0"/>
-              <a:t>Score</a:t>
+              <a:t>Addition</a:t>
             </a:r>
           </a:p>
         </p:txBody>
@@ -9182,7 +11484,7 @@
         </p:nvSpPr>
         <p:spPr>
           <a:xfrm>
-            <a:off x="1791713" y="2920747"/>
+            <a:off x="1638476" y="2920747"/>
             <a:ext cx="1721715" cy="464806"/>
           </a:xfrm>
           <a:prstGeom prst="rect">
@@ -9229,7 +11531,7 @@
         </p:nvSpPr>
         <p:spPr>
           <a:xfrm>
-            <a:off x="3513428" y="2920747"/>
+            <a:off x="3360191" y="2920747"/>
             <a:ext cx="1721715" cy="464806"/>
           </a:xfrm>
           <a:prstGeom prst="rect">
@@ -9276,7 +11578,7 @@
         </p:nvSpPr>
         <p:spPr>
           <a:xfrm>
-            <a:off x="5235142" y="2920747"/>
+            <a:off x="5081905" y="2920747"/>
             <a:ext cx="1721715" cy="464806"/>
           </a:xfrm>
           <a:prstGeom prst="rect">
@@ -9323,7 +11625,7 @@
         </p:nvSpPr>
         <p:spPr>
           <a:xfrm>
-            <a:off x="1791713" y="3368330"/>
+            <a:off x="1638476" y="3368330"/>
             <a:ext cx="1721715" cy="464806"/>
           </a:xfrm>
           <a:prstGeom prst="rect">
@@ -9370,7 +11672,7 @@
         </p:nvSpPr>
         <p:spPr>
           <a:xfrm>
-            <a:off x="3513428" y="3368330"/>
+            <a:off x="3360191" y="3368330"/>
             <a:ext cx="1721715" cy="464806"/>
           </a:xfrm>
           <a:prstGeom prst="rect">
@@ -9417,7 +11719,7 @@
         </p:nvSpPr>
         <p:spPr>
           <a:xfrm>
-            <a:off x="5235142" y="3368330"/>
+            <a:off x="5081905" y="3368330"/>
             <a:ext cx="1721715" cy="464806"/>
           </a:xfrm>
           <a:prstGeom prst="rect">
@@ -9445,7 +11747,7 @@
             <a:pPr algn="ctr"/>
             <a:r>
               <a:rPr lang="en-GB" dirty="0"/>
-              <a:t>10</a:t>
+              <a:t>6</a:t>
             </a:r>
           </a:p>
         </p:txBody>
@@ -9464,7 +11766,7 @@
         </p:nvSpPr>
         <p:spPr>
           <a:xfrm>
-            <a:off x="1791712" y="3831020"/>
+            <a:off x="1638475" y="3831020"/>
             <a:ext cx="1721715" cy="464806"/>
           </a:xfrm>
           <a:prstGeom prst="rect">
@@ -9511,7 +11813,7 @@
         </p:nvSpPr>
         <p:spPr>
           <a:xfrm>
-            <a:off x="3513427" y="3831020"/>
+            <a:off x="3360190" y="3831020"/>
             <a:ext cx="1721715" cy="464806"/>
           </a:xfrm>
           <a:prstGeom prst="rect">
@@ -9558,7 +11860,7 @@
         </p:nvSpPr>
         <p:spPr>
           <a:xfrm>
-            <a:off x="5235141" y="3831020"/>
+            <a:off x="5081904" y="3831020"/>
             <a:ext cx="1721715" cy="464806"/>
           </a:xfrm>
           <a:prstGeom prst="rect">
@@ -9596,16 +11898,16 @@
           <p:cNvPr id="25" name="Rectangle 24">
             <a:extLst>
               <a:ext uri="{FF2B5EF4-FFF2-40B4-BE49-F238E27FC236}">
-                <a16:creationId xmlns:a16="http://schemas.microsoft.com/office/drawing/2014/main" id="{85EAD7C9-77E5-4D8B-A3C0-4980A18F7467}"/>
-              </a:ext>
-            </a:extLst>
-          </p:cNvPr>
-          <p:cNvSpPr/>
-          <p:nvPr/>
-        </p:nvSpPr>
-        <p:spPr>
-          <a:xfrm>
-            <a:off x="6956855" y="2455941"/>
+                <a16:creationId xmlns:a16="http://schemas.microsoft.com/office/drawing/2014/main" id="{5BAE1617-83C4-4543-9B99-8AF4F6D079B6}"/>
+              </a:ext>
+            </a:extLst>
+          </p:cNvPr>
+          <p:cNvSpPr/>
+          <p:nvPr/>
+        </p:nvSpPr>
+        <p:spPr>
+          <a:xfrm>
+            <a:off x="6803619" y="2455941"/>
             <a:ext cx="1721715" cy="464806"/>
           </a:xfrm>
           <a:prstGeom prst="rect">
@@ -9633,7 +11935,7 @@
             <a:pPr algn="ctr"/>
             <a:r>
               <a:rPr lang="en-GB" dirty="0"/>
-              <a:t>Remove Student</a:t>
+              <a:t>Subtraction</a:t>
             </a:r>
           </a:p>
         </p:txBody>
@@ -9643,17 +11945,768 @@
           <p:cNvPr id="26" name="Rectangle 25">
             <a:extLst>
               <a:ext uri="{FF2B5EF4-FFF2-40B4-BE49-F238E27FC236}">
-                <a16:creationId xmlns:a16="http://schemas.microsoft.com/office/drawing/2014/main" id="{598AA016-18A2-4880-A3DF-664B5D9ED4C2}"/>
-              </a:ext>
-            </a:extLst>
-          </p:cNvPr>
-          <p:cNvSpPr/>
-          <p:nvPr/>
-        </p:nvSpPr>
-        <p:spPr>
-          <a:xfrm>
-            <a:off x="6956855" y="2920747"/>
+                <a16:creationId xmlns:a16="http://schemas.microsoft.com/office/drawing/2014/main" id="{1246DBC8-1E87-4158-8522-9BFEED330480}"/>
+              </a:ext>
+            </a:extLst>
+          </p:cNvPr>
+          <p:cNvSpPr/>
+          <p:nvPr/>
+        </p:nvSpPr>
+        <p:spPr>
+          <a:xfrm>
+            <a:off x="6803619" y="2920747"/>
             <a:ext cx="1721715" cy="464806"/>
+          </a:xfrm>
+          <a:prstGeom prst="rect">
+            <a:avLst/>
+          </a:prstGeom>
+        </p:spPr>
+        <p:style>
+          <a:lnRef idx="2">
+            <a:schemeClr val="accent3"/>
+          </a:lnRef>
+          <a:fillRef idx="1">
+            <a:schemeClr val="lt1"/>
+          </a:fillRef>
+          <a:effectRef idx="0">
+            <a:schemeClr val="accent3"/>
+          </a:effectRef>
+          <a:fontRef idx="minor">
+            <a:schemeClr val="dk1"/>
+          </a:fontRef>
+        </p:style>
+        <p:txBody>
+          <a:bodyPr rtlCol="0" anchor="ctr"/>
+          <a:lstStyle/>
+          <a:p>
+            <a:pPr algn="ctr"/>
+            <a:r>
+              <a:rPr lang="en-GB" dirty="0"/>
+              <a:t>7</a:t>
+            </a:r>
+          </a:p>
+        </p:txBody>
+      </p:sp>
+      <p:sp>
+        <p:nvSpPr>
+          <p:cNvPr id="27" name="Rectangle 26">
+            <a:extLst>
+              <a:ext uri="{FF2B5EF4-FFF2-40B4-BE49-F238E27FC236}">
+                <a16:creationId xmlns:a16="http://schemas.microsoft.com/office/drawing/2014/main" id="{FAA4A67F-AA9B-4757-9F94-2018228E5F17}"/>
+              </a:ext>
+            </a:extLst>
+          </p:cNvPr>
+          <p:cNvSpPr/>
+          <p:nvPr/>
+        </p:nvSpPr>
+        <p:spPr>
+          <a:xfrm>
+            <a:off x="6803619" y="3368330"/>
+            <a:ext cx="1721715" cy="464806"/>
+          </a:xfrm>
+          <a:prstGeom prst="rect">
+            <a:avLst/>
+          </a:prstGeom>
+        </p:spPr>
+        <p:style>
+          <a:lnRef idx="2">
+            <a:schemeClr val="accent3"/>
+          </a:lnRef>
+          <a:fillRef idx="1">
+            <a:schemeClr val="lt1"/>
+          </a:fillRef>
+          <a:effectRef idx="0">
+            <a:schemeClr val="accent3"/>
+          </a:effectRef>
+          <a:fontRef idx="minor">
+            <a:schemeClr val="dk1"/>
+          </a:fontRef>
+        </p:style>
+        <p:txBody>
+          <a:bodyPr rtlCol="0" anchor="ctr"/>
+          <a:lstStyle/>
+          <a:p>
+            <a:pPr algn="ctr"/>
+            <a:r>
+              <a:rPr lang="en-GB" dirty="0"/>
+              <a:t>5</a:t>
+            </a:r>
+          </a:p>
+        </p:txBody>
+      </p:sp>
+      <p:sp>
+        <p:nvSpPr>
+          <p:cNvPr id="28" name="Rectangle 27">
+            <a:extLst>
+              <a:ext uri="{FF2B5EF4-FFF2-40B4-BE49-F238E27FC236}">
+                <a16:creationId xmlns:a16="http://schemas.microsoft.com/office/drawing/2014/main" id="{B06974D6-5BB2-4282-B9BA-F00416060A4C}"/>
+              </a:ext>
+            </a:extLst>
+          </p:cNvPr>
+          <p:cNvSpPr/>
+          <p:nvPr/>
+        </p:nvSpPr>
+        <p:spPr>
+          <a:xfrm>
+            <a:off x="6803618" y="3831020"/>
+            <a:ext cx="1721715" cy="464806"/>
+          </a:xfrm>
+          <a:prstGeom prst="rect">
+            <a:avLst/>
+          </a:prstGeom>
+        </p:spPr>
+        <p:style>
+          <a:lnRef idx="2">
+            <a:schemeClr val="accent3"/>
+          </a:lnRef>
+          <a:fillRef idx="1">
+            <a:schemeClr val="lt1"/>
+          </a:fillRef>
+          <a:effectRef idx="0">
+            <a:schemeClr val="accent3"/>
+          </a:effectRef>
+          <a:fontRef idx="minor">
+            <a:schemeClr val="dk1"/>
+          </a:fontRef>
+        </p:style>
+        <p:txBody>
+          <a:bodyPr rtlCol="0" anchor="ctr"/>
+          <a:lstStyle/>
+          <a:p>
+            <a:pPr algn="ctr"/>
+            <a:r>
+              <a:rPr lang="en-GB" dirty="0"/>
+              <a:t>2</a:t>
+            </a:r>
+          </a:p>
+        </p:txBody>
+      </p:sp>
+      <p:sp>
+        <p:nvSpPr>
+          <p:cNvPr id="29" name="Rectangle 28">
+            <a:extLst>
+              <a:ext uri="{FF2B5EF4-FFF2-40B4-BE49-F238E27FC236}">
+                <a16:creationId xmlns:a16="http://schemas.microsoft.com/office/drawing/2014/main" id="{506F8171-28A7-40CF-9AE3-2EEFBD619AB7}"/>
+              </a:ext>
+            </a:extLst>
+          </p:cNvPr>
+          <p:cNvSpPr/>
+          <p:nvPr/>
+        </p:nvSpPr>
+        <p:spPr>
+          <a:xfrm>
+            <a:off x="8525333" y="2455941"/>
+            <a:ext cx="1721715" cy="464806"/>
+          </a:xfrm>
+          <a:prstGeom prst="rect">
+            <a:avLst/>
+          </a:prstGeom>
+        </p:spPr>
+        <p:style>
+          <a:lnRef idx="2">
+            <a:schemeClr val="accent3"/>
+          </a:lnRef>
+          <a:fillRef idx="1">
+            <a:schemeClr val="lt1"/>
+          </a:fillRef>
+          <a:effectRef idx="0">
+            <a:schemeClr val="accent3"/>
+          </a:effectRef>
+          <a:fontRef idx="minor">
+            <a:schemeClr val="dk1"/>
+          </a:fontRef>
+        </p:style>
+        <p:txBody>
+          <a:bodyPr rtlCol="0" anchor="ctr"/>
+          <a:lstStyle/>
+          <a:p>
+            <a:pPr algn="ctr"/>
+            <a:r>
+              <a:rPr lang="en-GB" dirty="0"/>
+              <a:t>Difficulty</a:t>
+            </a:r>
+          </a:p>
+        </p:txBody>
+      </p:sp>
+      <p:sp>
+        <p:nvSpPr>
+          <p:cNvPr id="30" name="Rectangle 29">
+            <a:extLst>
+              <a:ext uri="{FF2B5EF4-FFF2-40B4-BE49-F238E27FC236}">
+                <a16:creationId xmlns:a16="http://schemas.microsoft.com/office/drawing/2014/main" id="{C5134996-94E4-4843-BA3E-7A7E53DC0324}"/>
+              </a:ext>
+            </a:extLst>
+          </p:cNvPr>
+          <p:cNvSpPr/>
+          <p:nvPr/>
+        </p:nvSpPr>
+        <p:spPr>
+          <a:xfrm>
+            <a:off x="8525332" y="2920747"/>
+            <a:ext cx="1721715" cy="464806"/>
+          </a:xfrm>
+          <a:prstGeom prst="rect">
+            <a:avLst/>
+          </a:prstGeom>
+        </p:spPr>
+        <p:style>
+          <a:lnRef idx="2">
+            <a:schemeClr val="accent3"/>
+          </a:lnRef>
+          <a:fillRef idx="1">
+            <a:schemeClr val="lt1"/>
+          </a:fillRef>
+          <a:effectRef idx="0">
+            <a:schemeClr val="accent3"/>
+          </a:effectRef>
+          <a:fontRef idx="minor">
+            <a:schemeClr val="dk1"/>
+          </a:fontRef>
+        </p:style>
+        <p:txBody>
+          <a:bodyPr rtlCol="0" anchor="ctr"/>
+          <a:lstStyle/>
+          <a:p>
+            <a:pPr algn="ctr"/>
+            <a:r>
+              <a:rPr lang="en-GB" dirty="0"/>
+              <a:t>1</a:t>
+            </a:r>
+          </a:p>
+        </p:txBody>
+      </p:sp>
+      <p:sp>
+        <p:nvSpPr>
+          <p:cNvPr id="31" name="Rectangle 30">
+            <a:extLst>
+              <a:ext uri="{FF2B5EF4-FFF2-40B4-BE49-F238E27FC236}">
+                <a16:creationId xmlns:a16="http://schemas.microsoft.com/office/drawing/2014/main" id="{319A4C92-32CA-4877-BF73-1FA38C4FFEF7}"/>
+              </a:ext>
+            </a:extLst>
+          </p:cNvPr>
+          <p:cNvSpPr/>
+          <p:nvPr/>
+        </p:nvSpPr>
+        <p:spPr>
+          <a:xfrm>
+            <a:off x="8525332" y="3368330"/>
+            <a:ext cx="1721715" cy="464806"/>
+          </a:xfrm>
+          <a:prstGeom prst="rect">
+            <a:avLst/>
+          </a:prstGeom>
+        </p:spPr>
+        <p:style>
+          <a:lnRef idx="2">
+            <a:schemeClr val="accent3"/>
+          </a:lnRef>
+          <a:fillRef idx="1">
+            <a:schemeClr val="lt1"/>
+          </a:fillRef>
+          <a:effectRef idx="0">
+            <a:schemeClr val="accent3"/>
+          </a:effectRef>
+          <a:fontRef idx="minor">
+            <a:schemeClr val="dk1"/>
+          </a:fontRef>
+        </p:style>
+        <p:txBody>
+          <a:bodyPr rtlCol="0" anchor="ctr"/>
+          <a:lstStyle/>
+          <a:p>
+            <a:pPr algn="ctr"/>
+            <a:r>
+              <a:rPr lang="en-GB" dirty="0"/>
+              <a:t>2</a:t>
+            </a:r>
+          </a:p>
+        </p:txBody>
+      </p:sp>
+      <p:sp>
+        <p:nvSpPr>
+          <p:cNvPr id="32" name="Rectangle 31">
+            <a:extLst>
+              <a:ext uri="{FF2B5EF4-FFF2-40B4-BE49-F238E27FC236}">
+                <a16:creationId xmlns:a16="http://schemas.microsoft.com/office/drawing/2014/main" id="{98D635E4-F62A-45D6-BD35-0767DE0A154C}"/>
+              </a:ext>
+            </a:extLst>
+          </p:cNvPr>
+          <p:cNvSpPr/>
+          <p:nvPr/>
+        </p:nvSpPr>
+        <p:spPr>
+          <a:xfrm>
+            <a:off x="8525331" y="3831020"/>
+            <a:ext cx="1721715" cy="464806"/>
+          </a:xfrm>
+          <a:prstGeom prst="rect">
+            <a:avLst/>
+          </a:prstGeom>
+        </p:spPr>
+        <p:style>
+          <a:lnRef idx="2">
+            <a:schemeClr val="accent3"/>
+          </a:lnRef>
+          <a:fillRef idx="1">
+            <a:schemeClr val="lt1"/>
+          </a:fillRef>
+          <a:effectRef idx="0">
+            <a:schemeClr val="accent3"/>
+          </a:effectRef>
+          <a:fontRef idx="minor">
+            <a:schemeClr val="dk1"/>
+          </a:fontRef>
+        </p:style>
+        <p:txBody>
+          <a:bodyPr rtlCol="0" anchor="ctr"/>
+          <a:lstStyle/>
+          <a:p>
+            <a:pPr algn="ctr"/>
+            <a:r>
+              <a:rPr lang="en-GB" dirty="0"/>
+              <a:t>1</a:t>
+            </a:r>
+          </a:p>
+        </p:txBody>
+      </p:sp>
+      <p:sp>
+        <p:nvSpPr>
+          <p:cNvPr id="2" name="Rectangle 1">
+            <a:extLst>
+              <a:ext uri="{FF2B5EF4-FFF2-40B4-BE49-F238E27FC236}">
+                <a16:creationId xmlns:a16="http://schemas.microsoft.com/office/drawing/2014/main" id="{8541A0E3-9E31-4CEE-8ED4-AFE63F3FC599}"/>
+              </a:ext>
+            </a:extLst>
+          </p:cNvPr>
+          <p:cNvSpPr/>
+          <p:nvPr/>
+        </p:nvSpPr>
+        <p:spPr>
+          <a:xfrm>
+            <a:off x="3758207" y="1927477"/>
+            <a:ext cx="4873657" cy="3097043"/>
+          </a:xfrm>
+          <a:prstGeom prst="rect">
+            <a:avLst/>
+          </a:prstGeom>
+        </p:spPr>
+        <p:style>
+          <a:lnRef idx="2">
+            <a:schemeClr val="accent3">
+              <a:shade val="50000"/>
+            </a:schemeClr>
+          </a:lnRef>
+          <a:fillRef idx="1">
+            <a:schemeClr val="accent3"/>
+          </a:fillRef>
+          <a:effectRef idx="0">
+            <a:schemeClr val="accent3"/>
+          </a:effectRef>
+          <a:fontRef idx="minor">
+            <a:schemeClr val="lt1"/>
+          </a:fontRef>
+        </p:style>
+        <p:txBody>
+          <a:bodyPr rtlCol="0" anchor="ctr"/>
+          <a:lstStyle/>
+          <a:p>
+            <a:pPr algn="ctr"/>
+            <a:endParaRPr lang="en-GB"/>
+          </a:p>
+        </p:txBody>
+      </p:sp>
+      <p:sp>
+        <p:nvSpPr>
+          <p:cNvPr id="33" name="Rectangle 32">
+            <a:extLst>
+              <a:ext uri="{FF2B5EF4-FFF2-40B4-BE49-F238E27FC236}">
+                <a16:creationId xmlns:a16="http://schemas.microsoft.com/office/drawing/2014/main" id="{F90C5CA2-C5FA-41E5-A22D-9ED813A88747}"/>
+              </a:ext>
+            </a:extLst>
+          </p:cNvPr>
+          <p:cNvSpPr/>
+          <p:nvPr/>
+        </p:nvSpPr>
+        <p:spPr>
+          <a:xfrm>
+            <a:off x="5037230" y="2202169"/>
+            <a:ext cx="1058770" cy="464806"/>
+          </a:xfrm>
+          <a:prstGeom prst="rect">
+            <a:avLst/>
+          </a:prstGeom>
+        </p:spPr>
+        <p:style>
+          <a:lnRef idx="2">
+            <a:schemeClr val="accent3"/>
+          </a:lnRef>
+          <a:fillRef idx="1">
+            <a:schemeClr val="lt1"/>
+          </a:fillRef>
+          <a:effectRef idx="0">
+            <a:schemeClr val="accent3"/>
+          </a:effectRef>
+          <a:fontRef idx="minor">
+            <a:schemeClr val="dk1"/>
+          </a:fontRef>
+        </p:style>
+        <p:txBody>
+          <a:bodyPr rtlCol="0" anchor="ctr"/>
+          <a:lstStyle/>
+          <a:p>
+            <a:pPr algn="ctr"/>
+            <a:r>
+              <a:rPr lang="en-GB" dirty="0"/>
+              <a:t>Lewis</a:t>
+            </a:r>
+          </a:p>
+        </p:txBody>
+      </p:sp>
+      <p:sp>
+        <p:nvSpPr>
+          <p:cNvPr id="34" name="Rectangle 33">
+            <a:extLst>
+              <a:ext uri="{FF2B5EF4-FFF2-40B4-BE49-F238E27FC236}">
+                <a16:creationId xmlns:a16="http://schemas.microsoft.com/office/drawing/2014/main" id="{BB081A52-9DC4-48A4-8996-432DEC858378}"/>
+              </a:ext>
+            </a:extLst>
+          </p:cNvPr>
+          <p:cNvSpPr/>
+          <p:nvPr/>
+        </p:nvSpPr>
+        <p:spPr>
+          <a:xfrm>
+            <a:off x="5032324" y="2665270"/>
+            <a:ext cx="1058770" cy="464806"/>
+          </a:xfrm>
+          <a:prstGeom prst="rect">
+            <a:avLst/>
+          </a:prstGeom>
+        </p:spPr>
+        <p:style>
+          <a:lnRef idx="2">
+            <a:schemeClr val="accent3"/>
+          </a:lnRef>
+          <a:fillRef idx="1">
+            <a:schemeClr val="lt1"/>
+          </a:fillRef>
+          <a:effectRef idx="0">
+            <a:schemeClr val="accent3"/>
+          </a:effectRef>
+          <a:fontRef idx="minor">
+            <a:schemeClr val="dk1"/>
+          </a:fontRef>
+        </p:style>
+        <p:txBody>
+          <a:bodyPr rtlCol="0" anchor="ctr"/>
+          <a:lstStyle/>
+          <a:p>
+            <a:pPr algn="ctr"/>
+            <a:r>
+              <a:rPr lang="en-GB" dirty="0"/>
+              <a:t>6</a:t>
+            </a:r>
+          </a:p>
+        </p:txBody>
+      </p:sp>
+      <p:sp>
+        <p:nvSpPr>
+          <p:cNvPr id="35" name="Rectangle 34">
+            <a:extLst>
+              <a:ext uri="{FF2B5EF4-FFF2-40B4-BE49-F238E27FC236}">
+                <a16:creationId xmlns:a16="http://schemas.microsoft.com/office/drawing/2014/main" id="{2C5716F7-F4E8-4CD1-B030-0B648BA82DE1}"/>
+              </a:ext>
+            </a:extLst>
+          </p:cNvPr>
+          <p:cNvSpPr/>
+          <p:nvPr/>
+        </p:nvSpPr>
+        <p:spPr>
+          <a:xfrm>
+            <a:off x="5032321" y="3130076"/>
+            <a:ext cx="1058770" cy="464806"/>
+          </a:xfrm>
+          <a:prstGeom prst="rect">
+            <a:avLst/>
+          </a:prstGeom>
+        </p:spPr>
+        <p:style>
+          <a:lnRef idx="2">
+            <a:schemeClr val="accent3"/>
+          </a:lnRef>
+          <a:fillRef idx="1">
+            <a:schemeClr val="lt1"/>
+          </a:fillRef>
+          <a:effectRef idx="0">
+            <a:schemeClr val="accent3"/>
+          </a:effectRef>
+          <a:fontRef idx="minor">
+            <a:schemeClr val="dk1"/>
+          </a:fontRef>
+        </p:style>
+        <p:txBody>
+          <a:bodyPr rtlCol="0" anchor="ctr"/>
+          <a:lstStyle/>
+          <a:p>
+            <a:pPr algn="ctr"/>
+            <a:r>
+              <a:rPr lang="en-GB" dirty="0"/>
+              <a:t>1</a:t>
+            </a:r>
+          </a:p>
+        </p:txBody>
+      </p:sp>
+      <p:sp>
+        <p:nvSpPr>
+          <p:cNvPr id="37" name="Rectangle 36">
+            <a:extLst>
+              <a:ext uri="{FF2B5EF4-FFF2-40B4-BE49-F238E27FC236}">
+                <a16:creationId xmlns:a16="http://schemas.microsoft.com/office/drawing/2014/main" id="{D7472720-223C-4C94-A887-AB50D21B5C30}"/>
+              </a:ext>
+            </a:extLst>
+          </p:cNvPr>
+          <p:cNvSpPr/>
+          <p:nvPr/>
+        </p:nvSpPr>
+        <p:spPr>
+          <a:xfrm>
+            <a:off x="3981243" y="2202169"/>
+            <a:ext cx="1058770" cy="464806"/>
+          </a:xfrm>
+          <a:prstGeom prst="rect">
+            <a:avLst/>
+          </a:prstGeom>
+        </p:spPr>
+        <p:style>
+          <a:lnRef idx="2">
+            <a:schemeClr val="accent3"/>
+          </a:lnRef>
+          <a:fillRef idx="1">
+            <a:schemeClr val="lt1"/>
+          </a:fillRef>
+          <a:effectRef idx="0">
+            <a:schemeClr val="accent3"/>
+          </a:effectRef>
+          <a:fontRef idx="minor">
+            <a:schemeClr val="dk1"/>
+          </a:fontRef>
+        </p:style>
+        <p:txBody>
+          <a:bodyPr rtlCol="0" anchor="ctr"/>
+          <a:lstStyle/>
+          <a:p>
+            <a:pPr algn="ctr"/>
+            <a:r>
+              <a:rPr lang="en-GB" dirty="0"/>
+              <a:t>Name</a:t>
+            </a:r>
+          </a:p>
+        </p:txBody>
+      </p:sp>
+      <p:sp>
+        <p:nvSpPr>
+          <p:cNvPr id="38" name="Rectangle 37">
+            <a:extLst>
+              <a:ext uri="{FF2B5EF4-FFF2-40B4-BE49-F238E27FC236}">
+                <a16:creationId xmlns:a16="http://schemas.microsoft.com/office/drawing/2014/main" id="{A300835E-4BEF-415E-80B2-19423E04ECFE}"/>
+              </a:ext>
+            </a:extLst>
+          </p:cNvPr>
+          <p:cNvSpPr/>
+          <p:nvPr/>
+        </p:nvSpPr>
+        <p:spPr>
+          <a:xfrm>
+            <a:off x="3976337" y="2665270"/>
+            <a:ext cx="1058770" cy="464806"/>
+          </a:xfrm>
+          <a:prstGeom prst="rect">
+            <a:avLst/>
+          </a:prstGeom>
+        </p:spPr>
+        <p:style>
+          <a:lnRef idx="2">
+            <a:schemeClr val="accent3"/>
+          </a:lnRef>
+          <a:fillRef idx="1">
+            <a:schemeClr val="lt1"/>
+          </a:fillRef>
+          <a:effectRef idx="0">
+            <a:schemeClr val="accent3"/>
+          </a:effectRef>
+          <a:fontRef idx="minor">
+            <a:schemeClr val="dk1"/>
+          </a:fontRef>
+        </p:style>
+        <p:txBody>
+          <a:bodyPr rtlCol="0" anchor="ctr"/>
+          <a:lstStyle/>
+          <a:p>
+            <a:pPr algn="ctr"/>
+            <a:r>
+              <a:rPr lang="en-GB" dirty="0"/>
+              <a:t>Year</a:t>
+            </a:r>
+          </a:p>
+        </p:txBody>
+      </p:sp>
+      <p:sp>
+        <p:nvSpPr>
+          <p:cNvPr id="39" name="Rectangle 38">
+            <a:extLst>
+              <a:ext uri="{FF2B5EF4-FFF2-40B4-BE49-F238E27FC236}">
+                <a16:creationId xmlns:a16="http://schemas.microsoft.com/office/drawing/2014/main" id="{A45CEEA4-F18A-4F76-AA4A-F633E26D4686}"/>
+              </a:ext>
+            </a:extLst>
+          </p:cNvPr>
+          <p:cNvSpPr/>
+          <p:nvPr/>
+        </p:nvSpPr>
+        <p:spPr>
+          <a:xfrm>
+            <a:off x="3976334" y="3130076"/>
+            <a:ext cx="1058770" cy="464806"/>
+          </a:xfrm>
+          <a:prstGeom prst="rect">
+            <a:avLst/>
+          </a:prstGeom>
+        </p:spPr>
+        <p:style>
+          <a:lnRef idx="2">
+            <a:schemeClr val="accent3"/>
+          </a:lnRef>
+          <a:fillRef idx="1">
+            <a:schemeClr val="lt1"/>
+          </a:fillRef>
+          <a:effectRef idx="0">
+            <a:schemeClr val="accent3"/>
+          </a:effectRef>
+          <a:fontRef idx="minor">
+            <a:schemeClr val="dk1"/>
+          </a:fontRef>
+        </p:style>
+        <p:txBody>
+          <a:bodyPr rtlCol="0" anchor="ctr"/>
+          <a:lstStyle/>
+          <a:p>
+            <a:pPr algn="ctr"/>
+            <a:r>
+              <a:rPr lang="en-GB" dirty="0"/>
+              <a:t>Difficulty</a:t>
+            </a:r>
+          </a:p>
+        </p:txBody>
+      </p:sp>
+      <p:sp>
+        <p:nvSpPr>
+          <p:cNvPr id="40" name="Rectangle 39">
+            <a:extLst>
+              <a:ext uri="{FF2B5EF4-FFF2-40B4-BE49-F238E27FC236}">
+                <a16:creationId xmlns:a16="http://schemas.microsoft.com/office/drawing/2014/main" id="{69B6074F-BF45-4CFB-91DD-CD8A9E66FBA0}"/>
+              </a:ext>
+            </a:extLst>
+          </p:cNvPr>
+          <p:cNvSpPr/>
+          <p:nvPr/>
+        </p:nvSpPr>
+        <p:spPr>
+          <a:xfrm>
+            <a:off x="7393543" y="4275974"/>
+            <a:ext cx="1058770" cy="464806"/>
+          </a:xfrm>
+          <a:prstGeom prst="rect">
+            <a:avLst/>
+          </a:prstGeom>
+        </p:spPr>
+        <p:style>
+          <a:lnRef idx="2">
+            <a:schemeClr val="accent3"/>
+          </a:lnRef>
+          <a:fillRef idx="1">
+            <a:schemeClr val="lt1"/>
+          </a:fillRef>
+          <a:effectRef idx="0">
+            <a:schemeClr val="accent3"/>
+          </a:effectRef>
+          <a:fontRef idx="minor">
+            <a:schemeClr val="dk1"/>
+          </a:fontRef>
+        </p:style>
+        <p:txBody>
+          <a:bodyPr rtlCol="0" anchor="ctr"/>
+          <a:lstStyle/>
+          <a:p>
+            <a:pPr algn="ctr"/>
+            <a:r>
+              <a:rPr lang="en-GB" dirty="0"/>
+              <a:t>Submit</a:t>
+            </a:r>
+          </a:p>
+        </p:txBody>
+      </p:sp>
+      <p:sp>
+        <p:nvSpPr>
+          <p:cNvPr id="41" name="Rectangle 40">
+            <a:extLst>
+              <a:ext uri="{FF2B5EF4-FFF2-40B4-BE49-F238E27FC236}">
+                <a16:creationId xmlns:a16="http://schemas.microsoft.com/office/drawing/2014/main" id="{8FB8B729-2517-49D6-9551-760502D3A125}"/>
+              </a:ext>
+            </a:extLst>
+          </p:cNvPr>
+          <p:cNvSpPr/>
+          <p:nvPr/>
+        </p:nvSpPr>
+        <p:spPr>
+          <a:xfrm>
+            <a:off x="6334772" y="4275974"/>
+            <a:ext cx="1058770" cy="464806"/>
+          </a:xfrm>
+          <a:prstGeom prst="rect">
+            <a:avLst/>
+          </a:prstGeom>
+        </p:spPr>
+        <p:style>
+          <a:lnRef idx="2">
+            <a:schemeClr val="accent3"/>
+          </a:lnRef>
+          <a:fillRef idx="1">
+            <a:schemeClr val="lt1"/>
+          </a:fillRef>
+          <a:effectRef idx="0">
+            <a:schemeClr val="accent3"/>
+          </a:effectRef>
+          <a:fontRef idx="minor">
+            <a:schemeClr val="dk1"/>
+          </a:fontRef>
+        </p:style>
+        <p:txBody>
+          <a:bodyPr rtlCol="0" anchor="ctr"/>
+          <a:lstStyle/>
+          <a:p>
+            <a:pPr algn="ctr"/>
+            <a:r>
+              <a:rPr lang="en-GB" dirty="0"/>
+              <a:t>Close</a:t>
+            </a:r>
+          </a:p>
+        </p:txBody>
+      </p:sp>
+      <p:sp>
+        <p:nvSpPr>
+          <p:cNvPr id="42" name="Rectangle 41">
+            <a:extLst>
+              <a:ext uri="{FF2B5EF4-FFF2-40B4-BE49-F238E27FC236}">
+                <a16:creationId xmlns:a16="http://schemas.microsoft.com/office/drawing/2014/main" id="{F4932806-EB01-4891-A974-79BA1E2A1EA7}"/>
+              </a:ext>
+            </a:extLst>
+          </p:cNvPr>
+          <p:cNvSpPr/>
+          <p:nvPr/>
+        </p:nvSpPr>
+        <p:spPr>
+          <a:xfrm>
+            <a:off x="5274907" y="4280719"/>
+            <a:ext cx="1058770" cy="448459"/>
           </a:xfrm>
           <a:prstGeom prst="rect">
             <a:avLst/>
@@ -9687,20 +12740,20 @@
       </p:sp>
       <p:sp>
         <p:nvSpPr>
-          <p:cNvPr id="27" name="Rectangle 26">
-            <a:extLst>
-              <a:ext uri="{FF2B5EF4-FFF2-40B4-BE49-F238E27FC236}">
-                <a16:creationId xmlns:a16="http://schemas.microsoft.com/office/drawing/2014/main" id="{5C087ABD-156C-4F9A-84B6-1000C5266A2D}"/>
-              </a:ext>
-            </a:extLst>
-          </p:cNvPr>
-          <p:cNvSpPr/>
-          <p:nvPr/>
-        </p:nvSpPr>
-        <p:spPr>
-          <a:xfrm>
-            <a:off x="6956855" y="3368330"/>
-            <a:ext cx="1721715" cy="464806"/>
+          <p:cNvPr id="43" name="Rectangle 42">
+            <a:extLst>
+              <a:ext uri="{FF2B5EF4-FFF2-40B4-BE49-F238E27FC236}">
+                <a16:creationId xmlns:a16="http://schemas.microsoft.com/office/drawing/2014/main" id="{EFF98180-DC77-40F6-B6EA-D8421BDF0A01}"/>
+              </a:ext>
+            </a:extLst>
+          </p:cNvPr>
+          <p:cNvSpPr/>
+          <p:nvPr/>
+        </p:nvSpPr>
+        <p:spPr>
+          <a:xfrm>
+            <a:off x="4113512" y="4290644"/>
+            <a:ext cx="1169461" cy="438534"/>
           </a:xfrm>
           <a:prstGeom prst="rect">
             <a:avLst/>
@@ -9726,243 +12779,8 @@
           <a:p>
             <a:pPr algn="ctr"/>
             <a:r>
-              <a:rPr lang="en-GB" dirty="0"/>
-              <a:t>Delete</a:t>
-            </a:r>
-          </a:p>
-        </p:txBody>
-      </p:sp>
-      <p:sp>
-        <p:nvSpPr>
-          <p:cNvPr id="28" name="Rectangle 27">
-            <a:extLst>
-              <a:ext uri="{FF2B5EF4-FFF2-40B4-BE49-F238E27FC236}">
-                <a16:creationId xmlns:a16="http://schemas.microsoft.com/office/drawing/2014/main" id="{4897BDAE-DAA4-4662-ABED-FBCC484A0DD3}"/>
-              </a:ext>
-            </a:extLst>
-          </p:cNvPr>
-          <p:cNvSpPr/>
-          <p:nvPr/>
-        </p:nvSpPr>
-        <p:spPr>
-          <a:xfrm>
-            <a:off x="6956854" y="3831020"/>
-            <a:ext cx="1721715" cy="464806"/>
-          </a:xfrm>
-          <a:prstGeom prst="rect">
-            <a:avLst/>
-          </a:prstGeom>
-        </p:spPr>
-        <p:style>
-          <a:lnRef idx="2">
-            <a:schemeClr val="accent3"/>
-          </a:lnRef>
-          <a:fillRef idx="1">
-            <a:schemeClr val="lt1"/>
-          </a:fillRef>
-          <a:effectRef idx="0">
-            <a:schemeClr val="accent3"/>
-          </a:effectRef>
-          <a:fontRef idx="minor">
-            <a:schemeClr val="dk1"/>
-          </a:fontRef>
-        </p:style>
-        <p:txBody>
-          <a:bodyPr rtlCol="0" anchor="ctr"/>
-          <a:lstStyle/>
-          <a:p>
-            <a:pPr algn="ctr"/>
-            <a:r>
-              <a:rPr lang="en-GB" dirty="0"/>
-              <a:t>Delete</a:t>
-            </a:r>
-          </a:p>
-        </p:txBody>
-      </p:sp>
-      <p:sp>
-        <p:nvSpPr>
-          <p:cNvPr id="29" name="Rectangle 28">
-            <a:extLst>
-              <a:ext uri="{FF2B5EF4-FFF2-40B4-BE49-F238E27FC236}">
-                <a16:creationId xmlns:a16="http://schemas.microsoft.com/office/drawing/2014/main" id="{2A8E0D3D-80C3-4276-B908-8AB846AFFAFB}"/>
-              </a:ext>
-            </a:extLst>
-          </p:cNvPr>
-          <p:cNvSpPr/>
-          <p:nvPr/>
-        </p:nvSpPr>
-        <p:spPr>
-          <a:xfrm>
-            <a:off x="8678568" y="2455941"/>
-            <a:ext cx="1721715" cy="464806"/>
-          </a:xfrm>
-          <a:prstGeom prst="rect">
-            <a:avLst/>
-          </a:prstGeom>
-        </p:spPr>
-        <p:style>
-          <a:lnRef idx="2">
-            <a:schemeClr val="accent3"/>
-          </a:lnRef>
-          <a:fillRef idx="1">
-            <a:schemeClr val="lt1"/>
-          </a:fillRef>
-          <a:effectRef idx="0">
-            <a:schemeClr val="accent3"/>
-          </a:effectRef>
-          <a:fontRef idx="minor">
-            <a:schemeClr val="dk1"/>
-          </a:fontRef>
-        </p:style>
-        <p:txBody>
-          <a:bodyPr rtlCol="0" anchor="ctr"/>
-          <a:lstStyle/>
-          <a:p>
-            <a:pPr algn="ctr"/>
-            <a:r>
-              <a:rPr lang="en-GB" dirty="0"/>
-              <a:t>Edit Student</a:t>
-            </a:r>
-          </a:p>
-        </p:txBody>
-      </p:sp>
-      <p:sp>
-        <p:nvSpPr>
-          <p:cNvPr id="30" name="Rectangle 29">
-            <a:extLst>
-              <a:ext uri="{FF2B5EF4-FFF2-40B4-BE49-F238E27FC236}">
-                <a16:creationId xmlns:a16="http://schemas.microsoft.com/office/drawing/2014/main" id="{F3AFA741-5C13-48CD-8343-5CF6DD3461CE}"/>
-              </a:ext>
-            </a:extLst>
-          </p:cNvPr>
-          <p:cNvSpPr/>
-          <p:nvPr/>
-        </p:nvSpPr>
-        <p:spPr>
-          <a:xfrm>
-            <a:off x="8678567" y="3831020"/>
-            <a:ext cx="1721715" cy="464806"/>
-          </a:xfrm>
-          <a:prstGeom prst="rect">
-            <a:avLst/>
-          </a:prstGeom>
-        </p:spPr>
-        <p:style>
-          <a:lnRef idx="2">
-            <a:schemeClr val="accent3"/>
-          </a:lnRef>
-          <a:fillRef idx="1">
-            <a:schemeClr val="lt1"/>
-          </a:fillRef>
-          <a:effectRef idx="0">
-            <a:schemeClr val="accent3"/>
-          </a:effectRef>
-          <a:fontRef idx="minor">
-            <a:schemeClr val="dk1"/>
-          </a:fontRef>
-        </p:style>
-        <p:txBody>
-          <a:bodyPr rtlCol="0" anchor="ctr"/>
-          <a:lstStyle/>
-          <a:p>
-            <a:pPr algn="ctr"/>
-            <a:r>
-              <a:rPr lang="en-GB" dirty="0"/>
-              <a:t>Edit</a:t>
-            </a:r>
-          </a:p>
-        </p:txBody>
-      </p:sp>
-      <p:sp>
-        <p:nvSpPr>
-          <p:cNvPr id="31" name="Rectangle 30">
-            <a:extLst>
-              <a:ext uri="{FF2B5EF4-FFF2-40B4-BE49-F238E27FC236}">
-                <a16:creationId xmlns:a16="http://schemas.microsoft.com/office/drawing/2014/main" id="{F63B2116-1274-44F2-8CFC-CCB8F8C5FEE7}"/>
-              </a:ext>
-            </a:extLst>
-          </p:cNvPr>
-          <p:cNvSpPr/>
-          <p:nvPr/>
-        </p:nvSpPr>
-        <p:spPr>
-          <a:xfrm>
-            <a:off x="8678564" y="2918631"/>
-            <a:ext cx="1721715" cy="464806"/>
-          </a:xfrm>
-          <a:prstGeom prst="rect">
-            <a:avLst/>
-          </a:prstGeom>
-        </p:spPr>
-        <p:style>
-          <a:lnRef idx="2">
-            <a:schemeClr val="accent3"/>
-          </a:lnRef>
-          <a:fillRef idx="1">
-            <a:schemeClr val="lt1"/>
-          </a:fillRef>
-          <a:effectRef idx="0">
-            <a:schemeClr val="accent3"/>
-          </a:effectRef>
-          <a:fontRef idx="minor">
-            <a:schemeClr val="dk1"/>
-          </a:fontRef>
-        </p:style>
-        <p:txBody>
-          <a:bodyPr rtlCol="0" anchor="ctr"/>
-          <a:lstStyle/>
-          <a:p>
-            <a:pPr algn="ctr"/>
-            <a:r>
-              <a:rPr lang="en-GB" dirty="0"/>
-              <a:t>Edit</a:t>
-            </a:r>
-          </a:p>
-        </p:txBody>
-      </p:sp>
-      <p:sp>
-        <p:nvSpPr>
-          <p:cNvPr id="32" name="Rectangle 31">
-            <a:extLst>
-              <a:ext uri="{FF2B5EF4-FFF2-40B4-BE49-F238E27FC236}">
-                <a16:creationId xmlns:a16="http://schemas.microsoft.com/office/drawing/2014/main" id="{505316F2-1D77-47E9-9863-8D398F2AE349}"/>
-              </a:ext>
-            </a:extLst>
-          </p:cNvPr>
-          <p:cNvSpPr/>
-          <p:nvPr/>
-        </p:nvSpPr>
-        <p:spPr>
-          <a:xfrm>
-            <a:off x="8678564" y="3366214"/>
-            <a:ext cx="1721715" cy="464806"/>
-          </a:xfrm>
-          <a:prstGeom prst="rect">
-            <a:avLst/>
-          </a:prstGeom>
-        </p:spPr>
-        <p:style>
-          <a:lnRef idx="2">
-            <a:schemeClr val="accent3"/>
-          </a:lnRef>
-          <a:fillRef idx="1">
-            <a:schemeClr val="lt1"/>
-          </a:fillRef>
-          <a:effectRef idx="0">
-            <a:schemeClr val="accent3"/>
-          </a:effectRef>
-          <a:fontRef idx="minor">
-            <a:schemeClr val="dk1"/>
-          </a:fontRef>
-        </p:style>
-        <p:txBody>
-          <a:bodyPr rtlCol="0" anchor="ctr"/>
-          <a:lstStyle/>
-          <a:p>
-            <a:pPr algn="ctr"/>
-            <a:r>
-              <a:rPr lang="en-GB" dirty="0"/>
-              <a:t>Edit</a:t>
+              <a:rPr lang="en-GB" sz="1600" dirty="0"/>
+              <a:t>Change Password</a:t>
             </a:r>
           </a:p>
         </p:txBody>
@@ -9970,7 +12788,7 @@
     </p:spTree>
     <p:extLst>
       <p:ext uri="{BB962C8B-B14F-4D97-AF65-F5344CB8AC3E}">
-        <p14:creationId xmlns:p14="http://schemas.microsoft.com/office/powerpoint/2010/main" val="3835594416"/>
+        <p14:creationId xmlns:p14="http://schemas.microsoft.com/office/powerpoint/2010/main" val="3428301373"/>
       </p:ext>
     </p:extLst>
   </p:cSld>
